--- a/spring13/slides13/infinite-expectation.pptx
+++ b/spring13/slides13/infinite-expectation.pptx
@@ -3067,7 +3067,7 @@
             <a:pPr eaLnBrk="1" hangingPunct="1"/>
             <a:r>
               <a:rPr lang="en-US" sz="8000" dirty="0" smtClean="0"/>
-              <a:t>Infinite</a:t>
+              <a:t>(Infinite)</a:t>
             </a:r>
             <a:br>
               <a:rPr lang="en-US" sz="8000" dirty="0" smtClean="0"/>
@@ -4086,25 +4086,25 @@
           <p:nvPr>
             <p:extLst>
               <p:ext uri="{D42A27DB-BD31-4B8C-83A1-F6EECF244321}">
-                <p14:modId xmlns:p14="http://schemas.microsoft.com/office/powerpoint/2010/main" val="1424401749"/>
+                <p14:modId xmlns:p14="http://schemas.microsoft.com/office/powerpoint/2010/main" val="2851488900"/>
               </p:ext>
             </p:extLst>
           </p:nvPr>
         </p:nvGraphicFramePr>
         <p:xfrm>
-          <a:off x="2682875" y="4648200"/>
-          <a:ext cx="3778250" cy="1752600"/>
+          <a:off x="2928938" y="4648200"/>
+          <a:ext cx="3284537" cy="1752600"/>
         </p:xfrm>
         <a:graphic>
           <a:graphicData uri="http://schemas.openxmlformats.org/presentationml/2006/ole">
             <mc:AlternateContent xmlns:mc="http://schemas.openxmlformats.org/markup-compatibility/2006">
               <mc:Choice xmlns:v="urn:schemas-microsoft-com:vml" Requires="v">
-                <p:oleObj spid="_x0000_s247815" name="Equation" r:id="rId3" imgW="876300" imgH="406400" progId="Equation.DSMT4">
+                <p:oleObj spid="_x0000_s247823" name="Equation" r:id="rId3" imgW="762000" imgH="406400" progId="Equation.DSMT4">
                   <p:embed/>
                 </p:oleObj>
               </mc:Choice>
               <mc:Fallback>
-                <p:oleObj name="Equation" r:id="rId3" imgW="876300" imgH="406400" progId="Equation.DSMT4">
+                <p:oleObj name="Equation" r:id="rId3" imgW="762000" imgH="406400" progId="Equation.DSMT4">
                   <p:embed/>
                   <p:pic>
                     <p:nvPicPr>
@@ -4120,8 +4120,8 @@
                     </p:blipFill>
                     <p:spPr>
                       <a:xfrm>
-                        <a:off x="2682875" y="4648200"/>
-                        <a:ext cx="3778250" cy="1752600"/>
+                        <a:off x="2928938" y="4648200"/>
+                        <a:ext cx="3284537" cy="1752600"/>
                       </a:xfrm>
                       <a:prstGeom prst="rect">
                         <a:avLst/>
@@ -4585,25 +4585,25 @@
           <p:nvPr>
             <p:extLst>
               <p:ext uri="{D42A27DB-BD31-4B8C-83A1-F6EECF244321}">
-                <p14:modId xmlns:p14="http://schemas.microsoft.com/office/powerpoint/2010/main" val="2444464306"/>
+                <p14:modId xmlns:p14="http://schemas.microsoft.com/office/powerpoint/2010/main" val="3028073569"/>
               </p:ext>
             </p:extLst>
           </p:nvPr>
         </p:nvGraphicFramePr>
         <p:xfrm>
-          <a:off x="2457450" y="4724400"/>
-          <a:ext cx="4162425" cy="1423987"/>
+          <a:off x="2703513" y="4724400"/>
+          <a:ext cx="3668712" cy="1423988"/>
         </p:xfrm>
         <a:graphic>
           <a:graphicData uri="http://schemas.openxmlformats.org/presentationml/2006/ole">
             <mc:AlternateContent xmlns:mc="http://schemas.openxmlformats.org/markup-compatibility/2006">
               <mc:Choice xmlns:v="urn:schemas-microsoft-com:vml" Requires="v">
-                <p:oleObj spid="_x0000_s250887" name="Equation" r:id="rId3" imgW="965200" imgH="330200" progId="Equation.DSMT4">
+                <p:oleObj spid="_x0000_s250895" name="Equation" r:id="rId3" imgW="850900" imgH="330200" progId="Equation.DSMT4">
                   <p:embed/>
                 </p:oleObj>
               </mc:Choice>
               <mc:Fallback>
-                <p:oleObj name="Equation" r:id="rId3" imgW="965200" imgH="330200" progId="Equation.DSMT4">
+                <p:oleObj name="Equation" r:id="rId3" imgW="850900" imgH="330200" progId="Equation.DSMT4">
                   <p:embed/>
                   <p:pic>
                     <p:nvPicPr>
@@ -4619,8 +4619,8 @@
                     </p:blipFill>
                     <p:spPr>
                       <a:xfrm>
-                        <a:off x="2457450" y="4724400"/>
-                        <a:ext cx="4162425" cy="1423987"/>
+                        <a:off x="2703513" y="4724400"/>
+                        <a:ext cx="3668712" cy="1423988"/>
                       </a:xfrm>
                       <a:prstGeom prst="rect">
                         <a:avLst/>
@@ -4643,13 +4643,13 @@
   <p:clrMapOvr>
     <a:masterClrMapping/>
   </p:clrMapOvr>
-  <mc:AlternateContent xmlns:mc="http://schemas.openxmlformats.org/markup-compatibility/2006">
-    <mc:Choice xmlns:p14="http://schemas.microsoft.com/office/powerpoint/2010/main" Requires="p14">
+  <mc:AlternateContent xmlns:mc="http://schemas.openxmlformats.org/markup-compatibility/2006" xmlns:p14="http://schemas.microsoft.com/office/powerpoint/2010/main">
+    <mc:Choice Requires="p14">
       <p:transition spd="med" p14:dur="700">
         <p:fade/>
       </p:transition>
     </mc:Choice>
-    <mc:Fallback>
+    <mc:Fallback xmlns="">
       <p:transition xmlns:p14="http://schemas.microsoft.com/office/powerpoint/2010/main" spd="med">
         <p:fade/>
       </p:transition>
@@ -4902,13 +4902,13 @@
   <p:clrMapOvr>
     <a:masterClrMapping/>
   </p:clrMapOvr>
-  <mc:AlternateContent xmlns:mc="http://schemas.openxmlformats.org/markup-compatibility/2006">
-    <mc:Choice xmlns:p14="http://schemas.microsoft.com/office/powerpoint/2010/main" Requires="p14">
+  <mc:AlternateContent xmlns:mc="http://schemas.openxmlformats.org/markup-compatibility/2006" xmlns:p14="http://schemas.microsoft.com/office/powerpoint/2010/main">
+    <mc:Choice Requires="p14">
       <p:transition spd="med" p14:dur="700">
         <p:fade/>
       </p:transition>
     </mc:Choice>
-    <mc:Fallback>
+    <mc:Fallback xmlns="">
       <p:transition xmlns:p14="http://schemas.microsoft.com/office/powerpoint/2010/main" spd="med">
         <p:fade/>
       </p:transition>
@@ -5073,13 +5073,13 @@
   <p:clrMapOvr>
     <a:masterClrMapping/>
   </p:clrMapOvr>
-  <mc:AlternateContent xmlns:mc="http://schemas.openxmlformats.org/markup-compatibility/2006">
-    <mc:Choice xmlns:p14="http://schemas.microsoft.com/office/powerpoint/2010/main" Requires="p14">
+  <mc:AlternateContent xmlns:mc="http://schemas.openxmlformats.org/markup-compatibility/2006" xmlns:p14="http://schemas.microsoft.com/office/powerpoint/2010/main">
+    <mc:Choice Requires="p14">
       <p:transition spd="slow" p14:dur="1100">
         <p:fade thruBlk="1"/>
       </p:transition>
     </mc:Choice>
-    <mc:Fallback>
+    <mc:Fallback xmlns="">
       <p:transition xmlns:p14="http://schemas.microsoft.com/office/powerpoint/2010/main" spd="slow">
         <p:fade thruBlk="1"/>
       </p:transition>

--- a/spring13/slides13/infinite-expectation.pptx
+++ b/spring13/slides13/infinite-expectation.pptx
@@ -5,19 +5,30 @@
     <p:sldMasterId id="2147483648" r:id="rId1"/>
   </p:sldMasterIdLst>
   <p:notesMasterIdLst>
-    <p:notesMasterId r:id="rId9"/>
+    <p:notesMasterId r:id="rId20"/>
   </p:notesMasterIdLst>
   <p:handoutMasterIdLst>
-    <p:handoutMasterId r:id="rId10"/>
+    <p:handoutMasterId r:id="rId21"/>
   </p:handoutMasterIdLst>
   <p:sldIdLst>
-    <p:sldId id="256" r:id="rId2"/>
-    <p:sldId id="257" r:id="rId3"/>
-    <p:sldId id="258" r:id="rId4"/>
-    <p:sldId id="260" r:id="rId5"/>
-    <p:sldId id="263" r:id="rId6"/>
-    <p:sldId id="264" r:id="rId7"/>
-    <p:sldId id="265" r:id="rId8"/>
+    <p:sldId id="257" r:id="rId2"/>
+    <p:sldId id="266" r:id="rId3"/>
+    <p:sldId id="275" r:id="rId4"/>
+    <p:sldId id="267" r:id="rId5"/>
+    <p:sldId id="268" r:id="rId6"/>
+    <p:sldId id="269" r:id="rId7"/>
+    <p:sldId id="276" r:id="rId8"/>
+    <p:sldId id="270" r:id="rId9"/>
+    <p:sldId id="271" r:id="rId10"/>
+    <p:sldId id="277" r:id="rId11"/>
+    <p:sldId id="272" r:id="rId12"/>
+    <p:sldId id="274" r:id="rId13"/>
+    <p:sldId id="278" r:id="rId14"/>
+    <p:sldId id="279" r:id="rId15"/>
+    <p:sldId id="260" r:id="rId16"/>
+    <p:sldId id="263" r:id="rId17"/>
+    <p:sldId id="264" r:id="rId18"/>
+    <p:sldId id="265" r:id="rId19"/>
   </p:sldIdLst>
   <p:sldSz cx="9144000" cy="6858000" type="screen4x3"/>
   <p:notesSz cx="9601200" cy="7315200"/>
@@ -933,6 +944,816 @@
 </p:notes>
 </file>
 
+<file path=ppt/notesSlides/notesSlide10.xml><?xml version="1.0" encoding="utf-8"?>
+<p:notes xmlns:a="http://schemas.openxmlformats.org/drawingml/2006/main" xmlns:r="http://schemas.openxmlformats.org/officeDocument/2006/relationships" xmlns:p="http://schemas.openxmlformats.org/presentationml/2006/main">
+  <p:cSld>
+    <p:spTree>
+      <p:nvGrpSpPr>
+        <p:cNvPr id="1" name=""/>
+        <p:cNvGrpSpPr/>
+        <p:nvPr/>
+      </p:nvGrpSpPr>
+      <p:grpSpPr>
+        <a:xfrm>
+          <a:off x="0" y="0"/>
+          <a:ext cx="0" cy="0"/>
+          <a:chOff x="0" y="0"/>
+          <a:chExt cx="0" cy="0"/>
+        </a:xfrm>
+      </p:grpSpPr>
+      <p:sp>
+        <p:nvSpPr>
+          <p:cNvPr id="2" name="Slide Image Placeholder 1"/>
+          <p:cNvSpPr>
+            <a:spLocks noGrp="1" noRot="1" noChangeAspect="1"/>
+          </p:cNvSpPr>
+          <p:nvPr>
+            <p:ph type="sldImg"/>
+          </p:nvPr>
+        </p:nvSpPr>
+        <p:spPr/>
+      </p:sp>
+      <p:sp>
+        <p:nvSpPr>
+          <p:cNvPr id="3" name="Notes Placeholder 2"/>
+          <p:cNvSpPr>
+            <a:spLocks noGrp="1"/>
+          </p:cNvSpPr>
+          <p:nvPr>
+            <p:ph type="body" idx="1"/>
+          </p:nvPr>
+        </p:nvSpPr>
+        <p:spPr/>
+        <p:txBody>
+          <a:bodyPr/>
+          <a:lstStyle/>
+          <a:p>
+            <a:endParaRPr lang="en-US"/>
+          </a:p>
+        </p:txBody>
+      </p:sp>
+      <p:sp>
+        <p:nvSpPr>
+          <p:cNvPr id="4" name="Slide Number Placeholder 3"/>
+          <p:cNvSpPr>
+            <a:spLocks noGrp="1"/>
+          </p:cNvSpPr>
+          <p:nvPr>
+            <p:ph type="sldNum" sz="quarter" idx="10"/>
+          </p:nvPr>
+        </p:nvSpPr>
+        <p:spPr/>
+        <p:txBody>
+          <a:bodyPr/>
+          <a:lstStyle/>
+          <a:p>
+            <a:pPr>
+              <a:defRPr/>
+            </a:pPr>
+            <a:fld id="{DC552C11-A6B4-BC49-B9DF-E9E99EC5DABC}" type="slidenum">
+              <a:rPr lang="en-US" smtClean="0"/>
+              <a:pPr>
+                <a:defRPr/>
+              </a:pPr>
+              <a:t>10</a:t>
+            </a:fld>
+            <a:endParaRPr lang="en-US" dirty="0"/>
+          </a:p>
+        </p:txBody>
+      </p:sp>
+    </p:spTree>
+    <p:extLst>
+      <p:ext uri="{BB962C8B-B14F-4D97-AF65-F5344CB8AC3E}">
+        <p14:creationId xmlns:p14="http://schemas.microsoft.com/office/powerpoint/2010/main" val="2903857585"/>
+      </p:ext>
+    </p:extLst>
+  </p:cSld>
+  <p:clrMapOvr>
+    <a:masterClrMapping/>
+  </p:clrMapOvr>
+</p:notes>
+</file>
+
+<file path=ppt/notesSlides/notesSlide11.xml><?xml version="1.0" encoding="utf-8"?>
+<p:notes xmlns:a="http://schemas.openxmlformats.org/drawingml/2006/main" xmlns:r="http://schemas.openxmlformats.org/officeDocument/2006/relationships" xmlns:p="http://schemas.openxmlformats.org/presentationml/2006/main">
+  <p:cSld>
+    <p:spTree>
+      <p:nvGrpSpPr>
+        <p:cNvPr id="1" name=""/>
+        <p:cNvGrpSpPr/>
+        <p:nvPr/>
+      </p:nvGrpSpPr>
+      <p:grpSpPr>
+        <a:xfrm>
+          <a:off x="0" y="0"/>
+          <a:ext cx="0" cy="0"/>
+          <a:chOff x="0" y="0"/>
+          <a:chExt cx="0" cy="0"/>
+        </a:xfrm>
+      </p:grpSpPr>
+      <p:sp>
+        <p:nvSpPr>
+          <p:cNvPr id="2" name="Slide Image Placeholder 1"/>
+          <p:cNvSpPr>
+            <a:spLocks noGrp="1" noRot="1" noChangeAspect="1"/>
+          </p:cNvSpPr>
+          <p:nvPr>
+            <p:ph type="sldImg"/>
+          </p:nvPr>
+        </p:nvSpPr>
+        <p:spPr/>
+      </p:sp>
+      <p:sp>
+        <p:nvSpPr>
+          <p:cNvPr id="3" name="Notes Placeholder 2"/>
+          <p:cNvSpPr>
+            <a:spLocks noGrp="1"/>
+          </p:cNvSpPr>
+          <p:nvPr>
+            <p:ph type="body" idx="1"/>
+          </p:nvPr>
+        </p:nvSpPr>
+        <p:spPr/>
+        <p:txBody>
+          <a:bodyPr/>
+          <a:lstStyle/>
+          <a:p>
+            <a:endParaRPr lang="en-US"/>
+          </a:p>
+        </p:txBody>
+      </p:sp>
+      <p:sp>
+        <p:nvSpPr>
+          <p:cNvPr id="4" name="Slide Number Placeholder 3"/>
+          <p:cNvSpPr>
+            <a:spLocks noGrp="1"/>
+          </p:cNvSpPr>
+          <p:nvPr>
+            <p:ph type="sldNum" sz="quarter" idx="10"/>
+          </p:nvPr>
+        </p:nvSpPr>
+        <p:spPr/>
+        <p:txBody>
+          <a:bodyPr/>
+          <a:lstStyle/>
+          <a:p>
+            <a:pPr>
+              <a:defRPr/>
+            </a:pPr>
+            <a:fld id="{DC552C11-A6B4-BC49-B9DF-E9E99EC5DABC}" type="slidenum">
+              <a:rPr lang="en-US" smtClean="0"/>
+              <a:pPr>
+                <a:defRPr/>
+              </a:pPr>
+              <a:t>11</a:t>
+            </a:fld>
+            <a:endParaRPr lang="en-US" dirty="0"/>
+          </a:p>
+        </p:txBody>
+      </p:sp>
+    </p:spTree>
+    <p:extLst>
+      <p:ext uri="{BB962C8B-B14F-4D97-AF65-F5344CB8AC3E}">
+        <p14:creationId xmlns:p14="http://schemas.microsoft.com/office/powerpoint/2010/main" val="4210244375"/>
+      </p:ext>
+    </p:extLst>
+  </p:cSld>
+  <p:clrMapOvr>
+    <a:masterClrMapping/>
+  </p:clrMapOvr>
+</p:notes>
+</file>
+
+<file path=ppt/notesSlides/notesSlide12.xml><?xml version="1.0" encoding="utf-8"?>
+<p:notes xmlns:a="http://schemas.openxmlformats.org/drawingml/2006/main" xmlns:r="http://schemas.openxmlformats.org/officeDocument/2006/relationships" xmlns:p="http://schemas.openxmlformats.org/presentationml/2006/main">
+  <p:cSld>
+    <p:spTree>
+      <p:nvGrpSpPr>
+        <p:cNvPr id="1" name=""/>
+        <p:cNvGrpSpPr/>
+        <p:nvPr/>
+      </p:nvGrpSpPr>
+      <p:grpSpPr>
+        <a:xfrm>
+          <a:off x="0" y="0"/>
+          <a:ext cx="0" cy="0"/>
+          <a:chOff x="0" y="0"/>
+          <a:chExt cx="0" cy="0"/>
+        </a:xfrm>
+      </p:grpSpPr>
+      <p:sp>
+        <p:nvSpPr>
+          <p:cNvPr id="2" name="Slide Image Placeholder 1"/>
+          <p:cNvSpPr>
+            <a:spLocks noGrp="1" noRot="1" noChangeAspect="1"/>
+          </p:cNvSpPr>
+          <p:nvPr>
+            <p:ph type="sldImg"/>
+          </p:nvPr>
+        </p:nvSpPr>
+        <p:spPr/>
+      </p:sp>
+      <p:sp>
+        <p:nvSpPr>
+          <p:cNvPr id="3" name="Notes Placeholder 2"/>
+          <p:cNvSpPr>
+            <a:spLocks noGrp="1"/>
+          </p:cNvSpPr>
+          <p:nvPr>
+            <p:ph type="body" idx="1"/>
+          </p:nvPr>
+        </p:nvSpPr>
+        <p:spPr/>
+        <p:txBody>
+          <a:bodyPr/>
+          <a:lstStyle/>
+          <a:p>
+            <a:endParaRPr lang="en-US"/>
+          </a:p>
+        </p:txBody>
+      </p:sp>
+      <p:sp>
+        <p:nvSpPr>
+          <p:cNvPr id="4" name="Slide Number Placeholder 3"/>
+          <p:cNvSpPr>
+            <a:spLocks noGrp="1"/>
+          </p:cNvSpPr>
+          <p:nvPr>
+            <p:ph type="sldNum" sz="quarter" idx="10"/>
+          </p:nvPr>
+        </p:nvSpPr>
+        <p:spPr/>
+        <p:txBody>
+          <a:bodyPr/>
+          <a:lstStyle/>
+          <a:p>
+            <a:pPr>
+              <a:defRPr/>
+            </a:pPr>
+            <a:fld id="{DC552C11-A6B4-BC49-B9DF-E9E99EC5DABC}" type="slidenum">
+              <a:rPr lang="en-US" smtClean="0"/>
+              <a:pPr>
+                <a:defRPr/>
+              </a:pPr>
+              <a:t>12</a:t>
+            </a:fld>
+            <a:endParaRPr lang="en-US" dirty="0"/>
+          </a:p>
+        </p:txBody>
+      </p:sp>
+    </p:spTree>
+    <p:extLst>
+      <p:ext uri="{BB962C8B-B14F-4D97-AF65-F5344CB8AC3E}">
+        <p14:creationId xmlns:p14="http://schemas.microsoft.com/office/powerpoint/2010/main" val="3011400830"/>
+      </p:ext>
+    </p:extLst>
+  </p:cSld>
+  <p:clrMapOvr>
+    <a:masterClrMapping/>
+  </p:clrMapOvr>
+</p:notes>
+</file>
+
+<file path=ppt/notesSlides/notesSlide13.xml><?xml version="1.0" encoding="utf-8"?>
+<p:notes xmlns:a="http://schemas.openxmlformats.org/drawingml/2006/main" xmlns:r="http://schemas.openxmlformats.org/officeDocument/2006/relationships" xmlns:p="http://schemas.openxmlformats.org/presentationml/2006/main">
+  <p:cSld>
+    <p:spTree>
+      <p:nvGrpSpPr>
+        <p:cNvPr id="1" name=""/>
+        <p:cNvGrpSpPr/>
+        <p:nvPr/>
+      </p:nvGrpSpPr>
+      <p:grpSpPr>
+        <a:xfrm>
+          <a:off x="0" y="0"/>
+          <a:ext cx="0" cy="0"/>
+          <a:chOff x="0" y="0"/>
+          <a:chExt cx="0" cy="0"/>
+        </a:xfrm>
+      </p:grpSpPr>
+      <p:sp>
+        <p:nvSpPr>
+          <p:cNvPr id="2" name="Slide Image Placeholder 1"/>
+          <p:cNvSpPr>
+            <a:spLocks noGrp="1" noRot="1" noChangeAspect="1"/>
+          </p:cNvSpPr>
+          <p:nvPr>
+            <p:ph type="sldImg"/>
+          </p:nvPr>
+        </p:nvSpPr>
+        <p:spPr/>
+      </p:sp>
+      <p:sp>
+        <p:nvSpPr>
+          <p:cNvPr id="3" name="Notes Placeholder 2"/>
+          <p:cNvSpPr>
+            <a:spLocks noGrp="1"/>
+          </p:cNvSpPr>
+          <p:nvPr>
+            <p:ph type="body" idx="1"/>
+          </p:nvPr>
+        </p:nvSpPr>
+        <p:spPr/>
+        <p:txBody>
+          <a:bodyPr/>
+          <a:lstStyle/>
+          <a:p>
+            <a:endParaRPr lang="en-US"/>
+          </a:p>
+        </p:txBody>
+      </p:sp>
+      <p:sp>
+        <p:nvSpPr>
+          <p:cNvPr id="4" name="Slide Number Placeholder 3"/>
+          <p:cNvSpPr>
+            <a:spLocks noGrp="1"/>
+          </p:cNvSpPr>
+          <p:nvPr>
+            <p:ph type="sldNum" sz="quarter" idx="10"/>
+          </p:nvPr>
+        </p:nvSpPr>
+        <p:spPr/>
+        <p:txBody>
+          <a:bodyPr/>
+          <a:lstStyle/>
+          <a:p>
+            <a:pPr>
+              <a:defRPr/>
+            </a:pPr>
+            <a:fld id="{DC552C11-A6B4-BC49-B9DF-E9E99EC5DABC}" type="slidenum">
+              <a:rPr lang="en-US" smtClean="0"/>
+              <a:pPr>
+                <a:defRPr/>
+              </a:pPr>
+              <a:t>13</a:t>
+            </a:fld>
+            <a:endParaRPr lang="en-US" dirty="0"/>
+          </a:p>
+        </p:txBody>
+      </p:sp>
+    </p:spTree>
+    <p:extLst>
+      <p:ext uri="{BB962C8B-B14F-4D97-AF65-F5344CB8AC3E}">
+        <p14:creationId xmlns:p14="http://schemas.microsoft.com/office/powerpoint/2010/main" val="1002986448"/>
+      </p:ext>
+    </p:extLst>
+  </p:cSld>
+  <p:clrMapOvr>
+    <a:masterClrMapping/>
+  </p:clrMapOvr>
+</p:notes>
+</file>
+
+<file path=ppt/notesSlides/notesSlide14.xml><?xml version="1.0" encoding="utf-8"?>
+<p:notes xmlns:a="http://schemas.openxmlformats.org/drawingml/2006/main" xmlns:r="http://schemas.openxmlformats.org/officeDocument/2006/relationships" xmlns:p="http://schemas.openxmlformats.org/presentationml/2006/main">
+  <p:cSld>
+    <p:spTree>
+      <p:nvGrpSpPr>
+        <p:cNvPr id="1" name=""/>
+        <p:cNvGrpSpPr/>
+        <p:nvPr/>
+      </p:nvGrpSpPr>
+      <p:grpSpPr>
+        <a:xfrm>
+          <a:off x="0" y="0"/>
+          <a:ext cx="0" cy="0"/>
+          <a:chOff x="0" y="0"/>
+          <a:chExt cx="0" cy="0"/>
+        </a:xfrm>
+      </p:grpSpPr>
+      <p:sp>
+        <p:nvSpPr>
+          <p:cNvPr id="2" name="Slide Image Placeholder 1"/>
+          <p:cNvSpPr>
+            <a:spLocks noGrp="1" noRot="1" noChangeAspect="1"/>
+          </p:cNvSpPr>
+          <p:nvPr>
+            <p:ph type="sldImg"/>
+          </p:nvPr>
+        </p:nvSpPr>
+        <p:spPr/>
+      </p:sp>
+      <p:sp>
+        <p:nvSpPr>
+          <p:cNvPr id="3" name="Notes Placeholder 2"/>
+          <p:cNvSpPr>
+            <a:spLocks noGrp="1"/>
+          </p:cNvSpPr>
+          <p:nvPr>
+            <p:ph type="body" idx="1"/>
+          </p:nvPr>
+        </p:nvSpPr>
+        <p:spPr/>
+        <p:txBody>
+          <a:bodyPr/>
+          <a:lstStyle/>
+          <a:p>
+            <a:endParaRPr lang="en-US"/>
+          </a:p>
+        </p:txBody>
+      </p:sp>
+      <p:sp>
+        <p:nvSpPr>
+          <p:cNvPr id="4" name="Slide Number Placeholder 3"/>
+          <p:cNvSpPr>
+            <a:spLocks noGrp="1"/>
+          </p:cNvSpPr>
+          <p:nvPr>
+            <p:ph type="sldNum" sz="quarter" idx="10"/>
+          </p:nvPr>
+        </p:nvSpPr>
+        <p:spPr/>
+        <p:txBody>
+          <a:bodyPr/>
+          <a:lstStyle/>
+          <a:p>
+            <a:pPr>
+              <a:defRPr/>
+            </a:pPr>
+            <a:fld id="{DC552C11-A6B4-BC49-B9DF-E9E99EC5DABC}" type="slidenum">
+              <a:rPr lang="en-US" smtClean="0"/>
+              <a:pPr>
+                <a:defRPr/>
+              </a:pPr>
+              <a:t>14</a:t>
+            </a:fld>
+            <a:endParaRPr lang="en-US" dirty="0"/>
+          </a:p>
+        </p:txBody>
+      </p:sp>
+    </p:spTree>
+    <p:extLst>
+      <p:ext uri="{BB962C8B-B14F-4D97-AF65-F5344CB8AC3E}">
+        <p14:creationId xmlns:p14="http://schemas.microsoft.com/office/powerpoint/2010/main" val="3586888690"/>
+      </p:ext>
+    </p:extLst>
+  </p:cSld>
+  <p:clrMapOvr>
+    <a:masterClrMapping/>
+  </p:clrMapOvr>
+</p:notes>
+</file>
+
+<file path=ppt/notesSlides/notesSlide15.xml><?xml version="1.0" encoding="utf-8"?>
+<p:notes xmlns:a="http://schemas.openxmlformats.org/drawingml/2006/main" xmlns:r="http://schemas.openxmlformats.org/officeDocument/2006/relationships" xmlns:p="http://schemas.openxmlformats.org/presentationml/2006/main">
+  <p:cSld>
+    <p:spTree>
+      <p:nvGrpSpPr>
+        <p:cNvPr id="1" name=""/>
+        <p:cNvGrpSpPr/>
+        <p:nvPr/>
+      </p:nvGrpSpPr>
+      <p:grpSpPr>
+        <a:xfrm>
+          <a:off x="0" y="0"/>
+          <a:ext cx="0" cy="0"/>
+          <a:chOff x="0" y="0"/>
+          <a:chExt cx="0" cy="0"/>
+        </a:xfrm>
+      </p:grpSpPr>
+      <p:sp>
+        <p:nvSpPr>
+          <p:cNvPr id="2" name="Slide Image Placeholder 1"/>
+          <p:cNvSpPr>
+            <a:spLocks noGrp="1" noRot="1" noChangeAspect="1"/>
+          </p:cNvSpPr>
+          <p:nvPr>
+            <p:ph type="sldImg"/>
+          </p:nvPr>
+        </p:nvSpPr>
+        <p:spPr/>
+      </p:sp>
+      <p:sp>
+        <p:nvSpPr>
+          <p:cNvPr id="3" name="Notes Placeholder 2"/>
+          <p:cNvSpPr>
+            <a:spLocks noGrp="1"/>
+          </p:cNvSpPr>
+          <p:nvPr>
+            <p:ph type="body" idx="1"/>
+          </p:nvPr>
+        </p:nvSpPr>
+        <p:spPr/>
+        <p:txBody>
+          <a:bodyPr/>
+          <a:lstStyle/>
+          <a:p>
+            <a:endParaRPr lang="en-US"/>
+          </a:p>
+        </p:txBody>
+      </p:sp>
+      <p:sp>
+        <p:nvSpPr>
+          <p:cNvPr id="4" name="Slide Number Placeholder 3"/>
+          <p:cNvSpPr>
+            <a:spLocks noGrp="1"/>
+          </p:cNvSpPr>
+          <p:nvPr>
+            <p:ph type="sldNum" sz="quarter" idx="10"/>
+          </p:nvPr>
+        </p:nvSpPr>
+        <p:spPr/>
+        <p:txBody>
+          <a:bodyPr/>
+          <a:lstStyle/>
+          <a:p>
+            <a:pPr>
+              <a:defRPr/>
+            </a:pPr>
+            <a:fld id="{DC552C11-A6B4-BC49-B9DF-E9E99EC5DABC}" type="slidenum">
+              <a:rPr lang="en-US" smtClean="0"/>
+              <a:pPr>
+                <a:defRPr/>
+              </a:pPr>
+              <a:t>15</a:t>
+            </a:fld>
+            <a:endParaRPr lang="en-US" dirty="0"/>
+          </a:p>
+        </p:txBody>
+      </p:sp>
+    </p:spTree>
+    <p:extLst>
+      <p:ext uri="{BB962C8B-B14F-4D97-AF65-F5344CB8AC3E}">
+        <p14:creationId xmlns:p14="http://schemas.microsoft.com/office/powerpoint/2010/main" val="3551775817"/>
+      </p:ext>
+    </p:extLst>
+  </p:cSld>
+  <p:clrMapOvr>
+    <a:masterClrMapping/>
+  </p:clrMapOvr>
+</p:notes>
+</file>
+
+<file path=ppt/notesSlides/notesSlide16.xml><?xml version="1.0" encoding="utf-8"?>
+<p:notes xmlns:a="http://schemas.openxmlformats.org/drawingml/2006/main" xmlns:r="http://schemas.openxmlformats.org/officeDocument/2006/relationships" xmlns:p="http://schemas.openxmlformats.org/presentationml/2006/main">
+  <p:cSld>
+    <p:spTree>
+      <p:nvGrpSpPr>
+        <p:cNvPr id="1" name=""/>
+        <p:cNvGrpSpPr/>
+        <p:nvPr/>
+      </p:nvGrpSpPr>
+      <p:grpSpPr>
+        <a:xfrm>
+          <a:off x="0" y="0"/>
+          <a:ext cx="0" cy="0"/>
+          <a:chOff x="0" y="0"/>
+          <a:chExt cx="0" cy="0"/>
+        </a:xfrm>
+      </p:grpSpPr>
+      <p:sp>
+        <p:nvSpPr>
+          <p:cNvPr id="2" name="Slide Image Placeholder 1"/>
+          <p:cNvSpPr>
+            <a:spLocks noGrp="1" noRot="1" noChangeAspect="1"/>
+          </p:cNvSpPr>
+          <p:nvPr>
+            <p:ph type="sldImg"/>
+          </p:nvPr>
+        </p:nvSpPr>
+        <p:spPr/>
+      </p:sp>
+      <p:sp>
+        <p:nvSpPr>
+          <p:cNvPr id="3" name="Notes Placeholder 2"/>
+          <p:cNvSpPr>
+            <a:spLocks noGrp="1"/>
+          </p:cNvSpPr>
+          <p:nvPr>
+            <p:ph type="body" idx="1"/>
+          </p:nvPr>
+        </p:nvSpPr>
+        <p:spPr/>
+        <p:txBody>
+          <a:bodyPr/>
+          <a:lstStyle/>
+          <a:p>
+            <a:endParaRPr lang="en-US"/>
+          </a:p>
+        </p:txBody>
+      </p:sp>
+      <p:sp>
+        <p:nvSpPr>
+          <p:cNvPr id="4" name="Slide Number Placeholder 3"/>
+          <p:cNvSpPr>
+            <a:spLocks noGrp="1"/>
+          </p:cNvSpPr>
+          <p:nvPr>
+            <p:ph type="sldNum" sz="quarter" idx="10"/>
+          </p:nvPr>
+        </p:nvSpPr>
+        <p:spPr/>
+        <p:txBody>
+          <a:bodyPr/>
+          <a:lstStyle/>
+          <a:p>
+            <a:pPr>
+              <a:defRPr/>
+            </a:pPr>
+            <a:fld id="{DC552C11-A6B4-BC49-B9DF-E9E99EC5DABC}" type="slidenum">
+              <a:rPr lang="en-US" smtClean="0"/>
+              <a:pPr>
+                <a:defRPr/>
+              </a:pPr>
+              <a:t>16</a:t>
+            </a:fld>
+            <a:endParaRPr lang="en-US" dirty="0"/>
+          </a:p>
+        </p:txBody>
+      </p:sp>
+    </p:spTree>
+    <p:extLst>
+      <p:ext uri="{BB962C8B-B14F-4D97-AF65-F5344CB8AC3E}">
+        <p14:creationId xmlns:p14="http://schemas.microsoft.com/office/powerpoint/2010/main" val="3118850496"/>
+      </p:ext>
+    </p:extLst>
+  </p:cSld>
+  <p:clrMapOvr>
+    <a:masterClrMapping/>
+  </p:clrMapOvr>
+</p:notes>
+</file>
+
+<file path=ppt/notesSlides/notesSlide17.xml><?xml version="1.0" encoding="utf-8"?>
+<p:notes xmlns:a="http://schemas.openxmlformats.org/drawingml/2006/main" xmlns:r="http://schemas.openxmlformats.org/officeDocument/2006/relationships" xmlns:p="http://schemas.openxmlformats.org/presentationml/2006/main">
+  <p:cSld>
+    <p:spTree>
+      <p:nvGrpSpPr>
+        <p:cNvPr id="1" name=""/>
+        <p:cNvGrpSpPr/>
+        <p:nvPr/>
+      </p:nvGrpSpPr>
+      <p:grpSpPr>
+        <a:xfrm>
+          <a:off x="0" y="0"/>
+          <a:ext cx="0" cy="0"/>
+          <a:chOff x="0" y="0"/>
+          <a:chExt cx="0" cy="0"/>
+        </a:xfrm>
+      </p:grpSpPr>
+      <p:sp>
+        <p:nvSpPr>
+          <p:cNvPr id="2" name="Slide Image Placeholder 1"/>
+          <p:cNvSpPr>
+            <a:spLocks noGrp="1" noRot="1" noChangeAspect="1"/>
+          </p:cNvSpPr>
+          <p:nvPr>
+            <p:ph type="sldImg"/>
+          </p:nvPr>
+        </p:nvSpPr>
+        <p:spPr/>
+      </p:sp>
+      <p:sp>
+        <p:nvSpPr>
+          <p:cNvPr id="3" name="Notes Placeholder 2"/>
+          <p:cNvSpPr>
+            <a:spLocks noGrp="1"/>
+          </p:cNvSpPr>
+          <p:nvPr>
+            <p:ph type="body" idx="1"/>
+          </p:nvPr>
+        </p:nvSpPr>
+        <p:spPr/>
+        <p:txBody>
+          <a:bodyPr/>
+          <a:lstStyle/>
+          <a:p>
+            <a:endParaRPr lang="en-US"/>
+          </a:p>
+        </p:txBody>
+      </p:sp>
+      <p:sp>
+        <p:nvSpPr>
+          <p:cNvPr id="4" name="Slide Number Placeholder 3"/>
+          <p:cNvSpPr>
+            <a:spLocks noGrp="1"/>
+          </p:cNvSpPr>
+          <p:nvPr>
+            <p:ph type="sldNum" sz="quarter" idx="10"/>
+          </p:nvPr>
+        </p:nvSpPr>
+        <p:spPr/>
+        <p:txBody>
+          <a:bodyPr/>
+          <a:lstStyle/>
+          <a:p>
+            <a:pPr>
+              <a:defRPr/>
+            </a:pPr>
+            <a:fld id="{DC552C11-A6B4-BC49-B9DF-E9E99EC5DABC}" type="slidenum">
+              <a:rPr lang="en-US" smtClean="0"/>
+              <a:pPr>
+                <a:defRPr/>
+              </a:pPr>
+              <a:t>17</a:t>
+            </a:fld>
+            <a:endParaRPr lang="en-US" dirty="0"/>
+          </a:p>
+        </p:txBody>
+      </p:sp>
+    </p:spTree>
+    <p:extLst>
+      <p:ext uri="{BB962C8B-B14F-4D97-AF65-F5344CB8AC3E}">
+        <p14:creationId xmlns:p14="http://schemas.microsoft.com/office/powerpoint/2010/main" val="2027732156"/>
+      </p:ext>
+    </p:extLst>
+  </p:cSld>
+  <p:clrMapOvr>
+    <a:masterClrMapping/>
+  </p:clrMapOvr>
+</p:notes>
+</file>
+
+<file path=ppt/notesSlides/notesSlide18.xml><?xml version="1.0" encoding="utf-8"?>
+<p:notes xmlns:a="http://schemas.openxmlformats.org/drawingml/2006/main" xmlns:r="http://schemas.openxmlformats.org/officeDocument/2006/relationships" xmlns:p="http://schemas.openxmlformats.org/presentationml/2006/main">
+  <p:cSld>
+    <p:spTree>
+      <p:nvGrpSpPr>
+        <p:cNvPr id="1" name=""/>
+        <p:cNvGrpSpPr/>
+        <p:nvPr/>
+      </p:nvGrpSpPr>
+      <p:grpSpPr>
+        <a:xfrm>
+          <a:off x="0" y="0"/>
+          <a:ext cx="0" cy="0"/>
+          <a:chOff x="0" y="0"/>
+          <a:chExt cx="0" cy="0"/>
+        </a:xfrm>
+      </p:grpSpPr>
+      <p:sp>
+        <p:nvSpPr>
+          <p:cNvPr id="2" name="Slide Image Placeholder 1"/>
+          <p:cNvSpPr>
+            <a:spLocks noGrp="1" noRot="1" noChangeAspect="1"/>
+          </p:cNvSpPr>
+          <p:nvPr>
+            <p:ph type="sldImg"/>
+          </p:nvPr>
+        </p:nvSpPr>
+        <p:spPr/>
+      </p:sp>
+      <p:sp>
+        <p:nvSpPr>
+          <p:cNvPr id="3" name="Notes Placeholder 2"/>
+          <p:cNvSpPr>
+            <a:spLocks noGrp="1"/>
+          </p:cNvSpPr>
+          <p:nvPr>
+            <p:ph type="body" idx="1"/>
+          </p:nvPr>
+        </p:nvSpPr>
+        <p:spPr/>
+        <p:txBody>
+          <a:bodyPr/>
+          <a:lstStyle/>
+          <a:p>
+            <a:endParaRPr lang="en-US"/>
+          </a:p>
+        </p:txBody>
+      </p:sp>
+      <p:sp>
+        <p:nvSpPr>
+          <p:cNvPr id="4" name="Slide Number Placeholder 3"/>
+          <p:cNvSpPr>
+            <a:spLocks noGrp="1"/>
+          </p:cNvSpPr>
+          <p:nvPr>
+            <p:ph type="sldNum" sz="quarter" idx="10"/>
+          </p:nvPr>
+        </p:nvSpPr>
+        <p:spPr/>
+        <p:txBody>
+          <a:bodyPr/>
+          <a:lstStyle/>
+          <a:p>
+            <a:pPr>
+              <a:defRPr/>
+            </a:pPr>
+            <a:fld id="{DC552C11-A6B4-BC49-B9DF-E9E99EC5DABC}" type="slidenum">
+              <a:rPr lang="en-US" smtClean="0"/>
+              <a:pPr>
+                <a:defRPr/>
+              </a:pPr>
+              <a:t>18</a:t>
+            </a:fld>
+            <a:endParaRPr lang="en-US" dirty="0"/>
+          </a:p>
+        </p:txBody>
+      </p:sp>
+    </p:spTree>
+    <p:extLst>
+      <p:ext uri="{BB962C8B-B14F-4D97-AF65-F5344CB8AC3E}">
+        <p14:creationId xmlns:p14="http://schemas.microsoft.com/office/powerpoint/2010/main" val="4093011155"/>
+      </p:ext>
+    </p:extLst>
+  </p:cSld>
+  <p:clrMapOvr>
+    <a:masterClrMapping/>
+  </p:clrMapOvr>
+</p:notes>
+</file>
+
 <file path=ppt/notesSlides/notesSlide2.xml><?xml version="1.0" encoding="utf-8"?>
 <p:notes xmlns:a="http://schemas.openxmlformats.org/drawingml/2006/main" xmlns:r="http://schemas.openxmlformats.org/officeDocument/2006/relationships" xmlns:p="http://schemas.openxmlformats.org/presentationml/2006/main">
   <p:cSld>
@@ -952,71 +1773,700 @@
       </p:grpSpPr>
       <p:sp>
         <p:nvSpPr>
-          <p:cNvPr id="16386" name="Rectangle 7"/>
-          <p:cNvSpPr>
-            <a:spLocks noGrp="1" noChangeArrowheads="1"/>
-          </p:cNvSpPr>
-          <p:nvPr>
-            <p:ph type="sldNum" sz="quarter" idx="5"/>
-          </p:nvPr>
-        </p:nvSpPr>
-        <p:spPr>
-          <a:noFill/>
-        </p:spPr>
+          <p:cNvPr id="2" name="Slide Image Placeholder 1"/>
+          <p:cNvSpPr>
+            <a:spLocks noGrp="1" noRot="1" noChangeAspect="1"/>
+          </p:cNvSpPr>
+          <p:nvPr>
+            <p:ph type="sldImg"/>
+          </p:nvPr>
+        </p:nvSpPr>
+        <p:spPr/>
+      </p:sp>
+      <p:sp>
+        <p:nvSpPr>
+          <p:cNvPr id="3" name="Notes Placeholder 2"/>
+          <p:cNvSpPr>
+            <a:spLocks noGrp="1"/>
+          </p:cNvSpPr>
+          <p:nvPr>
+            <p:ph type="body" idx="1"/>
+          </p:nvPr>
+        </p:nvSpPr>
+        <p:spPr/>
         <p:txBody>
           <a:bodyPr/>
           <a:lstStyle/>
           <a:p>
-            <a:fld id="{4E9946D8-74A5-EA4B-AC36-0FBEE73033D6}" type="slidenum">
-              <a:rPr lang="en-US"/>
-              <a:pPr/>
+            <a:endParaRPr lang="en-US"/>
+          </a:p>
+        </p:txBody>
+      </p:sp>
+      <p:sp>
+        <p:nvSpPr>
+          <p:cNvPr id="4" name="Slide Number Placeholder 3"/>
+          <p:cNvSpPr>
+            <a:spLocks noGrp="1"/>
+          </p:cNvSpPr>
+          <p:nvPr>
+            <p:ph type="sldNum" sz="quarter" idx="10"/>
+          </p:nvPr>
+        </p:nvSpPr>
+        <p:spPr/>
+        <p:txBody>
+          <a:bodyPr/>
+          <a:lstStyle/>
+          <a:p>
+            <a:pPr>
+              <a:defRPr/>
+            </a:pPr>
+            <a:fld id="{DC552C11-A6B4-BC49-B9DF-E9E99EC5DABC}" type="slidenum">
+              <a:rPr lang="en-US" smtClean="0"/>
+              <a:pPr>
+                <a:defRPr/>
+              </a:pPr>
               <a:t>2</a:t>
             </a:fld>
             <a:endParaRPr lang="en-US" dirty="0"/>
           </a:p>
         </p:txBody>
       </p:sp>
-      <p:sp>
-        <p:nvSpPr>
-          <p:cNvPr id="16387" name="Rectangle 2"/>
-          <p:cNvSpPr>
-            <a:spLocks noGrp="1" noRot="1" noChangeAspect="1" noChangeArrowheads="1" noTextEdit="1"/>
+    </p:spTree>
+    <p:extLst>
+      <p:ext uri="{BB962C8B-B14F-4D97-AF65-F5344CB8AC3E}">
+        <p14:creationId xmlns:p14="http://schemas.microsoft.com/office/powerpoint/2010/main" val="3060813271"/>
+      </p:ext>
+    </p:extLst>
+  </p:cSld>
+  <p:clrMapOvr>
+    <a:masterClrMapping/>
+  </p:clrMapOvr>
+</p:notes>
+</file>
+
+<file path=ppt/notesSlides/notesSlide3.xml><?xml version="1.0" encoding="utf-8"?>
+<p:notes xmlns:a="http://schemas.openxmlformats.org/drawingml/2006/main" xmlns:r="http://schemas.openxmlformats.org/officeDocument/2006/relationships" xmlns:p="http://schemas.openxmlformats.org/presentationml/2006/main">
+  <p:cSld>
+    <p:spTree>
+      <p:nvGrpSpPr>
+        <p:cNvPr id="1" name=""/>
+        <p:cNvGrpSpPr/>
+        <p:nvPr/>
+      </p:nvGrpSpPr>
+      <p:grpSpPr>
+        <a:xfrm>
+          <a:off x="0" y="0"/>
+          <a:ext cx="0" cy="0"/>
+          <a:chOff x="0" y="0"/>
+          <a:chExt cx="0" cy="0"/>
+        </a:xfrm>
+      </p:grpSpPr>
+      <p:sp>
+        <p:nvSpPr>
+          <p:cNvPr id="2" name="Slide Image Placeholder 1"/>
+          <p:cNvSpPr>
+            <a:spLocks noGrp="1" noRot="1" noChangeAspect="1"/>
           </p:cNvSpPr>
           <p:nvPr>
             <p:ph type="sldImg"/>
           </p:nvPr>
         </p:nvSpPr>
-        <p:spPr>
-          <a:ln/>
-        </p:spPr>
-      </p:sp>
-      <p:sp>
-        <p:nvSpPr>
-          <p:cNvPr id="16388" name="Rectangle 3"/>
-          <p:cNvSpPr>
-            <a:spLocks noGrp="1" noChangeArrowheads="1"/>
+        <p:spPr/>
+      </p:sp>
+      <p:sp>
+        <p:nvSpPr>
+          <p:cNvPr id="3" name="Notes Placeholder 2"/>
+          <p:cNvSpPr>
+            <a:spLocks noGrp="1"/>
           </p:cNvSpPr>
           <p:nvPr>
             <p:ph type="body" idx="1"/>
           </p:nvPr>
         </p:nvSpPr>
-        <p:spPr>
-          <a:noFill/>
-          <a:ln/>
-        </p:spPr>
+        <p:spPr/>
         <p:txBody>
           <a:bodyPr/>
           <a:lstStyle/>
           <a:p>
-            <a:pPr eaLnBrk="1" hangingPunct="1"/>
-            <a:endParaRPr lang="en-US" dirty="0">
-              <a:latin typeface="Arial" pitchFamily="-111" charset="0"/>
-              <a:ea typeface="ＭＳ Ｐゴシック" pitchFamily="-111" charset="-128"/>
-            </a:endParaRPr>
+            <a:endParaRPr lang="en-US"/>
+          </a:p>
+        </p:txBody>
+      </p:sp>
+      <p:sp>
+        <p:nvSpPr>
+          <p:cNvPr id="4" name="Slide Number Placeholder 3"/>
+          <p:cNvSpPr>
+            <a:spLocks noGrp="1"/>
+          </p:cNvSpPr>
+          <p:nvPr>
+            <p:ph type="sldNum" sz="quarter" idx="10"/>
+          </p:nvPr>
+        </p:nvSpPr>
+        <p:spPr/>
+        <p:txBody>
+          <a:bodyPr/>
+          <a:lstStyle/>
+          <a:p>
+            <a:pPr>
+              <a:defRPr/>
+            </a:pPr>
+            <a:fld id="{DC552C11-A6B4-BC49-B9DF-E9E99EC5DABC}" type="slidenum">
+              <a:rPr lang="en-US" smtClean="0"/>
+              <a:pPr>
+                <a:defRPr/>
+              </a:pPr>
+              <a:t>3</a:t>
+            </a:fld>
+            <a:endParaRPr lang="en-US" dirty="0"/>
           </a:p>
         </p:txBody>
       </p:sp>
     </p:spTree>
+    <p:extLst>
+      <p:ext uri="{BB962C8B-B14F-4D97-AF65-F5344CB8AC3E}">
+        <p14:creationId xmlns:p14="http://schemas.microsoft.com/office/powerpoint/2010/main" val="3060813271"/>
+      </p:ext>
+    </p:extLst>
+  </p:cSld>
+  <p:clrMapOvr>
+    <a:masterClrMapping/>
+  </p:clrMapOvr>
+</p:notes>
+</file>
+
+<file path=ppt/notesSlides/notesSlide4.xml><?xml version="1.0" encoding="utf-8"?>
+<p:notes xmlns:a="http://schemas.openxmlformats.org/drawingml/2006/main" xmlns:r="http://schemas.openxmlformats.org/officeDocument/2006/relationships" xmlns:p="http://schemas.openxmlformats.org/presentationml/2006/main">
+  <p:cSld>
+    <p:spTree>
+      <p:nvGrpSpPr>
+        <p:cNvPr id="1" name=""/>
+        <p:cNvGrpSpPr/>
+        <p:nvPr/>
+      </p:nvGrpSpPr>
+      <p:grpSpPr>
+        <a:xfrm>
+          <a:off x="0" y="0"/>
+          <a:ext cx="0" cy="0"/>
+          <a:chOff x="0" y="0"/>
+          <a:chExt cx="0" cy="0"/>
+        </a:xfrm>
+      </p:grpSpPr>
+      <p:sp>
+        <p:nvSpPr>
+          <p:cNvPr id="2" name="Slide Image Placeholder 1"/>
+          <p:cNvSpPr>
+            <a:spLocks noGrp="1" noRot="1" noChangeAspect="1"/>
+          </p:cNvSpPr>
+          <p:nvPr>
+            <p:ph type="sldImg"/>
+          </p:nvPr>
+        </p:nvSpPr>
+        <p:spPr/>
+      </p:sp>
+      <p:sp>
+        <p:nvSpPr>
+          <p:cNvPr id="3" name="Notes Placeholder 2"/>
+          <p:cNvSpPr>
+            <a:spLocks noGrp="1"/>
+          </p:cNvSpPr>
+          <p:nvPr>
+            <p:ph type="body" idx="1"/>
+          </p:nvPr>
+        </p:nvSpPr>
+        <p:spPr/>
+        <p:txBody>
+          <a:bodyPr/>
+          <a:lstStyle/>
+          <a:p>
+            <a:endParaRPr lang="en-US"/>
+          </a:p>
+        </p:txBody>
+      </p:sp>
+      <p:sp>
+        <p:nvSpPr>
+          <p:cNvPr id="4" name="Slide Number Placeholder 3"/>
+          <p:cNvSpPr>
+            <a:spLocks noGrp="1"/>
+          </p:cNvSpPr>
+          <p:nvPr>
+            <p:ph type="sldNum" sz="quarter" idx="10"/>
+          </p:nvPr>
+        </p:nvSpPr>
+        <p:spPr/>
+        <p:txBody>
+          <a:bodyPr/>
+          <a:lstStyle/>
+          <a:p>
+            <a:pPr>
+              <a:defRPr/>
+            </a:pPr>
+            <a:fld id="{DC552C11-A6B4-BC49-B9DF-E9E99EC5DABC}" type="slidenum">
+              <a:rPr lang="en-US" smtClean="0"/>
+              <a:pPr>
+                <a:defRPr/>
+              </a:pPr>
+              <a:t>4</a:t>
+            </a:fld>
+            <a:endParaRPr lang="en-US" dirty="0"/>
+          </a:p>
+        </p:txBody>
+      </p:sp>
+    </p:spTree>
+    <p:extLst>
+      <p:ext uri="{BB962C8B-B14F-4D97-AF65-F5344CB8AC3E}">
+        <p14:creationId xmlns:p14="http://schemas.microsoft.com/office/powerpoint/2010/main" val="2371154174"/>
+      </p:ext>
+    </p:extLst>
+  </p:cSld>
+  <p:clrMapOvr>
+    <a:masterClrMapping/>
+  </p:clrMapOvr>
+</p:notes>
+</file>
+
+<file path=ppt/notesSlides/notesSlide5.xml><?xml version="1.0" encoding="utf-8"?>
+<p:notes xmlns:a="http://schemas.openxmlformats.org/drawingml/2006/main" xmlns:r="http://schemas.openxmlformats.org/officeDocument/2006/relationships" xmlns:p="http://schemas.openxmlformats.org/presentationml/2006/main">
+  <p:cSld>
+    <p:spTree>
+      <p:nvGrpSpPr>
+        <p:cNvPr id="1" name=""/>
+        <p:cNvGrpSpPr/>
+        <p:nvPr/>
+      </p:nvGrpSpPr>
+      <p:grpSpPr>
+        <a:xfrm>
+          <a:off x="0" y="0"/>
+          <a:ext cx="0" cy="0"/>
+          <a:chOff x="0" y="0"/>
+          <a:chExt cx="0" cy="0"/>
+        </a:xfrm>
+      </p:grpSpPr>
+      <p:sp>
+        <p:nvSpPr>
+          <p:cNvPr id="2" name="Slide Image Placeholder 1"/>
+          <p:cNvSpPr>
+            <a:spLocks noGrp="1" noRot="1" noChangeAspect="1"/>
+          </p:cNvSpPr>
+          <p:nvPr>
+            <p:ph type="sldImg"/>
+          </p:nvPr>
+        </p:nvSpPr>
+        <p:spPr/>
+      </p:sp>
+      <p:sp>
+        <p:nvSpPr>
+          <p:cNvPr id="3" name="Notes Placeholder 2"/>
+          <p:cNvSpPr>
+            <a:spLocks noGrp="1"/>
+          </p:cNvSpPr>
+          <p:nvPr>
+            <p:ph type="body" idx="1"/>
+          </p:nvPr>
+        </p:nvSpPr>
+        <p:spPr/>
+        <p:txBody>
+          <a:bodyPr/>
+          <a:lstStyle/>
+          <a:p>
+            <a:endParaRPr lang="en-US"/>
+          </a:p>
+        </p:txBody>
+      </p:sp>
+      <p:sp>
+        <p:nvSpPr>
+          <p:cNvPr id="4" name="Slide Number Placeholder 3"/>
+          <p:cNvSpPr>
+            <a:spLocks noGrp="1"/>
+          </p:cNvSpPr>
+          <p:nvPr>
+            <p:ph type="sldNum" sz="quarter" idx="10"/>
+          </p:nvPr>
+        </p:nvSpPr>
+        <p:spPr/>
+        <p:txBody>
+          <a:bodyPr/>
+          <a:lstStyle/>
+          <a:p>
+            <a:pPr>
+              <a:defRPr/>
+            </a:pPr>
+            <a:fld id="{DC552C11-A6B4-BC49-B9DF-E9E99EC5DABC}" type="slidenum">
+              <a:rPr lang="en-US" smtClean="0"/>
+              <a:pPr>
+                <a:defRPr/>
+              </a:pPr>
+              <a:t>5</a:t>
+            </a:fld>
+            <a:endParaRPr lang="en-US" dirty="0"/>
+          </a:p>
+        </p:txBody>
+      </p:sp>
+    </p:spTree>
+    <p:extLst>
+      <p:ext uri="{BB962C8B-B14F-4D97-AF65-F5344CB8AC3E}">
+        <p14:creationId xmlns:p14="http://schemas.microsoft.com/office/powerpoint/2010/main" val="1758896302"/>
+      </p:ext>
+    </p:extLst>
+  </p:cSld>
+  <p:clrMapOvr>
+    <a:masterClrMapping/>
+  </p:clrMapOvr>
+</p:notes>
+</file>
+
+<file path=ppt/notesSlides/notesSlide6.xml><?xml version="1.0" encoding="utf-8"?>
+<p:notes xmlns:a="http://schemas.openxmlformats.org/drawingml/2006/main" xmlns:r="http://schemas.openxmlformats.org/officeDocument/2006/relationships" xmlns:p="http://schemas.openxmlformats.org/presentationml/2006/main">
+  <p:cSld>
+    <p:spTree>
+      <p:nvGrpSpPr>
+        <p:cNvPr id="1" name=""/>
+        <p:cNvGrpSpPr/>
+        <p:nvPr/>
+      </p:nvGrpSpPr>
+      <p:grpSpPr>
+        <a:xfrm>
+          <a:off x="0" y="0"/>
+          <a:ext cx="0" cy="0"/>
+          <a:chOff x="0" y="0"/>
+          <a:chExt cx="0" cy="0"/>
+        </a:xfrm>
+      </p:grpSpPr>
+      <p:sp>
+        <p:nvSpPr>
+          <p:cNvPr id="2" name="Slide Image Placeholder 1"/>
+          <p:cNvSpPr>
+            <a:spLocks noGrp="1" noRot="1" noChangeAspect="1"/>
+          </p:cNvSpPr>
+          <p:nvPr>
+            <p:ph type="sldImg"/>
+          </p:nvPr>
+        </p:nvSpPr>
+        <p:spPr/>
+      </p:sp>
+      <p:sp>
+        <p:nvSpPr>
+          <p:cNvPr id="3" name="Notes Placeholder 2"/>
+          <p:cNvSpPr>
+            <a:spLocks noGrp="1"/>
+          </p:cNvSpPr>
+          <p:nvPr>
+            <p:ph type="body" idx="1"/>
+          </p:nvPr>
+        </p:nvSpPr>
+        <p:spPr/>
+        <p:txBody>
+          <a:bodyPr/>
+          <a:lstStyle/>
+          <a:p>
+            <a:endParaRPr lang="en-US"/>
+          </a:p>
+        </p:txBody>
+      </p:sp>
+      <p:sp>
+        <p:nvSpPr>
+          <p:cNvPr id="4" name="Slide Number Placeholder 3"/>
+          <p:cNvSpPr>
+            <a:spLocks noGrp="1"/>
+          </p:cNvSpPr>
+          <p:nvPr>
+            <p:ph type="sldNum" sz="quarter" idx="10"/>
+          </p:nvPr>
+        </p:nvSpPr>
+        <p:spPr/>
+        <p:txBody>
+          <a:bodyPr/>
+          <a:lstStyle/>
+          <a:p>
+            <a:pPr>
+              <a:defRPr/>
+            </a:pPr>
+            <a:fld id="{DC552C11-A6B4-BC49-B9DF-E9E99EC5DABC}" type="slidenum">
+              <a:rPr lang="en-US" smtClean="0"/>
+              <a:pPr>
+                <a:defRPr/>
+              </a:pPr>
+              <a:t>6</a:t>
+            </a:fld>
+            <a:endParaRPr lang="en-US" dirty="0"/>
+          </a:p>
+        </p:txBody>
+      </p:sp>
+    </p:spTree>
+    <p:extLst>
+      <p:ext uri="{BB962C8B-B14F-4D97-AF65-F5344CB8AC3E}">
+        <p14:creationId xmlns:p14="http://schemas.microsoft.com/office/powerpoint/2010/main" val="729939115"/>
+      </p:ext>
+    </p:extLst>
+  </p:cSld>
+  <p:clrMapOvr>
+    <a:masterClrMapping/>
+  </p:clrMapOvr>
+</p:notes>
+</file>
+
+<file path=ppt/notesSlides/notesSlide7.xml><?xml version="1.0" encoding="utf-8"?>
+<p:notes xmlns:a="http://schemas.openxmlformats.org/drawingml/2006/main" xmlns:r="http://schemas.openxmlformats.org/officeDocument/2006/relationships" xmlns:p="http://schemas.openxmlformats.org/presentationml/2006/main">
+  <p:cSld>
+    <p:spTree>
+      <p:nvGrpSpPr>
+        <p:cNvPr id="1" name=""/>
+        <p:cNvGrpSpPr/>
+        <p:nvPr/>
+      </p:nvGrpSpPr>
+      <p:grpSpPr>
+        <a:xfrm>
+          <a:off x="0" y="0"/>
+          <a:ext cx="0" cy="0"/>
+          <a:chOff x="0" y="0"/>
+          <a:chExt cx="0" cy="0"/>
+        </a:xfrm>
+      </p:grpSpPr>
+      <p:sp>
+        <p:nvSpPr>
+          <p:cNvPr id="2" name="Slide Image Placeholder 1"/>
+          <p:cNvSpPr>
+            <a:spLocks noGrp="1" noRot="1" noChangeAspect="1"/>
+          </p:cNvSpPr>
+          <p:nvPr>
+            <p:ph type="sldImg"/>
+          </p:nvPr>
+        </p:nvSpPr>
+        <p:spPr/>
+      </p:sp>
+      <p:sp>
+        <p:nvSpPr>
+          <p:cNvPr id="3" name="Notes Placeholder 2"/>
+          <p:cNvSpPr>
+            <a:spLocks noGrp="1"/>
+          </p:cNvSpPr>
+          <p:nvPr>
+            <p:ph type="body" idx="1"/>
+          </p:nvPr>
+        </p:nvSpPr>
+        <p:spPr/>
+        <p:txBody>
+          <a:bodyPr/>
+          <a:lstStyle/>
+          <a:p>
+            <a:endParaRPr lang="en-US"/>
+          </a:p>
+        </p:txBody>
+      </p:sp>
+      <p:sp>
+        <p:nvSpPr>
+          <p:cNvPr id="4" name="Slide Number Placeholder 3"/>
+          <p:cNvSpPr>
+            <a:spLocks noGrp="1"/>
+          </p:cNvSpPr>
+          <p:nvPr>
+            <p:ph type="sldNum" sz="quarter" idx="10"/>
+          </p:nvPr>
+        </p:nvSpPr>
+        <p:spPr/>
+        <p:txBody>
+          <a:bodyPr/>
+          <a:lstStyle/>
+          <a:p>
+            <a:pPr>
+              <a:defRPr/>
+            </a:pPr>
+            <a:fld id="{DC552C11-A6B4-BC49-B9DF-E9E99EC5DABC}" type="slidenum">
+              <a:rPr lang="en-US" smtClean="0"/>
+              <a:pPr>
+                <a:defRPr/>
+              </a:pPr>
+              <a:t>7</a:t>
+            </a:fld>
+            <a:endParaRPr lang="en-US" dirty="0"/>
+          </a:p>
+        </p:txBody>
+      </p:sp>
+    </p:spTree>
+    <p:extLst>
+      <p:ext uri="{BB962C8B-B14F-4D97-AF65-F5344CB8AC3E}">
+        <p14:creationId xmlns:p14="http://schemas.microsoft.com/office/powerpoint/2010/main" val="2269981104"/>
+      </p:ext>
+    </p:extLst>
+  </p:cSld>
+  <p:clrMapOvr>
+    <a:masterClrMapping/>
+  </p:clrMapOvr>
+</p:notes>
+</file>
+
+<file path=ppt/notesSlides/notesSlide8.xml><?xml version="1.0" encoding="utf-8"?>
+<p:notes xmlns:a="http://schemas.openxmlformats.org/drawingml/2006/main" xmlns:r="http://schemas.openxmlformats.org/officeDocument/2006/relationships" xmlns:p="http://schemas.openxmlformats.org/presentationml/2006/main">
+  <p:cSld>
+    <p:spTree>
+      <p:nvGrpSpPr>
+        <p:cNvPr id="1" name=""/>
+        <p:cNvGrpSpPr/>
+        <p:nvPr/>
+      </p:nvGrpSpPr>
+      <p:grpSpPr>
+        <a:xfrm>
+          <a:off x="0" y="0"/>
+          <a:ext cx="0" cy="0"/>
+          <a:chOff x="0" y="0"/>
+          <a:chExt cx="0" cy="0"/>
+        </a:xfrm>
+      </p:grpSpPr>
+      <p:sp>
+        <p:nvSpPr>
+          <p:cNvPr id="2" name="Slide Image Placeholder 1"/>
+          <p:cNvSpPr>
+            <a:spLocks noGrp="1" noRot="1" noChangeAspect="1"/>
+          </p:cNvSpPr>
+          <p:nvPr>
+            <p:ph type="sldImg"/>
+          </p:nvPr>
+        </p:nvSpPr>
+        <p:spPr/>
+      </p:sp>
+      <p:sp>
+        <p:nvSpPr>
+          <p:cNvPr id="3" name="Notes Placeholder 2"/>
+          <p:cNvSpPr>
+            <a:spLocks noGrp="1"/>
+          </p:cNvSpPr>
+          <p:nvPr>
+            <p:ph type="body" idx="1"/>
+          </p:nvPr>
+        </p:nvSpPr>
+        <p:spPr/>
+        <p:txBody>
+          <a:bodyPr/>
+          <a:lstStyle/>
+          <a:p>
+            <a:endParaRPr lang="en-US"/>
+          </a:p>
+        </p:txBody>
+      </p:sp>
+      <p:sp>
+        <p:nvSpPr>
+          <p:cNvPr id="4" name="Slide Number Placeholder 3"/>
+          <p:cNvSpPr>
+            <a:spLocks noGrp="1"/>
+          </p:cNvSpPr>
+          <p:nvPr>
+            <p:ph type="sldNum" sz="quarter" idx="10"/>
+          </p:nvPr>
+        </p:nvSpPr>
+        <p:spPr/>
+        <p:txBody>
+          <a:bodyPr/>
+          <a:lstStyle/>
+          <a:p>
+            <a:pPr>
+              <a:defRPr/>
+            </a:pPr>
+            <a:fld id="{DC552C11-A6B4-BC49-B9DF-E9E99EC5DABC}" type="slidenum">
+              <a:rPr lang="en-US" smtClean="0"/>
+              <a:pPr>
+                <a:defRPr/>
+              </a:pPr>
+              <a:t>8</a:t>
+            </a:fld>
+            <a:endParaRPr lang="en-US" dirty="0"/>
+          </a:p>
+        </p:txBody>
+      </p:sp>
+    </p:spTree>
+    <p:extLst>
+      <p:ext uri="{BB962C8B-B14F-4D97-AF65-F5344CB8AC3E}">
+        <p14:creationId xmlns:p14="http://schemas.microsoft.com/office/powerpoint/2010/main" val="1712476818"/>
+      </p:ext>
+    </p:extLst>
+  </p:cSld>
+  <p:clrMapOvr>
+    <a:masterClrMapping/>
+  </p:clrMapOvr>
+</p:notes>
+</file>
+
+<file path=ppt/notesSlides/notesSlide9.xml><?xml version="1.0" encoding="utf-8"?>
+<p:notes xmlns:a="http://schemas.openxmlformats.org/drawingml/2006/main" xmlns:r="http://schemas.openxmlformats.org/officeDocument/2006/relationships" xmlns:p="http://schemas.openxmlformats.org/presentationml/2006/main">
+  <p:cSld>
+    <p:spTree>
+      <p:nvGrpSpPr>
+        <p:cNvPr id="1" name=""/>
+        <p:cNvGrpSpPr/>
+        <p:nvPr/>
+      </p:nvGrpSpPr>
+      <p:grpSpPr>
+        <a:xfrm>
+          <a:off x="0" y="0"/>
+          <a:ext cx="0" cy="0"/>
+          <a:chOff x="0" y="0"/>
+          <a:chExt cx="0" cy="0"/>
+        </a:xfrm>
+      </p:grpSpPr>
+      <p:sp>
+        <p:nvSpPr>
+          <p:cNvPr id="2" name="Slide Image Placeholder 1"/>
+          <p:cNvSpPr>
+            <a:spLocks noGrp="1" noRot="1" noChangeAspect="1"/>
+          </p:cNvSpPr>
+          <p:nvPr>
+            <p:ph type="sldImg"/>
+          </p:nvPr>
+        </p:nvSpPr>
+        <p:spPr/>
+      </p:sp>
+      <p:sp>
+        <p:nvSpPr>
+          <p:cNvPr id="3" name="Notes Placeholder 2"/>
+          <p:cNvSpPr>
+            <a:spLocks noGrp="1"/>
+          </p:cNvSpPr>
+          <p:nvPr>
+            <p:ph type="body" idx="1"/>
+          </p:nvPr>
+        </p:nvSpPr>
+        <p:spPr/>
+        <p:txBody>
+          <a:bodyPr/>
+          <a:lstStyle/>
+          <a:p>
+            <a:endParaRPr lang="en-US"/>
+          </a:p>
+        </p:txBody>
+      </p:sp>
+      <p:sp>
+        <p:nvSpPr>
+          <p:cNvPr id="4" name="Slide Number Placeholder 3"/>
+          <p:cNvSpPr>
+            <a:spLocks noGrp="1"/>
+          </p:cNvSpPr>
+          <p:nvPr>
+            <p:ph type="sldNum" sz="quarter" idx="10"/>
+          </p:nvPr>
+        </p:nvSpPr>
+        <p:spPr/>
+        <p:txBody>
+          <a:bodyPr/>
+          <a:lstStyle/>
+          <a:p>
+            <a:pPr>
+              <a:defRPr/>
+            </a:pPr>
+            <a:fld id="{DC552C11-A6B4-BC49-B9DF-E9E99EC5DABC}" type="slidenum">
+              <a:rPr lang="en-US" smtClean="0"/>
+              <a:pPr>
+                <a:defRPr/>
+              </a:pPr>
+              <a:t>9</a:t>
+            </a:fld>
+            <a:endParaRPr lang="en-US" dirty="0"/>
+          </a:p>
+        </p:txBody>
+      </p:sp>
+    </p:spTree>
+    <p:extLst>
+      <p:ext uri="{BB962C8B-B14F-4D97-AF65-F5344CB8AC3E}">
+        <p14:creationId xmlns:p14="http://schemas.microsoft.com/office/powerpoint/2010/main" val="1015493063"/>
+      </p:ext>
+    </p:extLst>
   </p:cSld>
   <p:clrMapOvr>
     <a:masterClrMapping/>
@@ -1157,12 +2607,12 @@
               <a:defRPr/>
             </a:pPr>
             <a:r>
-              <a:rPr lang="en-US" dirty="0"/>
-              <a:t>Lec</a:t>
+              <a:rPr lang="en-US" dirty="0" err="1" smtClean="0"/>
+              <a:t>infexp</a:t>
             </a:r>
             <a:r>
               <a:rPr lang="en-US" dirty="0" smtClean="0"/>
-              <a:t> 14M.</a:t>
+              <a:t>.</a:t>
             </a:r>
             <a:fld id="{52DC2636-7C60-9B40-89EE-9F4C3E34F60C}" type="slidenum">
               <a:rPr lang="en-US" smtClean="0"/>
@@ -1239,6 +2689,9 @@
   <p:clrMapOvr>
     <a:masterClrMapping/>
   </p:clrMapOvr>
+  <p:transition xmlns:p14="http://schemas.microsoft.com/office/powerpoint/2010/main" spd="slow" advClick="0">
+    <p:fade/>
+  </p:transition>
 </p:sldLayout>
 </file>
 
@@ -1357,12 +2810,12 @@
               <a:defRPr/>
             </a:pPr>
             <a:r>
-              <a:rPr lang="en-US" dirty="0"/>
-              <a:t>Lec</a:t>
+              <a:rPr lang="en-US" dirty="0" err="1" smtClean="0"/>
+              <a:t>infexp</a:t>
             </a:r>
             <a:r>
               <a:rPr lang="en-US" dirty="0" smtClean="0"/>
-              <a:t> 14M.</a:t>
+              <a:t>.</a:t>
             </a:r>
             <a:fld id="{E877D3CB-F960-BD47-98A7-06971C504846}" type="slidenum">
               <a:rPr lang="en-US" smtClean="0"/>
@@ -1439,6 +2892,9 @@
   <p:clrMapOvr>
     <a:masterClrMapping/>
   </p:clrMapOvr>
+  <p:transition xmlns:p14="http://schemas.microsoft.com/office/powerpoint/2010/main" spd="slow" advClick="0">
+    <p:fade/>
+  </p:transition>
 </p:sldLayout>
 </file>
 
@@ -1505,12 +2961,12 @@
               <a:defRPr/>
             </a:pPr>
             <a:r>
-              <a:rPr lang="en-US" dirty="0"/>
-              <a:t>Lec</a:t>
+              <a:rPr lang="en-US" dirty="0" err="1" smtClean="0"/>
+              <a:t>infexp</a:t>
             </a:r>
             <a:r>
               <a:rPr lang="en-US" dirty="0" smtClean="0"/>
-              <a:t> 14M.</a:t>
+              <a:t>.</a:t>
             </a:r>
             <a:fld id="{33406DE3-95F7-424A-AC10-91858B7908A3}" type="slidenum">
               <a:rPr lang="en-US" smtClean="0"/>
@@ -1587,6 +3043,9 @@
   <p:clrMapOvr>
     <a:masterClrMapping/>
   </p:clrMapOvr>
+  <p:transition xmlns:p14="http://schemas.microsoft.com/office/powerpoint/2010/main" spd="slow" advClick="0">
+    <p:fade/>
+  </p:transition>
 </p:sldLayout>
 </file>
 
@@ -1630,12 +3089,12 @@
               <a:defRPr/>
             </a:pPr>
             <a:r>
-              <a:rPr lang="en-US" dirty="0"/>
-              <a:t>Lec</a:t>
+              <a:rPr lang="en-US" dirty="0" err="1" smtClean="0"/>
+              <a:t>infexp</a:t>
             </a:r>
             <a:r>
               <a:rPr lang="en-US" dirty="0" smtClean="0"/>
-              <a:t> 14M.</a:t>
+              <a:t>.</a:t>
             </a:r>
             <a:fld id="{C316881D-9589-DF4F-A336-A08976BD8D3F}" type="slidenum">
               <a:rPr lang="en-US" smtClean="0"/>
@@ -1712,6 +3171,9 @@
   <p:clrMapOvr>
     <a:masterClrMapping/>
   </p:clrMapOvr>
+  <p:transition xmlns:p14="http://schemas.microsoft.com/office/powerpoint/2010/main" spd="slow" advClick="0">
+    <p:fade/>
+  </p:transition>
 </p:sldLayout>
 </file>
 
@@ -1914,12 +3376,12 @@
               <a:defRPr/>
             </a:pPr>
             <a:r>
-              <a:rPr lang="en-US" dirty="0"/>
-              <a:t>Lec</a:t>
+              <a:rPr lang="en-US" dirty="0" err="1" smtClean="0"/>
+              <a:t>infexp</a:t>
             </a:r>
             <a:r>
               <a:rPr lang="en-US" dirty="0" smtClean="0"/>
-              <a:t> 14M.</a:t>
+              <a:t>.</a:t>
             </a:r>
             <a:fld id="{A8E63D04-532A-9B48-95DF-D3C7BF4C2159}" type="slidenum">
               <a:rPr lang="en-US" smtClean="0"/>
@@ -1996,6 +3458,9 @@
   <p:clrMapOvr>
     <a:masterClrMapping/>
   </p:clrMapOvr>
+  <p:transition xmlns:p14="http://schemas.microsoft.com/office/powerpoint/2010/main" spd="slow" advClick="0">
+    <p:fade/>
+  </p:transition>
 </p:sldLayout>
 </file>
 
@@ -2186,7 +3651,7 @@
             </a:pPr>
             <a:r>
               <a:rPr lang="en-US" dirty="0" smtClean="0"/>
-              <a:t>Albert R Meyer,                        May 14, 2012</a:t>
+              <a:t>Albert R Meyer,                        May 15, 2013</a:t>
             </a:r>
             <a:endParaRPr lang="en-US" dirty="0"/>
           </a:p>
@@ -2234,12 +3699,12 @@
               <a:defRPr/>
             </a:pPr>
             <a:r>
-              <a:rPr lang="en-US" dirty="0"/>
-              <a:t>Lec </a:t>
+              <a:rPr lang="en-US" dirty="0" err="1" smtClean="0"/>
+              <a:t>infexp</a:t>
             </a:r>
             <a:r>
               <a:rPr lang="en-US" dirty="0" smtClean="0"/>
-              <a:t>14M.</a:t>
+              <a:t>.</a:t>
             </a:r>
             <a:fld id="{C89161E8-A6DA-FD48-A57E-E88250C15759}" type="slidenum">
               <a:rPr lang="en-US"/>
@@ -2324,6 +3789,9 @@
     <p:sldLayoutId id="2147483699" r:id="rId4"/>
     <p:sldLayoutId id="2147483701" r:id="rId5"/>
   </p:sldLayoutIdLst>
+  <p:transition xmlns:p14="http://schemas.microsoft.com/office/powerpoint/2010/main" spd="slow" advClick="0">
+    <p:fade/>
+  </p:transition>
   <p:timing>
     <p:tnLst>
       <p:par>
@@ -2783,12 +4251,12 @@
           <a:lstStyle/>
           <a:p>
             <a:r>
-              <a:rPr lang="en-US" dirty="0"/>
-              <a:t>Lec</a:t>
+              <a:rPr lang="en-US" dirty="0" err="1" smtClean="0"/>
+              <a:t>infexp</a:t>
             </a:r>
             <a:r>
               <a:rPr lang="en-US" dirty="0" smtClean="0"/>
-              <a:t> 14M.</a:t>
+              <a:t>.</a:t>
             </a:r>
             <a:fld id="{2D031A48-BBCF-B248-9771-B601B0D38C0B}" type="slidenum">
               <a:rPr lang="en-US" smtClean="0"/>
@@ -2825,7 +4293,7 @@
             <a:pPr eaLnBrk="1" hangingPunct="1"/>
             <a:r>
               <a:rPr lang="en-US" sz="8000" dirty="0" smtClean="0"/>
-              <a:t>Really Great</a:t>
+              <a:t>Infinite</a:t>
             </a:r>
             <a:br>
               <a:rPr lang="en-US" sz="8000" dirty="0" smtClean="0"/>
@@ -2976,10 +4444,23 @@
         </p:txBody>
       </p:sp>
     </p:spTree>
+    <p:extLst>
+      <p:ext uri="{BB962C8B-B14F-4D97-AF65-F5344CB8AC3E}">
+        <p14:creationId xmlns:p14="http://schemas.microsoft.com/office/powerpoint/2010/main" val="4059835926"/>
+      </p:ext>
+    </p:extLst>
   </p:cSld>
   <p:clrMapOvr>
     <a:masterClrMapping/>
   </p:clrMapOvr>
+  <mc:AlternateContent xmlns:mc="http://schemas.openxmlformats.org/markup-compatibility/2006" xmlns:p14="http://schemas.microsoft.com/office/powerpoint/2010/main">
+    <mc:Choice Requires="p14">
+      <p:transition p14:dur="0" advClick="0"/>
+    </mc:Choice>
+    <mc:Fallback xmlns="">
+      <p:transition xmlns:p14="http://schemas.microsoft.com/office/powerpoint/2010/main" advClick="0"/>
+    </mc:Fallback>
+  </mc:AlternateContent>
   <p:timing>
     <p:tnLst>
       <p:par>
@@ -2990,7 +4471,7 @@
 </p:sld>
 </file>
 
-<file path=ppt/slides/slide2.xml><?xml version="1.0" encoding="utf-8"?>
+<file path=ppt/slides/slide10.xml><?xml version="1.0" encoding="utf-8"?>
 <p:sld xmlns:a="http://schemas.openxmlformats.org/drawingml/2006/main" xmlns:r="http://schemas.openxmlformats.org/officeDocument/2006/relationships" xmlns:p="http://schemas.openxmlformats.org/presentationml/2006/main">
   <p:cSld>
     <p:spTree>
@@ -3009,236 +4490,319 @@
       </p:grpSpPr>
       <p:sp>
         <p:nvSpPr>
-          <p:cNvPr id="15364" name="Slide Number Placeholder 5"/>
+          <p:cNvPr id="2" name="Title 1"/>
           <p:cNvSpPr>
             <a:spLocks noGrp="1"/>
           </p:cNvSpPr>
           <p:nvPr>
-            <p:ph type="sldNum" sz="quarter" idx="12"/>
+            <p:ph type="title"/>
           </p:nvPr>
         </p:nvSpPr>
         <p:spPr>
-          <a:noFill/>
+          <a:xfrm>
+            <a:off x="1443038" y="301624"/>
+            <a:ext cx="6329362" cy="1146175"/>
+          </a:xfrm>
         </p:spPr>
         <p:txBody>
           <a:bodyPr/>
           <a:lstStyle/>
           <a:p>
             <a:r>
-              <a:rPr lang="en-US" dirty="0"/>
-              <a:t>Lec</a:t>
-            </a:r>
-            <a:r>
               <a:rPr lang="en-US" dirty="0" smtClean="0"/>
-              <a:t> 14M.</a:t>
-            </a:r>
-            <a:fld id="{2D031A48-BBCF-B248-9771-B601B0D38C0B}" type="slidenum">
-              <a:rPr lang="en-US" smtClean="0"/>
-              <a:pPr/>
-              <a:t>2</a:t>
-            </a:fld>
+              <a:t>Bet-Doubling Paradox</a:t>
+            </a:r>
             <a:endParaRPr lang="en-US" dirty="0"/>
           </a:p>
-          <a:p>
-            <a:endParaRPr lang="en-US" dirty="0"/>
-          </a:p>
-        </p:txBody>
-      </p:sp>
-      <p:sp>
-        <p:nvSpPr>
-          <p:cNvPr id="15365" name="Rectangle 2"/>
-          <p:cNvSpPr>
-            <a:spLocks noGrp="1" noChangeArrowheads="1"/>
-          </p:cNvSpPr>
-          <p:nvPr>
-            <p:ph type="ctrTitle"/>
+        </p:txBody>
+      </p:sp>
+      <p:sp>
+        <p:nvSpPr>
+          <p:cNvPr id="3" name="Content Placeholder 2"/>
+          <p:cNvSpPr>
+            <a:spLocks noGrp="1"/>
+          </p:cNvSpPr>
+          <p:nvPr>
+            <p:ph idx="1"/>
           </p:nvPr>
         </p:nvSpPr>
         <p:spPr>
           <a:xfrm>
-            <a:off x="228600" y="1447800"/>
-            <a:ext cx="8686800" cy="4038600"/>
+            <a:off x="533400" y="1295400"/>
+            <a:ext cx="8077200" cy="5181600"/>
           </a:xfrm>
         </p:spPr>
         <p:txBody>
           <a:bodyPr/>
           <a:lstStyle/>
           <a:p>
-            <a:pPr eaLnBrk="1" hangingPunct="1"/>
-            <a:r>
-              <a:rPr lang="en-US" sz="8000" dirty="0" smtClean="0"/>
-              <a:t>(Infinite)</a:t>
-            </a:r>
-            <a:br>
-              <a:rPr lang="en-US" sz="8000" dirty="0" smtClean="0"/>
-            </a:br>
-            <a:r>
-              <a:rPr lang="en-US" sz="8000" dirty="0" smtClean="0"/>
-              <a:t>Expectation</a:t>
-            </a:r>
-            <a:endParaRPr lang="en-US" sz="8000" dirty="0"/>
-          </a:p>
-        </p:txBody>
-      </p:sp>
-      <p:sp>
-        <p:nvSpPr>
-          <p:cNvPr id="15366" name="Text Box 2"/>
-          <p:cNvSpPr txBox="1">
-            <a:spLocks noChangeArrowheads="1"/>
-          </p:cNvSpPr>
-          <p:nvPr/>
-        </p:nvSpPr>
-        <p:spPr bwMode="auto">
-          <a:xfrm>
-            <a:off x="2084388" y="381000"/>
-            <a:ext cx="6256337" cy="1068388"/>
-          </a:xfrm>
-          <a:prstGeom prst="rect">
-            <a:avLst/>
-          </a:prstGeom>
-          <a:noFill/>
-          <a:ln w="9525">
-            <a:noFill/>
-            <a:miter lim="800000"/>
-            <a:headEnd/>
-            <a:tailEnd type="none" w="lg" len="lg"/>
-          </a:ln>
-        </p:spPr>
-        <p:txBody>
-          <a:bodyPr wrap="none">
-            <a:prstTxWarp prst="textNoShape">
-              <a:avLst/>
-            </a:prstTxWarp>
-            <a:spAutoFit/>
-          </a:bodyPr>
+            <a:pPr marL="0" indent="0">
+              <a:buNone/>
+            </a:pPr>
+            <a:r>
+              <a:rPr lang="en-US" sz="4400" dirty="0" smtClean="0">
+                <a:solidFill>
+                  <a:srgbClr val="000000"/>
+                </a:solidFill>
+                <a:latin typeface="Comic Sans MS"/>
+                <a:cs typeface="Comic Sans MS"/>
+              </a:rPr>
+              <a:t>So paradoxically, you are </a:t>
+            </a:r>
+            <a:r>
+              <a:rPr lang="en-US" sz="4400" dirty="0" smtClean="0">
+                <a:solidFill>
+                  <a:srgbClr val="008000"/>
+                </a:solidFill>
+                <a:latin typeface="Comic Sans MS"/>
+                <a:cs typeface="Comic Sans MS"/>
+              </a:rPr>
+              <a:t>certain</a:t>
+            </a:r>
+            <a:r>
+              <a:rPr lang="en-US" sz="4400" dirty="0" smtClean="0">
+                <a:solidFill>
+                  <a:srgbClr val="000000"/>
+                </a:solidFill>
+                <a:latin typeface="Comic Sans MS"/>
+                <a:cs typeface="Comic Sans MS"/>
+              </a:rPr>
+              <a:t> </a:t>
+            </a:r>
+            <a:r>
+              <a:rPr lang="en-US" sz="4400" dirty="0" smtClean="0">
+                <a:solidFill>
+                  <a:srgbClr val="008000"/>
+                </a:solidFill>
+                <a:latin typeface="Comic Sans MS"/>
+                <a:cs typeface="Comic Sans MS"/>
+              </a:rPr>
+              <a:t>to win</a:t>
+            </a:r>
+            <a:r>
+              <a:rPr lang="en-US" sz="4400" dirty="0" smtClean="0">
+                <a:solidFill>
+                  <a:srgbClr val="000000"/>
+                </a:solidFill>
+                <a:latin typeface="Comic Sans MS"/>
+                <a:cs typeface="Comic Sans MS"/>
+              </a:rPr>
+              <a:t> an </a:t>
+            </a:r>
+            <a:r>
+              <a:rPr lang="en-US" sz="4400" dirty="0" smtClean="0">
+                <a:solidFill>
+                  <a:srgbClr val="E10000"/>
+                </a:solidFill>
+                <a:latin typeface="Comic Sans MS"/>
+                <a:cs typeface="Comic Sans MS"/>
+              </a:rPr>
+              <a:t>unfair</a:t>
+            </a:r>
+            <a:r>
+              <a:rPr lang="en-US" sz="4400" dirty="0" smtClean="0">
+                <a:solidFill>
+                  <a:srgbClr val="000000"/>
+                </a:solidFill>
+                <a:latin typeface="Comic Sans MS"/>
+                <a:cs typeface="Comic Sans MS"/>
+              </a:rPr>
+              <a:t> game.</a:t>
+            </a:r>
+          </a:p>
+          <a:p>
+            <a:pPr marL="0" indent="0">
+              <a:buNone/>
+            </a:pPr>
+            <a:r>
+              <a:rPr lang="en-US" sz="4400" dirty="0" smtClean="0">
+                <a:solidFill>
+                  <a:srgbClr val="000000"/>
+                </a:solidFill>
+                <a:latin typeface="Comic Sans MS"/>
+                <a:cs typeface="Comic Sans MS"/>
+              </a:rPr>
+              <a:t>What’s the hitch: what bankroll will let you play?</a:t>
+            </a:r>
+          </a:p>
+          <a:p>
+            <a:pPr marL="0" indent="0">
+              <a:buNone/>
+            </a:pPr>
+            <a:r>
+              <a:rPr lang="en-US" sz="4400" dirty="0" smtClean="0">
+                <a:solidFill>
+                  <a:srgbClr val="0000FF"/>
+                </a:solidFill>
+                <a:latin typeface="Comic Sans MS"/>
+                <a:cs typeface="Comic Sans MS"/>
+              </a:rPr>
+              <a:t>E[$ in last bet] </a:t>
+            </a:r>
+            <a:r>
+              <a:rPr lang="en-US" sz="4400" b="1" dirty="0" smtClean="0">
+                <a:solidFill>
+                  <a:srgbClr val="0000FF"/>
+                </a:solidFill>
+                <a:latin typeface="Euclid Symbol" charset="2"/>
+                <a:cs typeface="Euclid Symbol" charset="2"/>
+              </a:rPr>
+              <a:t>=</a:t>
+            </a:r>
+          </a:p>
+          <a:p>
+            <a:pPr marL="0" indent="0">
+              <a:buNone/>
+            </a:pPr>
+            <a:endParaRPr lang="en-US" sz="4400" dirty="0" smtClean="0">
+              <a:solidFill>
+                <a:srgbClr val="000000"/>
+              </a:solidFill>
+              <a:latin typeface="Comic Sans MS"/>
+              <a:cs typeface="Comic Sans MS"/>
+            </a:endParaRPr>
+          </a:p>
+        </p:txBody>
+      </p:sp>
+      <p:sp>
+        <p:nvSpPr>
+          <p:cNvPr id="4" name="Slide Number Placeholder 3"/>
+          <p:cNvSpPr>
+            <a:spLocks noGrp="1"/>
+          </p:cNvSpPr>
+          <p:nvPr>
+            <p:ph type="sldNum" sz="quarter" idx="12"/>
+          </p:nvPr>
+        </p:nvSpPr>
+        <p:spPr/>
+        <p:txBody>
+          <a:bodyPr/>
           <a:lstStyle/>
-          <a:p>
-            <a:pPr algn="ctr" eaLnBrk="1" hangingPunct="1"/>
-            <a:r>
-              <a:rPr lang="en-US" sz="2800" b="1" i="1" dirty="0">
-                <a:solidFill>
-                  <a:schemeClr val="tx2"/>
-                </a:solidFill>
-              </a:rPr>
-              <a:t>Mathematics for Computer Science</a:t>
-            </a:r>
-            <a:r>
-              <a:rPr lang="en-US" sz="3600" b="1" i="1" dirty="0">
-                <a:solidFill>
-                  <a:schemeClr val="tx2"/>
-                </a:solidFill>
-              </a:rPr>
-              <a:t/>
-            </a:r>
-            <a:br>
-              <a:rPr lang="en-US" sz="3600" b="1" i="1" dirty="0">
-                <a:solidFill>
-                  <a:schemeClr val="tx2"/>
-                </a:solidFill>
-              </a:rPr>
-            </a:br>
-            <a:r>
-              <a:rPr lang="en-US" b="1" dirty="0">
-                <a:solidFill>
-                  <a:srgbClr val="008000"/>
-                </a:solidFill>
-              </a:rPr>
-              <a:t>MIT</a:t>
-            </a:r>
-            <a:r>
-              <a:rPr lang="en-US" sz="3600" b="1" i="1" dirty="0">
-                <a:solidFill>
-                  <a:schemeClr val="tx2"/>
-                </a:solidFill>
-              </a:rPr>
-              <a:t> </a:t>
-            </a:r>
-            <a:r>
-              <a:rPr lang="en-US" b="1" dirty="0">
-                <a:solidFill>
-                  <a:srgbClr val="008000"/>
-                </a:solidFill>
-              </a:rPr>
-              <a:t>6.042J/18.062J</a:t>
-            </a:r>
-          </a:p>
-        </p:txBody>
-      </p:sp>
-      <p:sp>
-        <p:nvSpPr>
-          <p:cNvPr id="7" name="Rectangle 4"/>
-          <p:cNvSpPr>
-            <a:spLocks noGrp="1" noChangeArrowheads="1"/>
-          </p:cNvSpPr>
-          <p:nvPr>
-            <p:ph type="dt" sz="half" idx="2"/>
-          </p:nvPr>
-        </p:nvSpPr>
-        <p:spPr bwMode="auto">
-          <a:xfrm>
-            <a:off x="3124200" y="6629400"/>
-            <a:ext cx="2863850" cy="228600"/>
-          </a:xfrm>
-          <a:prstGeom prst="rect">
-            <a:avLst/>
-          </a:prstGeom>
-          <a:noFill/>
-          <a:ln w="9525">
-            <a:noFill/>
-            <a:miter lim="800000"/>
-            <a:headEnd/>
-            <a:tailEnd/>
-          </a:ln>
-        </p:spPr>
-        <p:txBody>
-          <a:bodyPr vert="horz" wrap="square" lIns="91440" tIns="45720" rIns="91440" bIns="45720" numCol="1" anchor="t" anchorCtr="0" compatLnSpc="1">
-            <a:prstTxWarp prst="textNoShape">
-              <a:avLst/>
-            </a:prstTxWarp>
-          </a:bodyPr>
-          <a:lstStyle>
-            <a:lvl1pPr algn="ctr" eaLnBrk="1" hangingPunct="1">
-              <a:defRPr sz="1000">
-                <a:latin typeface="Comic Sans MS" pitchFamily="-64" charset="0"/>
-                <a:ea typeface="ＭＳ Ｐゴシック" pitchFamily="-64" charset="-128"/>
-                <a:cs typeface="+mn-cs"/>
-              </a:defRPr>
-            </a:lvl1pPr>
-          </a:lstStyle>
           <a:p>
             <a:pPr>
               <a:defRPr/>
             </a:pPr>
             <a:r>
+              <a:rPr lang="en-US" dirty="0" err="1" smtClean="0"/>
+              <a:t>infexp</a:t>
+            </a:r>
+            <a:r>
               <a:rPr lang="en-US" dirty="0" smtClean="0"/>
-              <a:t>Albert R Meyer,               May 14, 2012</a:t>
-            </a:r>
+              <a:t>.</a:t>
+            </a:r>
+            <a:fld id="{E877D3CB-F960-BD47-98A7-06971C504846}" type="slidenum">
+              <a:rPr lang="en-US" smtClean="0"/>
+              <a:pPr>
+                <a:defRPr/>
+              </a:pPr>
+              <a:t>10</a:t>
+            </a:fld>
+            <a:endParaRPr lang="en-US" dirty="0" smtClean="0"/>
+          </a:p>
+          <a:p>
+            <a:pPr>
+              <a:defRPr/>
+            </a:pPr>
             <a:endParaRPr lang="en-US" dirty="0"/>
           </a:p>
         </p:txBody>
       </p:sp>
+      <p:sp>
+        <p:nvSpPr>
+          <p:cNvPr id="5" name="Date Placeholder 4"/>
+          <p:cNvSpPr>
+            <a:spLocks noGrp="1"/>
+          </p:cNvSpPr>
+          <p:nvPr>
+            <p:ph type="dt" sz="half" idx="2"/>
+          </p:nvPr>
+        </p:nvSpPr>
+        <p:spPr/>
+        <p:txBody>
+          <a:bodyPr/>
+          <a:lstStyle/>
+          <a:p>
+            <a:pPr>
+              <a:defRPr/>
+            </a:pPr>
+            <a:r>
+              <a:rPr lang="en-US" smtClean="0"/>
+              <a:t>Albert R Meyer,                        May 14, 2012</a:t>
+            </a:r>
+            <a:endParaRPr lang="en-US" dirty="0"/>
+          </a:p>
+        </p:txBody>
+      </p:sp>
+      <p:graphicFrame>
+        <p:nvGraphicFramePr>
+          <p:cNvPr id="9" name="Object 8"/>
+          <p:cNvGraphicFramePr>
+            <a:graphicFrameLocks noChangeAspect="1"/>
+          </p:cNvGraphicFramePr>
+          <p:nvPr>
+            <p:extLst>
+              <p:ext uri="{D42A27DB-BD31-4B8C-83A1-F6EECF244321}">
+                <p14:modId xmlns:p14="http://schemas.microsoft.com/office/powerpoint/2010/main" val="1363423264"/>
+              </p:ext>
+            </p:extLst>
+          </p:nvPr>
+        </p:nvGraphicFramePr>
+        <p:xfrm>
+          <a:off x="357188" y="4746625"/>
+          <a:ext cx="7019925" cy="1882775"/>
+        </p:xfrm>
+        <a:graphic>
+          <a:graphicData uri="http://schemas.openxmlformats.org/presentationml/2006/ole">
+            <mc:AlternateContent xmlns:mc="http://schemas.openxmlformats.org/markup-compatibility/2006">
+              <mc:Choice xmlns:v="urn:schemas-microsoft-com:vml" Requires="v">
+                <p:oleObj spid="_x0000_s256011" name="Equation" r:id="rId4" imgW="2463800" imgH="660400" progId="Equation.DSMT4">
+                  <p:embed/>
+                </p:oleObj>
+              </mc:Choice>
+              <mc:Fallback>
+                <p:oleObj name="Equation" r:id="rId4" imgW="2463800" imgH="660400" progId="Equation.DSMT4">
+                  <p:embed/>
+                  <p:pic>
+                    <p:nvPicPr>
+                      <p:cNvPr id="0" name=""/>
+                      <p:cNvPicPr/>
+                      <p:nvPr/>
+                    </p:nvPicPr>
+                    <p:blipFill>
+                      <a:blip r:embed="rId5"/>
+                      <a:stretch>
+                        <a:fillRect/>
+                      </a:stretch>
+                    </p:blipFill>
+                    <p:spPr>
+                      <a:xfrm>
+                        <a:off x="357188" y="4746625"/>
+                        <a:ext cx="7019925" cy="1882775"/>
+                      </a:xfrm>
+                      <a:prstGeom prst="rect">
+                        <a:avLst/>
+                      </a:prstGeom>
+                    </p:spPr>
+                  </p:pic>
+                </p:oleObj>
+              </mc:Fallback>
+            </mc:AlternateContent>
+          </a:graphicData>
+        </a:graphic>
+      </p:graphicFrame>
     </p:spTree>
     <p:extLst>
       <p:ext uri="{BB962C8B-B14F-4D97-AF65-F5344CB8AC3E}">
-        <p14:creationId xmlns:p14="http://schemas.microsoft.com/office/powerpoint/2010/main" val="4059835926"/>
+        <p14:creationId xmlns:p14="http://schemas.microsoft.com/office/powerpoint/2010/main" val="3171283348"/>
       </p:ext>
     </p:extLst>
   </p:cSld>
   <p:clrMapOvr>
     <a:masterClrMapping/>
   </p:clrMapOvr>
-  <mc:AlternateContent xmlns:mc="http://schemas.openxmlformats.org/markup-compatibility/2006" xmlns:p14="http://schemas.microsoft.com/office/powerpoint/2010/main">
-    <mc:Choice Requires="p14">
-      <p:transition spd="med" p14:dur="600">
-        <p:fade/>
-      </p:transition>
-    </mc:Choice>
-    <mc:Fallback xmlns="">
-      <p:transition xmlns:p14="http://schemas.microsoft.com/office/powerpoint/2010/main" spd="med">
-        <p:fade/>
-      </p:transition>
-    </mc:Fallback>
-  </mc:AlternateContent>
+  <p:transition xmlns:p14="http://schemas.microsoft.com/office/powerpoint/2010/main" spd="slow" advClick="0">
+    <p:fade/>
+  </p:transition>
   <p:timing>
     <p:tnLst>
       <p:par>
@@ -3249,7 +4813,7 @@
 </p:sld>
 </file>
 
-<file path=ppt/slides/slide3.xml><?xml version="1.0" encoding="utf-8"?>
+<file path=ppt/slides/slide11.xml><?xml version="1.0" encoding="utf-8"?>
 <p:sld xmlns:a="http://schemas.openxmlformats.org/drawingml/2006/main" xmlns:r="http://schemas.openxmlformats.org/officeDocument/2006/relationships" xmlns:p="http://schemas.openxmlformats.org/presentationml/2006/main">
   <p:cSld>
     <p:spTree>
@@ -3278,8 +4842,8 @@
         </p:nvSpPr>
         <p:spPr>
           <a:xfrm>
-            <a:off x="2438400" y="228600"/>
-            <a:ext cx="4191000" cy="1066800"/>
+            <a:off x="1443038" y="301624"/>
+            <a:ext cx="6329362" cy="1146175"/>
           </a:xfrm>
         </p:spPr>
         <p:txBody>
@@ -3288,7 +4852,7 @@
           <a:p>
             <a:r>
               <a:rPr lang="en-US" dirty="0" smtClean="0"/>
-              <a:t>Examples</a:t>
+              <a:t>Bet-Doubling Paradox</a:t>
             </a:r>
             <a:endParaRPr lang="en-US" dirty="0"/>
           </a:p>
@@ -3306,73 +4870,119 @@
         </p:nvSpPr>
         <p:spPr>
           <a:xfrm>
-            <a:off x="76200" y="1219200"/>
-            <a:ext cx="8991600" cy="4419600"/>
+            <a:off x="533400" y="1295400"/>
+            <a:ext cx="8077200" cy="5181600"/>
           </a:xfrm>
         </p:spPr>
         <p:txBody>
           <a:bodyPr/>
           <a:lstStyle/>
           <a:p>
-            <a:r>
-              <a:rPr lang="en-US" sz="4000" dirty="0" smtClean="0">
+            <a:pPr marL="0" indent="0">
+              <a:buNone/>
+            </a:pPr>
+            <a:r>
+              <a:rPr lang="en-US" sz="4400" dirty="0" smtClean="0">
+                <a:solidFill>
+                  <a:srgbClr val="000000"/>
+                </a:solidFill>
+                <a:latin typeface="Comic Sans MS"/>
+                <a:cs typeface="Comic Sans MS"/>
+              </a:rPr>
+              <a:t>So paradoxically, you are </a:t>
+            </a:r>
+            <a:r>
+              <a:rPr lang="en-US" sz="4400" dirty="0" smtClean="0">
+                <a:solidFill>
+                  <a:srgbClr val="008000"/>
+                </a:solidFill>
+                <a:latin typeface="Comic Sans MS"/>
+                <a:cs typeface="Comic Sans MS"/>
+              </a:rPr>
+              <a:t>certain</a:t>
+            </a:r>
+            <a:r>
+              <a:rPr lang="en-US" sz="4400" dirty="0" smtClean="0">
+                <a:solidFill>
+                  <a:srgbClr val="000000"/>
+                </a:solidFill>
+                <a:latin typeface="Comic Sans MS"/>
+                <a:cs typeface="Comic Sans MS"/>
+              </a:rPr>
+              <a:t> </a:t>
+            </a:r>
+            <a:r>
+              <a:rPr lang="en-US" sz="4400" dirty="0" smtClean="0">
+                <a:solidFill>
+                  <a:srgbClr val="008000"/>
+                </a:solidFill>
+                <a:latin typeface="Comic Sans MS"/>
+                <a:cs typeface="Comic Sans MS"/>
+              </a:rPr>
+              <a:t>to win</a:t>
+            </a:r>
+            <a:r>
+              <a:rPr lang="en-US" sz="4400" dirty="0" smtClean="0">
+                <a:solidFill>
+                  <a:srgbClr val="000000"/>
+                </a:solidFill>
+                <a:latin typeface="Comic Sans MS"/>
+                <a:cs typeface="Comic Sans MS"/>
+              </a:rPr>
+              <a:t> an </a:t>
+            </a:r>
+            <a:r>
+              <a:rPr lang="en-US" sz="4400" dirty="0" smtClean="0">
+                <a:solidFill>
+                  <a:srgbClr val="E10000"/>
+                </a:solidFill>
+                <a:latin typeface="Comic Sans MS"/>
+                <a:cs typeface="Comic Sans MS"/>
+              </a:rPr>
+              <a:t>unfair</a:t>
+            </a:r>
+            <a:r>
+              <a:rPr lang="en-US" sz="4400" dirty="0" smtClean="0">
+                <a:solidFill>
+                  <a:srgbClr val="000000"/>
+                </a:solidFill>
+                <a:latin typeface="Comic Sans MS"/>
+                <a:cs typeface="Comic Sans MS"/>
+              </a:rPr>
+              <a:t> game.</a:t>
+            </a:r>
+          </a:p>
+          <a:p>
+            <a:pPr marL="0" indent="0">
+              <a:buNone/>
+            </a:pPr>
+            <a:r>
+              <a:rPr lang="en-US" sz="4400" dirty="0" smtClean="0">
+                <a:solidFill>
+                  <a:srgbClr val="000000"/>
+                </a:solidFill>
+                <a:latin typeface="Comic Sans MS"/>
+                <a:cs typeface="Comic Sans MS"/>
+              </a:rPr>
+              <a:t>What’s the hitch?  What initial stake will let you play?</a:t>
+            </a:r>
+          </a:p>
+          <a:p>
+            <a:pPr marL="0" indent="0">
+              <a:buNone/>
+            </a:pPr>
+            <a:r>
+              <a:rPr lang="en-US" sz="4400" dirty="0" smtClean="0">
                 <a:solidFill>
                   <a:srgbClr val="0000FF"/>
                 </a:solidFill>
-              </a:rPr>
-              <a:t>Fair gambler’s ruin</a:t>
-            </a:r>
-            <a:r>
-              <a:rPr lang="en-US" sz="4000" dirty="0" smtClean="0"/>
-              <a:t>: ruin is certain, but expected to take forever.</a:t>
-            </a:r>
-          </a:p>
-          <a:p>
-            <a:r>
-              <a:rPr lang="en-US" sz="4000" dirty="0" smtClean="0">
-                <a:solidFill>
-                  <a:srgbClr val="0000FF"/>
-                </a:solidFill>
-              </a:rPr>
-              <a:t>Bet doubling</a:t>
-            </a:r>
-            <a:r>
-              <a:rPr lang="en-US" sz="4000" dirty="0" smtClean="0"/>
-              <a:t>: win is certain, but expected initial stake is infinite.</a:t>
-            </a:r>
-            <a:endParaRPr lang="en-US" sz="4000" dirty="0"/>
-          </a:p>
-          <a:p>
-            <a:r>
-              <a:rPr lang="en-US" sz="4000" dirty="0" smtClean="0">
-                <a:solidFill>
-                  <a:srgbClr val="0000FF"/>
-                </a:solidFill>
-              </a:rPr>
-              <a:t>E[# tries to beat 1</a:t>
-            </a:r>
-            <a:r>
-              <a:rPr lang="en-US" sz="4000" baseline="30000" dirty="0" smtClean="0">
-                <a:solidFill>
-                  <a:srgbClr val="0000FF"/>
-                </a:solidFill>
-              </a:rPr>
-              <a:t>st</a:t>
-            </a:r>
-            <a:r>
-              <a:rPr lang="en-US" sz="4000" dirty="0" smtClean="0">
-                <a:solidFill>
-                  <a:srgbClr val="0000FF"/>
-                </a:solidFill>
-              </a:rPr>
-              <a:t> try]</a:t>
-            </a:r>
-            <a:r>
-              <a:rPr lang="en-US" sz="4000" dirty="0" smtClean="0"/>
-              <a:t> </a:t>
-            </a:r>
-            <a:r>
-              <a:rPr lang="en-US" sz="4000" b="1" dirty="0">
+                <a:latin typeface="Comic Sans MS"/>
+                <a:cs typeface="Comic Sans MS"/>
+              </a:rPr>
+              <a:t>E[$ in last bet] </a:t>
+            </a:r>
+            <a:r>
+              <a:rPr lang="en-US" sz="4400" b="1" dirty="0" smtClean="0">
                 <a:solidFill>
                   <a:srgbClr val="0000FF"/>
                 </a:solidFill>
@@ -3381,120 +4991,18 @@
               </a:rPr>
               <a:t>=</a:t>
             </a:r>
-            <a:r>
-              <a:rPr lang="en-US" sz="4000" dirty="0">
-                <a:solidFill>
-                  <a:srgbClr val="0000FF"/>
-                </a:solidFill>
-              </a:rPr>
-              <a:t> </a:t>
-            </a:r>
-            <a:r>
-              <a:rPr lang="en-US" sz="4000" b="1" dirty="0">
-                <a:solidFill>
-                  <a:srgbClr val="0000FF"/>
-                </a:solidFill>
-                <a:latin typeface="Euclid Symbol" charset="2"/>
-                <a:cs typeface="Euclid Symbol" charset="2"/>
-              </a:rPr>
-              <a:t>∞</a:t>
-            </a:r>
-            <a:endParaRPr lang="en-US" sz="4000" dirty="0" smtClean="0"/>
-          </a:p>
-          <a:p>
-            <a:r>
-              <a:rPr lang="en-US" sz="4000" dirty="0" smtClean="0">
-                <a:solidFill>
-                  <a:srgbClr val="0000FF"/>
-                </a:solidFill>
-              </a:rPr>
-              <a:t>E[R] </a:t>
-            </a:r>
-            <a:r>
-              <a:rPr lang="en-US" sz="4000" b="1" dirty="0" smtClean="0">
-                <a:solidFill>
-                  <a:srgbClr val="0000FF"/>
-                </a:solidFill>
-                <a:latin typeface="Euclid Symbol" charset="2"/>
-                <a:cs typeface="Euclid Symbol" charset="2"/>
-              </a:rPr>
-              <a:t>&lt;</a:t>
-            </a:r>
-            <a:r>
-              <a:rPr lang="en-US" sz="4000" dirty="0" smtClean="0">
-                <a:solidFill>
-                  <a:srgbClr val="0000FF"/>
-                </a:solidFill>
-              </a:rPr>
-              <a:t> </a:t>
-            </a:r>
-            <a:r>
-              <a:rPr lang="en-US" sz="4000" b="1" dirty="0" smtClean="0">
-                <a:solidFill>
-                  <a:srgbClr val="0000FF"/>
-                </a:solidFill>
-                <a:latin typeface="Euclid Symbol" charset="2"/>
-                <a:cs typeface="Euclid Symbol" charset="2"/>
-              </a:rPr>
-              <a:t>∞</a:t>
-            </a:r>
-            <a:r>
-              <a:rPr lang="en-US" sz="4000" dirty="0" smtClean="0"/>
-              <a:t>, but maybe </a:t>
-            </a:r>
-            <a:r>
-              <a:rPr lang="en-US" sz="4000" dirty="0" err="1" smtClean="0">
-                <a:solidFill>
-                  <a:srgbClr val="0000FF"/>
-                </a:solidFill>
-              </a:rPr>
-              <a:t>Var</a:t>
-            </a:r>
-            <a:r>
-              <a:rPr lang="en-US" sz="4000" dirty="0" smtClean="0">
-                <a:solidFill>
-                  <a:srgbClr val="0000FF"/>
-                </a:solidFill>
-              </a:rPr>
-              <a:t>[</a:t>
-            </a:r>
-            <a:r>
-              <a:rPr lang="en-US" sz="4000" dirty="0">
-                <a:solidFill>
-                  <a:srgbClr val="0000FF"/>
-                </a:solidFill>
-              </a:rPr>
-              <a:t>R] </a:t>
-            </a:r>
-            <a:r>
-              <a:rPr lang="en-US" sz="4000" b="1" dirty="0" smtClean="0">
-                <a:solidFill>
-                  <a:srgbClr val="0000FF"/>
-                </a:solidFill>
-                <a:latin typeface="Euclid Symbol" charset="2"/>
-                <a:cs typeface="Euclid Symbol" charset="2"/>
-              </a:rPr>
-              <a:t>=</a:t>
-            </a:r>
-            <a:r>
-              <a:rPr lang="en-US" sz="4000" dirty="0" smtClean="0">
-                <a:solidFill>
-                  <a:srgbClr val="0000FF"/>
-                </a:solidFill>
-              </a:rPr>
-              <a:t> </a:t>
-            </a:r>
-            <a:r>
-              <a:rPr lang="en-US" sz="4000" b="1" dirty="0">
-                <a:solidFill>
-                  <a:srgbClr val="0000FF"/>
-                </a:solidFill>
-                <a:latin typeface="Euclid Symbol" charset="2"/>
-                <a:cs typeface="Euclid Symbol" charset="2"/>
-              </a:rPr>
-              <a:t>∞</a:t>
-            </a:r>
-            <a:endParaRPr lang="en-US" sz="4000" dirty="0" smtClean="0"/>
+          </a:p>
+          <a:p>
+            <a:pPr marL="0" indent="0">
+              <a:buNone/>
+            </a:pPr>
+            <a:endParaRPr lang="en-US" sz="4400" dirty="0" smtClean="0">
+              <a:solidFill>
+                <a:srgbClr val="000000"/>
+              </a:solidFill>
+              <a:latin typeface="Comic Sans MS"/>
+              <a:cs typeface="Comic Sans MS"/>
+            </a:endParaRPr>
           </a:p>
         </p:txBody>
       </p:sp>
@@ -3517,15 +5025,19 @@
               <a:defRPr/>
             </a:pPr>
             <a:r>
+              <a:rPr lang="en-US" dirty="0" err="1" smtClean="0"/>
+              <a:t>infexp</a:t>
+            </a:r>
+            <a:r>
               <a:rPr lang="en-US" dirty="0" smtClean="0"/>
-              <a:t>Lec 14M.</a:t>
+              <a:t>.</a:t>
             </a:r>
             <a:fld id="{E877D3CB-F960-BD47-98A7-06971C504846}" type="slidenum">
               <a:rPr lang="en-US" smtClean="0"/>
               <a:pPr>
                 <a:defRPr/>
               </a:pPr>
-              <a:t>3</a:t>
+              <a:t>11</a:t>
             </a:fld>
             <a:endParaRPr lang="en-US" dirty="0" smtClean="0"/>
           </a:p>
@@ -3556,25 +5068,196 @@
               <a:defRPr/>
             </a:pPr>
             <a:r>
-              <a:rPr lang="en-US" dirty="0" smtClean="0"/>
+              <a:rPr lang="en-US" smtClean="0"/>
               <a:t>Albert R Meyer,                        May 14, 2012</a:t>
             </a:r>
             <a:endParaRPr lang="en-US" dirty="0"/>
           </a:p>
         </p:txBody>
       </p:sp>
+      <p:graphicFrame>
+        <p:nvGraphicFramePr>
+          <p:cNvPr id="7" name="Object 6"/>
+          <p:cNvGraphicFramePr>
+            <a:graphicFrameLocks noChangeAspect="1"/>
+          </p:cNvGraphicFramePr>
+          <p:nvPr>
+            <p:extLst>
+              <p:ext uri="{D42A27DB-BD31-4B8C-83A1-F6EECF244321}">
+                <p14:modId xmlns:p14="http://schemas.microsoft.com/office/powerpoint/2010/main" val="2135740511"/>
+              </p:ext>
+            </p:extLst>
+          </p:nvPr>
+        </p:nvGraphicFramePr>
+        <p:xfrm>
+          <a:off x="4813300" y="3975100"/>
+          <a:ext cx="139700" cy="215900"/>
+        </p:xfrm>
+        <a:graphic>
+          <a:graphicData uri="http://schemas.openxmlformats.org/presentationml/2006/ole">
+            <mc:AlternateContent xmlns:mc="http://schemas.openxmlformats.org/markup-compatibility/2006">
+              <mc:Choice xmlns:v="urn:schemas-microsoft-com:vml" Requires="v">
+                <p:oleObj spid="_x0000_s252966" name="Equation" r:id="rId4" imgW="139700" imgH="215900" progId="Equation.DSMT4">
+                  <p:embed/>
+                </p:oleObj>
+              </mc:Choice>
+              <mc:Fallback>
+                <p:oleObj name="Equation" r:id="rId4" imgW="139700" imgH="215900" progId="Equation.DSMT4">
+                  <p:embed/>
+                  <p:pic>
+                    <p:nvPicPr>
+                      <p:cNvPr id="0" name=""/>
+                      <p:cNvPicPr/>
+                      <p:nvPr/>
+                    </p:nvPicPr>
+                    <p:blipFill>
+                      <a:blip r:embed="rId5"/>
+                      <a:stretch>
+                        <a:fillRect/>
+                      </a:stretch>
+                    </p:blipFill>
+                    <p:spPr>
+                      <a:xfrm>
+                        <a:off x="4813300" y="3975100"/>
+                        <a:ext cx="139700" cy="215900"/>
+                      </a:xfrm>
+                      <a:prstGeom prst="rect">
+                        <a:avLst/>
+                      </a:prstGeom>
+                    </p:spPr>
+                  </p:pic>
+                </p:oleObj>
+              </mc:Fallback>
+            </mc:AlternateContent>
+          </a:graphicData>
+        </a:graphic>
+      </p:graphicFrame>
+      <p:graphicFrame>
+        <p:nvGraphicFramePr>
+          <p:cNvPr id="10" name="Object 9"/>
+          <p:cNvGraphicFramePr>
+            <a:graphicFrameLocks noChangeAspect="1"/>
+          </p:cNvGraphicFramePr>
+          <p:nvPr>
+            <p:extLst>
+              <p:ext uri="{D42A27DB-BD31-4B8C-83A1-F6EECF244321}">
+                <p14:modId xmlns:p14="http://schemas.microsoft.com/office/powerpoint/2010/main" val="648893125"/>
+              </p:ext>
+            </p:extLst>
+          </p:nvPr>
+        </p:nvGraphicFramePr>
+        <p:xfrm>
+          <a:off x="381000" y="4746625"/>
+          <a:ext cx="6115050" cy="1882775"/>
+        </p:xfrm>
+        <a:graphic>
+          <a:graphicData uri="http://schemas.openxmlformats.org/presentationml/2006/ole">
+            <mc:AlternateContent xmlns:mc="http://schemas.openxmlformats.org/markup-compatibility/2006">
+              <mc:Choice xmlns:v="urn:schemas-microsoft-com:vml" Requires="v">
+                <p:oleObj spid="_x0000_s252967" name="Equation" r:id="rId6" imgW="2146300" imgH="660400" progId="Equation.DSMT4">
+                  <p:embed/>
+                </p:oleObj>
+              </mc:Choice>
+              <mc:Fallback>
+                <p:oleObj name="Equation" r:id="rId6" imgW="2146300" imgH="660400" progId="Equation.DSMT4">
+                  <p:embed/>
+                  <p:pic>
+                    <p:nvPicPr>
+                      <p:cNvPr id="0" name=""/>
+                      <p:cNvPicPr/>
+                      <p:nvPr/>
+                    </p:nvPicPr>
+                    <p:blipFill>
+                      <a:blip r:embed="rId7"/>
+                      <a:stretch>
+                        <a:fillRect/>
+                      </a:stretch>
+                    </p:blipFill>
+                    <p:spPr>
+                      <a:xfrm>
+                        <a:off x="381000" y="4746625"/>
+                        <a:ext cx="6115050" cy="1882775"/>
+                      </a:xfrm>
+                      <a:prstGeom prst="rect">
+                        <a:avLst/>
+                      </a:prstGeom>
+                    </p:spPr>
+                  </p:pic>
+                </p:oleObj>
+              </mc:Fallback>
+            </mc:AlternateContent>
+          </a:graphicData>
+        </a:graphic>
+      </p:graphicFrame>
+      <p:graphicFrame>
+        <p:nvGraphicFramePr>
+          <p:cNvPr id="11" name="Object 10"/>
+          <p:cNvGraphicFramePr>
+            <a:graphicFrameLocks noChangeAspect="1"/>
+          </p:cNvGraphicFramePr>
+          <p:nvPr>
+            <p:extLst>
+              <p:ext uri="{D42A27DB-BD31-4B8C-83A1-F6EECF244321}">
+                <p14:modId xmlns:p14="http://schemas.microsoft.com/office/powerpoint/2010/main" val="2851011993"/>
+              </p:ext>
+            </p:extLst>
+          </p:nvPr>
+        </p:nvGraphicFramePr>
+        <p:xfrm>
+          <a:off x="6705600" y="5257800"/>
+          <a:ext cx="1903095" cy="704850"/>
+        </p:xfrm>
+        <a:graphic>
+          <a:graphicData uri="http://schemas.openxmlformats.org/presentationml/2006/ole">
+            <mc:AlternateContent xmlns:mc="http://schemas.openxmlformats.org/markup-compatibility/2006">
+              <mc:Choice xmlns:v="urn:schemas-microsoft-com:vml" Requires="v">
+                <p:oleObj spid="_x0000_s252968" name="Equation" r:id="rId8" imgW="342900" imgH="127000" progId="Equation.DSMT4">
+                  <p:embed/>
+                </p:oleObj>
+              </mc:Choice>
+              <mc:Fallback>
+                <p:oleObj name="Equation" r:id="rId8" imgW="342900" imgH="127000" progId="Equation.DSMT4">
+                  <p:embed/>
+                  <p:pic>
+                    <p:nvPicPr>
+                      <p:cNvPr id="0" name=""/>
+                      <p:cNvPicPr/>
+                      <p:nvPr/>
+                    </p:nvPicPr>
+                    <p:blipFill>
+                      <a:blip r:embed="rId9"/>
+                      <a:stretch>
+                        <a:fillRect/>
+                      </a:stretch>
+                    </p:blipFill>
+                    <p:spPr>
+                      <a:xfrm>
+                        <a:off x="6705600" y="5257800"/>
+                        <a:ext cx="1903095" cy="704850"/>
+                      </a:xfrm>
+                      <a:prstGeom prst="rect">
+                        <a:avLst/>
+                      </a:prstGeom>
+                    </p:spPr>
+                  </p:pic>
+                </p:oleObj>
+              </mc:Fallback>
+            </mc:AlternateContent>
+          </a:graphicData>
+        </a:graphic>
+      </p:graphicFrame>
     </p:spTree>
     <p:extLst>
       <p:ext uri="{BB962C8B-B14F-4D97-AF65-F5344CB8AC3E}">
-        <p14:creationId xmlns:p14="http://schemas.microsoft.com/office/powerpoint/2010/main" val="3777679234"/>
+        <p14:creationId xmlns:p14="http://schemas.microsoft.com/office/powerpoint/2010/main" val="3048566211"/>
       </p:ext>
     </p:extLst>
   </p:cSld>
   <p:clrMapOvr>
     <a:masterClrMapping/>
   </p:clrMapOvr>
-  <p:transition xmlns:p14="http://schemas.microsoft.com/office/powerpoint/2010/main" spd="slow">
-    <p:fade thruBlk="1"/>
+  <p:transition xmlns:p14="http://schemas.microsoft.com/office/powerpoint/2010/main" spd="slow" advClick="0">
+    <p:fade/>
   </p:transition>
   <p:timing>
     <p:tnLst>
@@ -3588,9 +5271,6 @@
                     <p:cTn id="3" fill="hold">
                       <p:stCondLst>
                         <p:cond delay="indefinite"/>
-                        <p:cond evt="onBegin" delay="0">
-                          <p:tn val="2"/>
-                        </p:cond>
                       </p:stCondLst>
                       <p:childTnLst>
                         <p:par>
@@ -3600,7 +5280,1230 @@
                             </p:stCondLst>
                             <p:childTnLst>
                               <p:par>
-                                <p:cTn id="5" presetID="9" presetClass="entr" presetSubtype="0" fill="hold" grpId="0" nodeType="afterEffect">
+                                <p:cTn id="5" presetID="52" presetClass="entr" presetSubtype="0" fill="hold" nodeType="clickEffect">
+                                  <p:stCondLst>
+                                    <p:cond delay="0"/>
+                                  </p:stCondLst>
+                                  <p:childTnLst>
+                                    <p:set>
+                                      <p:cBhvr>
+                                        <p:cTn id="6" dur="1" fill="hold">
+                                          <p:stCondLst>
+                                            <p:cond delay="0"/>
+                                          </p:stCondLst>
+                                        </p:cTn>
+                                        <p:tgtEl>
+                                          <p:spTgt spid="11"/>
+                                        </p:tgtEl>
+                                        <p:attrNameLst>
+                                          <p:attrName>style.visibility</p:attrName>
+                                        </p:attrNameLst>
+                                      </p:cBhvr>
+                                      <p:to>
+                                        <p:strVal val="visible"/>
+                                      </p:to>
+                                    </p:set>
+                                    <p:animScale>
+                                      <p:cBhvr>
+                                        <p:cTn id="7" dur="1000" decel="50000" fill="hold">
+                                          <p:stCondLst>
+                                            <p:cond delay="0"/>
+                                          </p:stCondLst>
+                                        </p:cTn>
+                                        <p:tgtEl>
+                                          <p:spTgt spid="11"/>
+                                        </p:tgtEl>
+                                      </p:cBhvr>
+                                      <p:from x="250000" y="250000"/>
+                                      <p:to x="100000" y="100000"/>
+                                    </p:animScale>
+                                    <p:animMotion origin="layout" path="M -0.46736 0.92887  C -0.37517 0.88508  -0.02552 0.75279  0.0908 0.66613  C  0.20747 0.57948  0.21649 0.50394  0.23177 0.40825  C 0.24705 0.31256  0.22118 0.15964   0.18264 0.09152  C 0.1441 0.02341  0.03802 0.0  0.0 0.0  " pathEditMode="relative" ptsTypes="">
+                                      <p:cBhvr>
+                                        <p:cTn id="8" dur="1000" decel="50000" fill="hold">
+                                          <p:stCondLst>
+                                            <p:cond delay="0"/>
+                                          </p:stCondLst>
+                                        </p:cTn>
+                                        <p:tgtEl>
+                                          <p:spTgt spid="11"/>
+                                        </p:tgtEl>
+                                        <p:attrNameLst>
+                                          <p:attrName>ppt_x</p:attrName>
+                                          <p:attrName>ppt_y</p:attrName>
+                                        </p:attrNameLst>
+                                      </p:cBhvr>
+                                    </p:animMotion>
+                                    <p:animEffect transition="in" filter="fade">
+                                      <p:cBhvr>
+                                        <p:cTn id="9" dur="1000"/>
+                                        <p:tgtEl>
+                                          <p:spTgt spid="11"/>
+                                        </p:tgtEl>
+                                      </p:cBhvr>
+                                    </p:animEffect>
+                                  </p:childTnLst>
+                                </p:cTn>
+                              </p:par>
+                            </p:childTnLst>
+                          </p:cTn>
+                        </p:par>
+                      </p:childTnLst>
+                    </p:cTn>
+                  </p:par>
+                </p:childTnLst>
+              </p:cTn>
+              <p:prevCondLst>
+                <p:cond evt="onPrev" delay="0">
+                  <p:tgtEl>
+                    <p:sldTgt/>
+                  </p:tgtEl>
+                </p:cond>
+              </p:prevCondLst>
+              <p:nextCondLst>
+                <p:cond evt="onNext" delay="0">
+                  <p:tgtEl>
+                    <p:sldTgt/>
+                  </p:tgtEl>
+                </p:cond>
+              </p:nextCondLst>
+            </p:seq>
+          </p:childTnLst>
+        </p:cTn>
+      </p:par>
+    </p:tnLst>
+  </p:timing>
+</p:sld>
+</file>
+
+<file path=ppt/slides/slide12.xml><?xml version="1.0" encoding="utf-8"?>
+<p:sld xmlns:a="http://schemas.openxmlformats.org/drawingml/2006/main" xmlns:r="http://schemas.openxmlformats.org/officeDocument/2006/relationships" xmlns:p="http://schemas.openxmlformats.org/presentationml/2006/main">
+  <p:cSld>
+    <p:spTree>
+      <p:nvGrpSpPr>
+        <p:cNvPr id="1" name=""/>
+        <p:cNvGrpSpPr/>
+        <p:nvPr/>
+      </p:nvGrpSpPr>
+      <p:grpSpPr>
+        <a:xfrm>
+          <a:off x="0" y="0"/>
+          <a:ext cx="0" cy="0"/>
+          <a:chOff x="0" y="0"/>
+          <a:chExt cx="0" cy="0"/>
+        </a:xfrm>
+      </p:grpSpPr>
+      <p:sp>
+        <p:nvSpPr>
+          <p:cNvPr id="2" name="Title 1"/>
+          <p:cNvSpPr>
+            <a:spLocks noGrp="1"/>
+          </p:cNvSpPr>
+          <p:nvPr>
+            <p:ph type="title"/>
+          </p:nvPr>
+        </p:nvSpPr>
+        <p:spPr>
+          <a:xfrm>
+            <a:off x="1443038" y="301624"/>
+            <a:ext cx="6329362" cy="1146175"/>
+          </a:xfrm>
+        </p:spPr>
+        <p:txBody>
+          <a:bodyPr/>
+          <a:lstStyle/>
+          <a:p>
+            <a:r>
+              <a:rPr lang="en-US" dirty="0" smtClean="0"/>
+              <a:t>Bet-Doubling Paradox</a:t>
+            </a:r>
+            <a:endParaRPr lang="en-US" dirty="0"/>
+          </a:p>
+        </p:txBody>
+      </p:sp>
+      <p:sp>
+        <p:nvSpPr>
+          <p:cNvPr id="3" name="Content Placeholder 2"/>
+          <p:cNvSpPr>
+            <a:spLocks noGrp="1"/>
+          </p:cNvSpPr>
+          <p:nvPr>
+            <p:ph idx="1"/>
+          </p:nvPr>
+        </p:nvSpPr>
+        <p:spPr>
+          <a:xfrm>
+            <a:off x="342900" y="1905000"/>
+            <a:ext cx="8458200" cy="3048000"/>
+          </a:xfrm>
+        </p:spPr>
+        <p:txBody>
+          <a:bodyPr/>
+          <a:lstStyle/>
+          <a:p>
+            <a:pPr marL="0" indent="0">
+              <a:buNone/>
+            </a:pPr>
+            <a:r>
+              <a:rPr lang="en-US" sz="5400" dirty="0" smtClean="0">
+                <a:solidFill>
+                  <a:srgbClr val="000000"/>
+                </a:solidFill>
+                <a:latin typeface="Comic Sans MS"/>
+                <a:cs typeface="Comic Sans MS"/>
+              </a:rPr>
+              <a:t>To be </a:t>
+            </a:r>
+            <a:r>
+              <a:rPr lang="en-US" sz="5400" dirty="0" smtClean="0">
+                <a:solidFill>
+                  <a:srgbClr val="008000"/>
+                </a:solidFill>
+                <a:latin typeface="Comic Sans MS"/>
+                <a:cs typeface="Comic Sans MS"/>
+              </a:rPr>
+              <a:t>certain to win</a:t>
+            </a:r>
+            <a:r>
+              <a:rPr lang="en-US" sz="5400" dirty="0" smtClean="0">
+                <a:solidFill>
+                  <a:srgbClr val="000000"/>
+                </a:solidFill>
+                <a:latin typeface="Comic Sans MS"/>
+                <a:cs typeface="Comic Sans MS"/>
+              </a:rPr>
+              <a:t> an </a:t>
+            </a:r>
+            <a:r>
+              <a:rPr lang="en-US" sz="5400" dirty="0" smtClean="0">
+                <a:solidFill>
+                  <a:srgbClr val="E10000"/>
+                </a:solidFill>
+                <a:latin typeface="Comic Sans MS"/>
+                <a:cs typeface="Comic Sans MS"/>
+              </a:rPr>
+              <a:t>unfair</a:t>
+            </a:r>
+            <a:r>
+              <a:rPr lang="en-US" sz="5400" dirty="0" smtClean="0">
+                <a:solidFill>
+                  <a:srgbClr val="000000"/>
+                </a:solidFill>
+                <a:latin typeface="Comic Sans MS"/>
+                <a:cs typeface="Comic Sans MS"/>
+              </a:rPr>
+              <a:t> game, you need an</a:t>
+            </a:r>
+          </a:p>
+          <a:p>
+            <a:pPr marL="0" indent="0">
+              <a:buNone/>
+            </a:pPr>
+            <a:r>
+              <a:rPr lang="en-US" sz="5400" dirty="0" smtClean="0">
+                <a:solidFill>
+                  <a:srgbClr val="E10000"/>
+                </a:solidFill>
+                <a:latin typeface="Comic Sans MS"/>
+                <a:cs typeface="Comic Sans MS"/>
+              </a:rPr>
+              <a:t>infinite</a:t>
+            </a:r>
+            <a:r>
+              <a:rPr lang="en-US" sz="5400" dirty="0" smtClean="0">
+                <a:solidFill>
+                  <a:srgbClr val="000000"/>
+                </a:solidFill>
+                <a:latin typeface="Comic Sans MS"/>
+                <a:cs typeface="Comic Sans MS"/>
+              </a:rPr>
+              <a:t> </a:t>
+            </a:r>
+            <a:r>
+              <a:rPr lang="en-US" sz="5400" dirty="0" smtClean="0">
+                <a:solidFill>
+                  <a:srgbClr val="FF0000"/>
+                </a:solidFill>
+                <a:latin typeface="Comic Sans MS"/>
+                <a:cs typeface="Comic Sans MS"/>
+              </a:rPr>
+              <a:t>bankroll</a:t>
+            </a:r>
+            <a:r>
+              <a:rPr lang="en-US" sz="5400" dirty="0" smtClean="0">
+                <a:solidFill>
+                  <a:srgbClr val="000000"/>
+                </a:solidFill>
+                <a:latin typeface="Comic Sans MS"/>
+                <a:cs typeface="Comic Sans MS"/>
+              </a:rPr>
+              <a:t>.</a:t>
+            </a:r>
+          </a:p>
+        </p:txBody>
+      </p:sp>
+      <p:sp>
+        <p:nvSpPr>
+          <p:cNvPr id="4" name="Slide Number Placeholder 3"/>
+          <p:cNvSpPr>
+            <a:spLocks noGrp="1"/>
+          </p:cNvSpPr>
+          <p:nvPr>
+            <p:ph type="sldNum" sz="quarter" idx="12"/>
+          </p:nvPr>
+        </p:nvSpPr>
+        <p:spPr/>
+        <p:txBody>
+          <a:bodyPr/>
+          <a:lstStyle/>
+          <a:p>
+            <a:pPr>
+              <a:defRPr/>
+            </a:pPr>
+            <a:r>
+              <a:rPr lang="en-US" dirty="0" err="1" smtClean="0"/>
+              <a:t>infexp</a:t>
+            </a:r>
+            <a:r>
+              <a:rPr lang="en-US" dirty="0" smtClean="0"/>
+              <a:t>.</a:t>
+            </a:r>
+            <a:fld id="{E877D3CB-F960-BD47-98A7-06971C504846}" type="slidenum">
+              <a:rPr lang="en-US" smtClean="0"/>
+              <a:pPr>
+                <a:defRPr/>
+              </a:pPr>
+              <a:t>12</a:t>
+            </a:fld>
+            <a:endParaRPr lang="en-US" dirty="0" smtClean="0"/>
+          </a:p>
+          <a:p>
+            <a:pPr>
+              <a:defRPr/>
+            </a:pPr>
+            <a:endParaRPr lang="en-US" dirty="0"/>
+          </a:p>
+        </p:txBody>
+      </p:sp>
+      <p:sp>
+        <p:nvSpPr>
+          <p:cNvPr id="5" name="Date Placeholder 4"/>
+          <p:cNvSpPr>
+            <a:spLocks noGrp="1"/>
+          </p:cNvSpPr>
+          <p:nvPr>
+            <p:ph type="dt" sz="half" idx="2"/>
+          </p:nvPr>
+        </p:nvSpPr>
+        <p:spPr/>
+        <p:txBody>
+          <a:bodyPr/>
+          <a:lstStyle/>
+          <a:p>
+            <a:pPr>
+              <a:defRPr/>
+            </a:pPr>
+            <a:r>
+              <a:rPr lang="en-US" smtClean="0"/>
+              <a:t>Albert R Meyer,                        May 14, 2012</a:t>
+            </a:r>
+            <a:endParaRPr lang="en-US" dirty="0"/>
+          </a:p>
+        </p:txBody>
+      </p:sp>
+      <p:graphicFrame>
+        <p:nvGraphicFramePr>
+          <p:cNvPr id="7" name="Object 6"/>
+          <p:cNvGraphicFramePr>
+            <a:graphicFrameLocks noChangeAspect="1"/>
+          </p:cNvGraphicFramePr>
+          <p:nvPr>
+            <p:extLst>
+              <p:ext uri="{D42A27DB-BD31-4B8C-83A1-F6EECF244321}">
+                <p14:modId xmlns:p14="http://schemas.microsoft.com/office/powerpoint/2010/main" val="2573507589"/>
+              </p:ext>
+            </p:extLst>
+          </p:nvPr>
+        </p:nvGraphicFramePr>
+        <p:xfrm>
+          <a:off x="4813300" y="3975100"/>
+          <a:ext cx="139700" cy="215900"/>
+        </p:xfrm>
+        <a:graphic>
+          <a:graphicData uri="http://schemas.openxmlformats.org/presentationml/2006/ole">
+            <mc:AlternateContent xmlns:mc="http://schemas.openxmlformats.org/markup-compatibility/2006">
+              <mc:Choice xmlns:v="urn:schemas-microsoft-com:vml" Requires="v">
+                <p:oleObj spid="_x0000_s254992" name="Equation" r:id="rId4" imgW="139700" imgH="215900" progId="Equation.DSMT4">
+                  <p:embed/>
+                </p:oleObj>
+              </mc:Choice>
+              <mc:Fallback>
+                <p:oleObj name="Equation" r:id="rId4" imgW="139700" imgH="215900" progId="Equation.DSMT4">
+                  <p:embed/>
+                  <p:pic>
+                    <p:nvPicPr>
+                      <p:cNvPr id="0" name=""/>
+                      <p:cNvPicPr/>
+                      <p:nvPr/>
+                    </p:nvPicPr>
+                    <p:blipFill>
+                      <a:blip r:embed="rId5"/>
+                      <a:stretch>
+                        <a:fillRect/>
+                      </a:stretch>
+                    </p:blipFill>
+                    <p:spPr>
+                      <a:xfrm>
+                        <a:off x="4813300" y="3975100"/>
+                        <a:ext cx="139700" cy="215900"/>
+                      </a:xfrm>
+                      <a:prstGeom prst="rect">
+                        <a:avLst/>
+                      </a:prstGeom>
+                    </p:spPr>
+                  </p:pic>
+                </p:oleObj>
+              </mc:Fallback>
+            </mc:AlternateContent>
+          </a:graphicData>
+        </a:graphic>
+      </p:graphicFrame>
+    </p:spTree>
+    <p:extLst>
+      <p:ext uri="{BB962C8B-B14F-4D97-AF65-F5344CB8AC3E}">
+        <p14:creationId xmlns:p14="http://schemas.microsoft.com/office/powerpoint/2010/main" val="3062767101"/>
+      </p:ext>
+    </p:extLst>
+  </p:cSld>
+  <p:clrMapOvr>
+    <a:masterClrMapping/>
+  </p:clrMapOvr>
+  <p:transition xmlns:p14="http://schemas.microsoft.com/office/powerpoint/2010/main" spd="slow" advClick="0">
+    <p:fade thruBlk="1"/>
+  </p:transition>
+  <p:timing>
+    <p:tnLst>
+      <p:par>
+        <p:cTn xmlns:p14="http://schemas.microsoft.com/office/powerpoint/2010/main" id="1" dur="indefinite" restart="never" nodeType="tmRoot"/>
+      </p:par>
+    </p:tnLst>
+  </p:timing>
+</p:sld>
+</file>
+
+<file path=ppt/slides/slide13.xml><?xml version="1.0" encoding="utf-8"?>
+<p:sld xmlns:a="http://schemas.openxmlformats.org/drawingml/2006/main" xmlns:r="http://schemas.openxmlformats.org/officeDocument/2006/relationships" xmlns:p="http://schemas.openxmlformats.org/presentationml/2006/main">
+  <p:cSld>
+    <p:spTree>
+      <p:nvGrpSpPr>
+        <p:cNvPr id="1" name=""/>
+        <p:cNvGrpSpPr/>
+        <p:nvPr/>
+      </p:nvGrpSpPr>
+      <p:grpSpPr>
+        <a:xfrm>
+          <a:off x="0" y="0"/>
+          <a:ext cx="0" cy="0"/>
+          <a:chOff x="0" y="0"/>
+          <a:chExt cx="0" cy="0"/>
+        </a:xfrm>
+      </p:grpSpPr>
+      <p:sp>
+        <p:nvSpPr>
+          <p:cNvPr id="2" name="Title 1"/>
+          <p:cNvSpPr>
+            <a:spLocks noGrp="1"/>
+          </p:cNvSpPr>
+          <p:nvPr>
+            <p:ph type="title"/>
+          </p:nvPr>
+        </p:nvSpPr>
+        <p:spPr>
+          <a:xfrm>
+            <a:off x="1443038" y="301624"/>
+            <a:ext cx="6329362" cy="1146175"/>
+          </a:xfrm>
+        </p:spPr>
+        <p:txBody>
+          <a:bodyPr/>
+          <a:lstStyle/>
+          <a:p>
+            <a:r>
+              <a:rPr lang="en-US" dirty="0" smtClean="0"/>
+              <a:t>Bet-Doubling Paradox</a:t>
+            </a:r>
+            <a:endParaRPr lang="en-US" dirty="0"/>
+          </a:p>
+        </p:txBody>
+      </p:sp>
+      <p:sp>
+        <p:nvSpPr>
+          <p:cNvPr id="3" name="Content Placeholder 2"/>
+          <p:cNvSpPr>
+            <a:spLocks noGrp="1"/>
+          </p:cNvSpPr>
+          <p:nvPr>
+            <p:ph idx="1"/>
+          </p:nvPr>
+        </p:nvSpPr>
+        <p:spPr>
+          <a:xfrm>
+            <a:off x="0" y="1447800"/>
+            <a:ext cx="9067800" cy="4038600"/>
+          </a:xfrm>
+        </p:spPr>
+        <p:txBody>
+          <a:bodyPr/>
+          <a:lstStyle/>
+          <a:p>
+            <a:pPr marL="0" indent="0">
+              <a:buNone/>
+            </a:pPr>
+            <a:r>
+              <a:rPr lang="en-US" sz="5400" dirty="0" smtClean="0">
+                <a:solidFill>
+                  <a:srgbClr val="000000"/>
+                </a:solidFill>
+                <a:latin typeface="Comic Sans MS"/>
+                <a:cs typeface="Comic Sans MS"/>
+              </a:rPr>
+              <a:t>With a </a:t>
+            </a:r>
+            <a:r>
+              <a:rPr lang="en-US" sz="5400" dirty="0" smtClean="0">
+                <a:solidFill>
+                  <a:srgbClr val="008000"/>
+                </a:solidFill>
+                <a:latin typeface="Comic Sans MS"/>
+                <a:cs typeface="Comic Sans MS"/>
+              </a:rPr>
+              <a:t>finite</a:t>
+            </a:r>
+            <a:r>
+              <a:rPr lang="en-US" sz="5400" dirty="0" smtClean="0">
+                <a:solidFill>
+                  <a:srgbClr val="000000"/>
+                </a:solidFill>
+                <a:latin typeface="Comic Sans MS"/>
+                <a:cs typeface="Comic Sans MS"/>
+              </a:rPr>
+              <a:t> </a:t>
+            </a:r>
+            <a:r>
+              <a:rPr lang="en-US" sz="5400" dirty="0" smtClean="0">
+                <a:solidFill>
+                  <a:srgbClr val="008000"/>
+                </a:solidFill>
+                <a:latin typeface="Comic Sans MS"/>
+                <a:cs typeface="Comic Sans MS"/>
+              </a:rPr>
+              <a:t>bankroll</a:t>
+            </a:r>
+            <a:r>
+              <a:rPr lang="en-US" sz="5400" dirty="0" smtClean="0">
+                <a:solidFill>
+                  <a:srgbClr val="000000"/>
+                </a:solidFill>
+                <a:latin typeface="Comic Sans MS"/>
+                <a:cs typeface="Comic Sans MS"/>
+              </a:rPr>
+              <a:t>, your </a:t>
+            </a:r>
+            <a:r>
+              <a:rPr lang="en-US" sz="5400" dirty="0" smtClean="0">
+                <a:latin typeface="Comic Sans MS"/>
+                <a:cs typeface="Comic Sans MS"/>
+              </a:rPr>
+              <a:t>expectation</a:t>
+            </a:r>
+            <a:r>
+              <a:rPr lang="en-US" sz="5400" dirty="0" smtClean="0">
+                <a:solidFill>
+                  <a:srgbClr val="000000"/>
+                </a:solidFill>
+                <a:latin typeface="Comic Sans MS"/>
+                <a:cs typeface="Comic Sans MS"/>
+              </a:rPr>
+              <a:t> goes back to being </a:t>
+            </a:r>
+            <a:r>
+              <a:rPr lang="en-US" sz="5400" dirty="0" smtClean="0">
+                <a:solidFill>
+                  <a:srgbClr val="E10000"/>
+                </a:solidFill>
+                <a:latin typeface="Comic Sans MS"/>
+                <a:cs typeface="Comic Sans MS"/>
+              </a:rPr>
+              <a:t>negative</a:t>
+            </a:r>
+            <a:r>
+              <a:rPr lang="en-US" sz="5400" b="1" dirty="0" smtClean="0">
+                <a:solidFill>
+                  <a:srgbClr val="000000"/>
+                </a:solidFill>
+                <a:latin typeface="Comic Sans MS"/>
+                <a:cs typeface="Comic Sans MS"/>
+              </a:rPr>
+              <a:t>—</a:t>
+            </a:r>
+            <a:r>
+              <a:rPr lang="en-US" sz="5400" dirty="0" smtClean="0">
+                <a:solidFill>
+                  <a:srgbClr val="000000"/>
+                </a:solidFill>
+                <a:latin typeface="Comic Sans MS"/>
+                <a:cs typeface="Comic Sans MS"/>
+              </a:rPr>
+              <a:t>as it should</a:t>
+            </a:r>
+          </a:p>
+          <a:p>
+            <a:pPr marL="0" indent="0">
+              <a:buNone/>
+            </a:pPr>
+            <a:r>
+              <a:rPr lang="en-US" sz="5400" dirty="0" smtClean="0">
+                <a:solidFill>
+                  <a:srgbClr val="000000"/>
+                </a:solidFill>
+                <a:latin typeface="Comic Sans MS"/>
+                <a:cs typeface="Comic Sans MS"/>
+              </a:rPr>
+              <a:t>in an </a:t>
+            </a:r>
+            <a:r>
+              <a:rPr lang="en-US" sz="5400" dirty="0" smtClean="0">
+                <a:solidFill>
+                  <a:srgbClr val="FF0000"/>
+                </a:solidFill>
+                <a:latin typeface="Comic Sans MS"/>
+                <a:cs typeface="Comic Sans MS"/>
+              </a:rPr>
+              <a:t>unfair</a:t>
+            </a:r>
+            <a:r>
+              <a:rPr lang="en-US" sz="5400" dirty="0" smtClean="0">
+                <a:solidFill>
+                  <a:srgbClr val="000000"/>
+                </a:solidFill>
+                <a:latin typeface="Comic Sans MS"/>
+                <a:cs typeface="Comic Sans MS"/>
+              </a:rPr>
+              <a:t> game.</a:t>
+            </a:r>
+          </a:p>
+        </p:txBody>
+      </p:sp>
+      <p:sp>
+        <p:nvSpPr>
+          <p:cNvPr id="4" name="Slide Number Placeholder 3"/>
+          <p:cNvSpPr>
+            <a:spLocks noGrp="1"/>
+          </p:cNvSpPr>
+          <p:nvPr>
+            <p:ph type="sldNum" sz="quarter" idx="12"/>
+          </p:nvPr>
+        </p:nvSpPr>
+        <p:spPr/>
+        <p:txBody>
+          <a:bodyPr/>
+          <a:lstStyle/>
+          <a:p>
+            <a:pPr>
+              <a:defRPr/>
+            </a:pPr>
+            <a:r>
+              <a:rPr lang="en-US" dirty="0" err="1" smtClean="0"/>
+              <a:t>infexp</a:t>
+            </a:r>
+            <a:r>
+              <a:rPr lang="en-US" dirty="0" smtClean="0"/>
+              <a:t>.</a:t>
+            </a:r>
+            <a:fld id="{E877D3CB-F960-BD47-98A7-06971C504846}" type="slidenum">
+              <a:rPr lang="en-US" smtClean="0"/>
+              <a:pPr>
+                <a:defRPr/>
+              </a:pPr>
+              <a:t>13</a:t>
+            </a:fld>
+            <a:endParaRPr lang="en-US" dirty="0" smtClean="0"/>
+          </a:p>
+          <a:p>
+            <a:pPr>
+              <a:defRPr/>
+            </a:pPr>
+            <a:endParaRPr lang="en-US" dirty="0"/>
+          </a:p>
+        </p:txBody>
+      </p:sp>
+      <p:sp>
+        <p:nvSpPr>
+          <p:cNvPr id="5" name="Date Placeholder 4"/>
+          <p:cNvSpPr>
+            <a:spLocks noGrp="1"/>
+          </p:cNvSpPr>
+          <p:nvPr>
+            <p:ph type="dt" sz="half" idx="2"/>
+          </p:nvPr>
+        </p:nvSpPr>
+        <p:spPr/>
+        <p:txBody>
+          <a:bodyPr/>
+          <a:lstStyle/>
+          <a:p>
+            <a:pPr>
+              <a:defRPr/>
+            </a:pPr>
+            <a:r>
+              <a:rPr lang="en-US" smtClean="0"/>
+              <a:t>Albert R Meyer,                        May 14, 2012</a:t>
+            </a:r>
+            <a:endParaRPr lang="en-US" dirty="0"/>
+          </a:p>
+        </p:txBody>
+      </p:sp>
+      <p:graphicFrame>
+        <p:nvGraphicFramePr>
+          <p:cNvPr id="7" name="Object 6"/>
+          <p:cNvGraphicFramePr>
+            <a:graphicFrameLocks noChangeAspect="1"/>
+          </p:cNvGraphicFramePr>
+          <p:nvPr>
+            <p:extLst>
+              <p:ext uri="{D42A27DB-BD31-4B8C-83A1-F6EECF244321}">
+                <p14:modId xmlns:p14="http://schemas.microsoft.com/office/powerpoint/2010/main" val="536921716"/>
+              </p:ext>
+            </p:extLst>
+          </p:nvPr>
+        </p:nvGraphicFramePr>
+        <p:xfrm>
+          <a:off x="4813300" y="3975100"/>
+          <a:ext cx="139700" cy="215900"/>
+        </p:xfrm>
+        <a:graphic>
+          <a:graphicData uri="http://schemas.openxmlformats.org/presentationml/2006/ole">
+            <mc:AlternateContent xmlns:mc="http://schemas.openxmlformats.org/markup-compatibility/2006">
+              <mc:Choice xmlns:v="urn:schemas-microsoft-com:vml" Requires="v">
+                <p:oleObj spid="_x0000_s257034" name="Equation" r:id="rId4" imgW="139700" imgH="215900" progId="Equation.DSMT4">
+                  <p:embed/>
+                </p:oleObj>
+              </mc:Choice>
+              <mc:Fallback>
+                <p:oleObj name="Equation" r:id="rId4" imgW="139700" imgH="215900" progId="Equation.DSMT4">
+                  <p:embed/>
+                  <p:pic>
+                    <p:nvPicPr>
+                      <p:cNvPr id="0" name=""/>
+                      <p:cNvPicPr/>
+                      <p:nvPr/>
+                    </p:nvPicPr>
+                    <p:blipFill>
+                      <a:blip r:embed="rId5"/>
+                      <a:stretch>
+                        <a:fillRect/>
+                      </a:stretch>
+                    </p:blipFill>
+                    <p:spPr>
+                      <a:xfrm>
+                        <a:off x="4813300" y="3975100"/>
+                        <a:ext cx="139700" cy="215900"/>
+                      </a:xfrm>
+                      <a:prstGeom prst="rect">
+                        <a:avLst/>
+                      </a:prstGeom>
+                    </p:spPr>
+                  </p:pic>
+                </p:oleObj>
+              </mc:Fallback>
+            </mc:AlternateContent>
+          </a:graphicData>
+        </a:graphic>
+      </p:graphicFrame>
+    </p:spTree>
+    <p:extLst>
+      <p:ext uri="{BB962C8B-B14F-4D97-AF65-F5344CB8AC3E}">
+        <p14:creationId xmlns:p14="http://schemas.microsoft.com/office/powerpoint/2010/main" val="2285344202"/>
+      </p:ext>
+    </p:extLst>
+  </p:cSld>
+  <p:clrMapOvr>
+    <a:masterClrMapping/>
+  </p:clrMapOvr>
+  <mc:AlternateContent xmlns:mc="http://schemas.openxmlformats.org/markup-compatibility/2006" xmlns:p14="http://schemas.microsoft.com/office/powerpoint/2010/main">
+    <mc:Choice Requires="p14">
+      <p:transition spd="slow" p14:dur="1100" advClick="0">
+        <p:fade/>
+      </p:transition>
+    </mc:Choice>
+    <mc:Fallback xmlns="">
+      <p:transition xmlns:p14="http://schemas.microsoft.com/office/powerpoint/2010/main" spd="slow" advClick="0">
+        <p:fade/>
+      </p:transition>
+    </mc:Fallback>
+  </mc:AlternateContent>
+  <p:timing>
+    <p:tnLst>
+      <p:par>
+        <p:cTn xmlns:p14="http://schemas.microsoft.com/office/powerpoint/2010/main" id="1" dur="indefinite" restart="never" nodeType="tmRoot"/>
+      </p:par>
+    </p:tnLst>
+  </p:timing>
+</p:sld>
+</file>
+
+<file path=ppt/slides/slide14.xml><?xml version="1.0" encoding="utf-8"?>
+<p:sld xmlns:a="http://schemas.openxmlformats.org/drawingml/2006/main" xmlns:r="http://schemas.openxmlformats.org/officeDocument/2006/relationships" xmlns:p="http://schemas.openxmlformats.org/presentationml/2006/main">
+  <p:cSld>
+    <p:spTree>
+      <p:nvGrpSpPr>
+        <p:cNvPr id="1" name=""/>
+        <p:cNvGrpSpPr/>
+        <p:nvPr/>
+      </p:nvGrpSpPr>
+      <p:grpSpPr>
+        <a:xfrm>
+          <a:off x="0" y="0"/>
+          <a:ext cx="0" cy="0"/>
+          <a:chOff x="0" y="0"/>
+          <a:chExt cx="0" cy="0"/>
+        </a:xfrm>
+      </p:grpSpPr>
+      <p:sp>
+        <p:nvSpPr>
+          <p:cNvPr id="2" name="Title 1"/>
+          <p:cNvSpPr>
+            <a:spLocks noGrp="1"/>
+          </p:cNvSpPr>
+          <p:nvPr>
+            <p:ph type="title"/>
+          </p:nvPr>
+        </p:nvSpPr>
+        <p:spPr>
+          <a:xfrm>
+            <a:off x="1562100" y="228600"/>
+            <a:ext cx="6134100" cy="914400"/>
+          </a:xfrm>
+        </p:spPr>
+        <p:txBody>
+          <a:bodyPr/>
+          <a:lstStyle/>
+          <a:p>
+            <a:r>
+              <a:rPr lang="en-US" dirty="0" smtClean="0"/>
+              <a:t>Infinite Expectations</a:t>
+            </a:r>
+            <a:endParaRPr lang="en-US" dirty="0"/>
+          </a:p>
+        </p:txBody>
+      </p:sp>
+      <p:sp>
+        <p:nvSpPr>
+          <p:cNvPr id="3" name="Content Placeholder 2"/>
+          <p:cNvSpPr>
+            <a:spLocks noGrp="1"/>
+          </p:cNvSpPr>
+          <p:nvPr>
+            <p:ph idx="1"/>
+          </p:nvPr>
+        </p:nvSpPr>
+        <p:spPr>
+          <a:xfrm>
+            <a:off x="76200" y="1219200"/>
+            <a:ext cx="8991600" cy="4419600"/>
+          </a:xfrm>
+        </p:spPr>
+        <p:txBody>
+          <a:bodyPr/>
+          <a:lstStyle/>
+          <a:p>
+            <a:r>
+              <a:rPr lang="en-US" sz="4000" dirty="0" smtClean="0">
+                <a:solidFill>
+                  <a:srgbClr val="0000FF"/>
+                </a:solidFill>
+                <a:latin typeface="Comic Sans MS"/>
+                <a:cs typeface="Comic Sans MS"/>
+              </a:rPr>
+              <a:t>Bet </a:t>
+            </a:r>
+            <a:r>
+              <a:rPr lang="en-US" sz="4000" dirty="0" smtClean="0">
+                <a:solidFill>
+                  <a:srgbClr val="0000FF"/>
+                </a:solidFill>
+                <a:latin typeface="Comic Sans MS"/>
+                <a:cs typeface="Comic Sans MS"/>
+              </a:rPr>
+              <a:t>doubling</a:t>
+            </a:r>
+            <a:r>
+              <a:rPr lang="en-US" sz="4000" dirty="0" smtClean="0">
+                <a:latin typeface="Comic Sans MS"/>
+                <a:cs typeface="Comic Sans MS"/>
+              </a:rPr>
+              <a:t>: win is certain, but expected </a:t>
+            </a:r>
+            <a:r>
+              <a:rPr lang="en-US" sz="4000" dirty="0" smtClean="0">
+                <a:latin typeface="Comic Sans MS"/>
+                <a:cs typeface="Comic Sans MS"/>
+              </a:rPr>
+              <a:t>last bet </a:t>
+            </a:r>
+            <a:r>
+              <a:rPr lang="en-US" sz="4000" dirty="0" smtClean="0">
+                <a:latin typeface="Comic Sans MS"/>
+                <a:cs typeface="Comic Sans MS"/>
+              </a:rPr>
+              <a:t>is infinite</a:t>
+            </a:r>
+            <a:r>
+              <a:rPr lang="en-US" sz="4000" dirty="0" smtClean="0">
+                <a:latin typeface="Comic Sans MS"/>
+                <a:cs typeface="Comic Sans MS"/>
+              </a:rPr>
+              <a:t>.</a:t>
+            </a:r>
+          </a:p>
+          <a:p>
+            <a:r>
+              <a:rPr lang="en-US" sz="4000" dirty="0">
+                <a:solidFill>
+                  <a:srgbClr val="0000FF"/>
+                </a:solidFill>
+                <a:cs typeface="Comic Sans MS"/>
+              </a:rPr>
+              <a:t>Fair gambler’s ruin</a:t>
+            </a:r>
+            <a:r>
+              <a:rPr lang="en-US" sz="4000" dirty="0">
+                <a:cs typeface="Comic Sans MS"/>
+              </a:rPr>
+              <a:t>: ruin is certain, but expected to take forever</a:t>
+            </a:r>
+            <a:r>
+              <a:rPr lang="en-US" sz="4000" dirty="0" smtClean="0">
+                <a:cs typeface="Comic Sans MS"/>
+              </a:rPr>
+              <a:t>.</a:t>
+            </a:r>
+            <a:endParaRPr lang="en-US" sz="4000" dirty="0">
+              <a:latin typeface="Comic Sans MS"/>
+              <a:cs typeface="Comic Sans MS"/>
+            </a:endParaRPr>
+          </a:p>
+          <a:p>
+            <a:r>
+              <a:rPr lang="en-US" sz="4000" dirty="0" smtClean="0">
+                <a:solidFill>
+                  <a:srgbClr val="0000FF"/>
+                </a:solidFill>
+                <a:latin typeface="Comic Sans MS"/>
+                <a:cs typeface="Comic Sans MS"/>
+              </a:rPr>
+              <a:t>E[# tries to beat 1</a:t>
+            </a:r>
+            <a:r>
+              <a:rPr lang="en-US" sz="4000" baseline="30000" dirty="0" smtClean="0">
+                <a:solidFill>
+                  <a:srgbClr val="0000FF"/>
+                </a:solidFill>
+                <a:latin typeface="Comic Sans MS"/>
+                <a:cs typeface="Comic Sans MS"/>
+              </a:rPr>
+              <a:t>st</a:t>
+            </a:r>
+            <a:r>
+              <a:rPr lang="en-US" sz="4000" dirty="0" smtClean="0">
+                <a:solidFill>
+                  <a:srgbClr val="0000FF"/>
+                </a:solidFill>
+                <a:latin typeface="Comic Sans MS"/>
+                <a:cs typeface="Comic Sans MS"/>
+              </a:rPr>
+              <a:t> try]</a:t>
+            </a:r>
+            <a:r>
+              <a:rPr lang="en-US" sz="4000" dirty="0" smtClean="0">
+                <a:latin typeface="Comic Sans MS"/>
+                <a:cs typeface="Comic Sans MS"/>
+              </a:rPr>
+              <a:t> </a:t>
+            </a:r>
+            <a:r>
+              <a:rPr lang="en-US" sz="4000" b="1" dirty="0">
+                <a:solidFill>
+                  <a:srgbClr val="0000FF"/>
+                </a:solidFill>
+                <a:latin typeface="Euclid Symbol" charset="2"/>
+                <a:cs typeface="Euclid Symbol" charset="2"/>
+              </a:rPr>
+              <a:t>=</a:t>
+            </a:r>
+            <a:r>
+              <a:rPr lang="en-US" sz="4000" dirty="0">
+                <a:solidFill>
+                  <a:srgbClr val="0000FF"/>
+                </a:solidFill>
+                <a:latin typeface="Euclid Symbol" charset="2"/>
+                <a:cs typeface="Euclid Symbol" charset="2"/>
+              </a:rPr>
+              <a:t> </a:t>
+            </a:r>
+            <a:r>
+              <a:rPr lang="en-US" sz="4000" b="1" dirty="0">
+                <a:solidFill>
+                  <a:srgbClr val="0000FF"/>
+                </a:solidFill>
+                <a:latin typeface="Euclid Symbol" charset="2"/>
+                <a:cs typeface="Euclid Symbol" charset="2"/>
+              </a:rPr>
+              <a:t>∞</a:t>
+            </a:r>
+            <a:endParaRPr lang="en-US" sz="4000" dirty="0" smtClean="0">
+              <a:latin typeface="Euclid Symbol" charset="2"/>
+              <a:cs typeface="Euclid Symbol" charset="2"/>
+            </a:endParaRPr>
+          </a:p>
+          <a:p>
+            <a:r>
+              <a:rPr lang="en-US" sz="4000" dirty="0" smtClean="0">
+                <a:solidFill>
+                  <a:srgbClr val="0000FF"/>
+                </a:solidFill>
+                <a:latin typeface="Comic Sans MS"/>
+                <a:cs typeface="Comic Sans MS"/>
+              </a:rPr>
+              <a:t>E[R] </a:t>
+            </a:r>
+            <a:r>
+              <a:rPr lang="en-US" sz="4000" b="1" dirty="0" smtClean="0">
+                <a:solidFill>
+                  <a:srgbClr val="0000FF"/>
+                </a:solidFill>
+                <a:latin typeface="Euclid Symbol" charset="2"/>
+                <a:cs typeface="Euclid Symbol" charset="2"/>
+              </a:rPr>
+              <a:t>&lt;</a:t>
+            </a:r>
+            <a:r>
+              <a:rPr lang="en-US" sz="4000" dirty="0" smtClean="0">
+                <a:solidFill>
+                  <a:srgbClr val="0000FF"/>
+                </a:solidFill>
+                <a:latin typeface="Euclid Symbol" charset="2"/>
+                <a:cs typeface="Euclid Symbol" charset="2"/>
+              </a:rPr>
+              <a:t> </a:t>
+            </a:r>
+            <a:r>
+              <a:rPr lang="en-US" sz="4000" b="1" dirty="0">
+                <a:solidFill>
+                  <a:srgbClr val="0000FF"/>
+                </a:solidFill>
+                <a:latin typeface="Euclid Symbol" charset="2"/>
+                <a:cs typeface="Euclid Symbol" charset="2"/>
+              </a:rPr>
+              <a:t>∞</a:t>
+            </a:r>
+            <a:r>
+              <a:rPr lang="en-US" sz="4000" dirty="0" smtClean="0">
+                <a:latin typeface="Comic Sans MS"/>
+                <a:cs typeface="Comic Sans MS"/>
+              </a:rPr>
+              <a:t>, </a:t>
+            </a:r>
+            <a:r>
+              <a:rPr lang="en-US" sz="4000" dirty="0" smtClean="0">
+                <a:latin typeface="Comic Sans MS"/>
+                <a:cs typeface="Comic Sans MS"/>
+              </a:rPr>
+              <a:t>but maybe </a:t>
+            </a:r>
+            <a:r>
+              <a:rPr lang="en-US" sz="4000" dirty="0" err="1" smtClean="0">
+                <a:solidFill>
+                  <a:srgbClr val="0000FF"/>
+                </a:solidFill>
+                <a:latin typeface="Comic Sans MS"/>
+                <a:cs typeface="Comic Sans MS"/>
+              </a:rPr>
+              <a:t>Var</a:t>
+            </a:r>
+            <a:r>
+              <a:rPr lang="en-US" sz="4000" dirty="0" smtClean="0">
+                <a:solidFill>
+                  <a:srgbClr val="0000FF"/>
+                </a:solidFill>
+                <a:latin typeface="Comic Sans MS"/>
+                <a:cs typeface="Comic Sans MS"/>
+              </a:rPr>
+              <a:t>[</a:t>
+            </a:r>
+            <a:r>
+              <a:rPr lang="en-US" sz="4000" dirty="0">
+                <a:solidFill>
+                  <a:srgbClr val="0000FF"/>
+                </a:solidFill>
+                <a:latin typeface="Comic Sans MS"/>
+                <a:cs typeface="Comic Sans MS"/>
+              </a:rPr>
+              <a:t>R] </a:t>
+            </a:r>
+            <a:r>
+              <a:rPr lang="en-US" sz="4000" b="1" dirty="0">
+                <a:solidFill>
+                  <a:srgbClr val="0000FF"/>
+                </a:solidFill>
+                <a:latin typeface="Euclid Symbol" charset="2"/>
+                <a:cs typeface="Euclid Symbol" charset="2"/>
+              </a:rPr>
+              <a:t>=</a:t>
+            </a:r>
+            <a:r>
+              <a:rPr lang="en-US" sz="4000" dirty="0">
+                <a:solidFill>
+                  <a:srgbClr val="0000FF"/>
+                </a:solidFill>
+                <a:latin typeface="Euclid Symbol" charset="2"/>
+                <a:cs typeface="Euclid Symbol" charset="2"/>
+              </a:rPr>
+              <a:t> </a:t>
+            </a:r>
+            <a:r>
+              <a:rPr lang="en-US" sz="4000" b="1" dirty="0">
+                <a:solidFill>
+                  <a:srgbClr val="0000FF"/>
+                </a:solidFill>
+                <a:latin typeface="Euclid Symbol" charset="2"/>
+                <a:cs typeface="Euclid Symbol" charset="2"/>
+              </a:rPr>
+              <a:t>∞</a:t>
+            </a:r>
+            <a:endParaRPr lang="en-US" sz="4000" dirty="0" smtClean="0">
+              <a:latin typeface="Comic Sans MS"/>
+              <a:cs typeface="Comic Sans MS"/>
+            </a:endParaRPr>
+          </a:p>
+        </p:txBody>
+      </p:sp>
+      <p:sp>
+        <p:nvSpPr>
+          <p:cNvPr id="4" name="Slide Number Placeholder 3"/>
+          <p:cNvSpPr>
+            <a:spLocks noGrp="1"/>
+          </p:cNvSpPr>
+          <p:nvPr>
+            <p:ph type="sldNum" sz="quarter" idx="12"/>
+          </p:nvPr>
+        </p:nvSpPr>
+        <p:spPr/>
+        <p:txBody>
+          <a:bodyPr/>
+          <a:lstStyle/>
+          <a:p>
+            <a:pPr>
+              <a:defRPr/>
+            </a:pPr>
+            <a:r>
+              <a:rPr lang="en-US" dirty="0" smtClean="0"/>
+              <a:t>Lec 14M.</a:t>
+            </a:r>
+            <a:fld id="{E877D3CB-F960-BD47-98A7-06971C504846}" type="slidenum">
+              <a:rPr lang="en-US" smtClean="0"/>
+              <a:pPr>
+                <a:defRPr/>
+              </a:pPr>
+              <a:t>14</a:t>
+            </a:fld>
+            <a:endParaRPr lang="en-US" dirty="0" smtClean="0"/>
+          </a:p>
+          <a:p>
+            <a:pPr>
+              <a:defRPr/>
+            </a:pPr>
+            <a:endParaRPr lang="en-US" dirty="0"/>
+          </a:p>
+        </p:txBody>
+      </p:sp>
+      <p:sp>
+        <p:nvSpPr>
+          <p:cNvPr id="5" name="Date Placeholder 4"/>
+          <p:cNvSpPr>
+            <a:spLocks noGrp="1"/>
+          </p:cNvSpPr>
+          <p:nvPr>
+            <p:ph type="dt" sz="half" idx="4294967295"/>
+          </p:nvPr>
+        </p:nvSpPr>
+        <p:spPr>
+          <a:xfrm>
+            <a:off x="2781300" y="6627205"/>
+            <a:ext cx="3581400" cy="228600"/>
+          </a:xfrm>
+          <a:prstGeom prst="rect">
+            <a:avLst/>
+          </a:prstGeom>
+        </p:spPr>
+        <p:txBody>
+          <a:bodyPr/>
+          <a:lstStyle/>
+          <a:p>
+            <a:pPr>
+              <a:defRPr/>
+            </a:pPr>
+            <a:r>
+              <a:rPr lang="en-US" dirty="0" smtClean="0"/>
+              <a:t>Albert R Meyer,                        May 14, 2012</a:t>
+            </a:r>
+            <a:endParaRPr lang="en-US" dirty="0"/>
+          </a:p>
+        </p:txBody>
+      </p:sp>
+    </p:spTree>
+    <p:extLst>
+      <p:ext uri="{BB962C8B-B14F-4D97-AF65-F5344CB8AC3E}">
+        <p14:creationId xmlns:p14="http://schemas.microsoft.com/office/powerpoint/2010/main" val="767790193"/>
+      </p:ext>
+    </p:extLst>
+  </p:cSld>
+  <p:clrMapOvr>
+    <a:masterClrMapping/>
+  </p:clrMapOvr>
+  <mc:AlternateContent xmlns:mc="http://schemas.openxmlformats.org/markup-compatibility/2006">
+    <mc:Choice xmlns:p14="http://schemas.microsoft.com/office/powerpoint/2010/main" Requires="p14">
+      <p:transition spd="slow" p14:dur="1200" advClick="0">
+        <p:fade thruBlk="1"/>
+      </p:transition>
+    </mc:Choice>
+    <mc:Fallback>
+      <p:transition xmlns:p14="http://schemas.microsoft.com/office/powerpoint/2010/main" spd="slow" advClick="0">
+        <p:fade thruBlk="1"/>
+      </p:transition>
+    </mc:Fallback>
+  </mc:AlternateContent>
+  <p:timing>
+    <p:tnLst>
+      <p:par>
+        <p:cTn xmlns:p14="http://schemas.microsoft.com/office/powerpoint/2010/main" id="1" dur="indefinite" restart="never" nodeType="tmRoot">
+          <p:childTnLst>
+            <p:seq concurrent="1" nextAc="seek">
+              <p:cTn id="2" dur="indefinite" nodeType="mainSeq">
+                <p:childTnLst>
+                  <p:par>
+                    <p:cTn id="3" fill="hold">
+                      <p:stCondLst>
+                        <p:cond delay="indefinite"/>
+                      </p:stCondLst>
+                      <p:childTnLst>
+                        <p:par>
+                          <p:cTn id="4" fill="hold">
+                            <p:stCondLst>
+                              <p:cond delay="0"/>
+                            </p:stCondLst>
+                            <p:childTnLst>
+                              <p:par>
+                                <p:cTn id="5" presetID="9" presetClass="entr" presetSubtype="0" fill="hold" grpId="0" nodeType="clickEffect">
                                   <p:stCondLst>
                                     <p:cond delay="0"/>
                                   </p:stCondLst>
@@ -3615,7 +6518,7 @@
                                         <p:tgtEl>
                                           <p:spTgt spid="3">
                                             <p:txEl>
-                                              <p:pRg st="0" end="0"/>
+                                              <p:pRg st="1" end="1"/>
                                             </p:txEl>
                                           </p:spTgt>
                                         </p:tgtEl>
@@ -3633,7 +6536,7 @@
                                         <p:tgtEl>
                                           <p:spTgt spid="3">
                                             <p:txEl>
-                                              <p:pRg st="0" end="0"/>
+                                              <p:pRg st="1" end="1"/>
                                             </p:txEl>
                                           </p:spTgt>
                                         </p:tgtEl>
@@ -3676,7 +6579,7 @@
                                         <p:tgtEl>
                                           <p:spTgt spid="3">
                                             <p:txEl>
-                                              <p:pRg st="1" end="1"/>
+                                              <p:pRg st="2" end="2"/>
                                             </p:txEl>
                                           </p:spTgt>
                                         </p:tgtEl>
@@ -3694,7 +6597,7 @@
                                         <p:tgtEl>
                                           <p:spTgt spid="3">
                                             <p:txEl>
-                                              <p:pRg st="1" end="1"/>
+                                              <p:pRg st="2" end="2"/>
                                             </p:txEl>
                                           </p:spTgt>
                                         </p:tgtEl>
@@ -3737,7 +6640,7 @@
                                         <p:tgtEl>
                                           <p:spTgt spid="3">
                                             <p:txEl>
-                                              <p:pRg st="2" end="2"/>
+                                              <p:pRg st="3" end="3"/>
                                             </p:txEl>
                                           </p:spTgt>
                                         </p:tgtEl>
@@ -3752,67 +6655,6 @@
                                     <p:animEffect transition="in" filter="dissolve">
                                       <p:cBhvr>
                                         <p:cTn id="17" dur="500"/>
-                                        <p:tgtEl>
-                                          <p:spTgt spid="3">
-                                            <p:txEl>
-                                              <p:pRg st="2" end="2"/>
-                                            </p:txEl>
-                                          </p:spTgt>
-                                        </p:tgtEl>
-                                      </p:cBhvr>
-                                    </p:animEffect>
-                                  </p:childTnLst>
-                                </p:cTn>
-                              </p:par>
-                            </p:childTnLst>
-                          </p:cTn>
-                        </p:par>
-                      </p:childTnLst>
-                    </p:cTn>
-                  </p:par>
-                  <p:par>
-                    <p:cTn id="18" fill="hold">
-                      <p:stCondLst>
-                        <p:cond delay="indefinite"/>
-                      </p:stCondLst>
-                      <p:childTnLst>
-                        <p:par>
-                          <p:cTn id="19" fill="hold">
-                            <p:stCondLst>
-                              <p:cond delay="0"/>
-                            </p:stCondLst>
-                            <p:childTnLst>
-                              <p:par>
-                                <p:cTn id="20" presetID="9" presetClass="entr" presetSubtype="0" fill="hold" grpId="0" nodeType="clickEffect">
-                                  <p:stCondLst>
-                                    <p:cond delay="0"/>
-                                  </p:stCondLst>
-                                  <p:childTnLst>
-                                    <p:set>
-                                      <p:cBhvr>
-                                        <p:cTn id="21" dur="1" fill="hold">
-                                          <p:stCondLst>
-                                            <p:cond delay="0"/>
-                                          </p:stCondLst>
-                                        </p:cTn>
-                                        <p:tgtEl>
-                                          <p:spTgt spid="3">
-                                            <p:txEl>
-                                              <p:pRg st="3" end="3"/>
-                                            </p:txEl>
-                                          </p:spTgt>
-                                        </p:tgtEl>
-                                        <p:attrNameLst>
-                                          <p:attrName>style.visibility</p:attrName>
-                                        </p:attrNameLst>
-                                      </p:cBhvr>
-                                      <p:to>
-                                        <p:strVal val="visible"/>
-                                      </p:to>
-                                    </p:set>
-                                    <p:animEffect transition="in" filter="dissolve">
-                                      <p:cBhvr>
-                                        <p:cTn id="22" dur="500"/>
                                         <p:tgtEl>
                                           <p:spTgt spid="3">
                                             <p:txEl>
@@ -3859,7 +6701,7 @@
 </p:sld>
 </file>
 
-<file path=ppt/slides/slide4.xml><?xml version="1.0" encoding="utf-8"?>
+<file path=ppt/slides/slide15.xml><?xml version="1.0" encoding="utf-8"?>
 <p:sld xmlns:a="http://schemas.openxmlformats.org/drawingml/2006/main" xmlns:r="http://schemas.openxmlformats.org/officeDocument/2006/relationships" xmlns:p="http://schemas.openxmlformats.org/presentationml/2006/main">
   <p:cSld>
     <p:spTree>
@@ -4031,17 +6873,21 @@
               <a:defRPr/>
             </a:pPr>
             <a:r>
-              <a:rPr lang="en-US" smtClean="0"/>
-              <a:t>Lec 14M.</a:t>
+              <a:rPr lang="en-US" dirty="0" err="1" smtClean="0"/>
+              <a:t>infexp</a:t>
+            </a:r>
+            <a:r>
+              <a:rPr lang="en-US" dirty="0" smtClean="0"/>
+              <a:t>.</a:t>
             </a:r>
             <a:fld id="{E877D3CB-F960-BD47-98A7-06971C504846}" type="slidenum">
               <a:rPr lang="en-US" smtClean="0"/>
               <a:pPr>
                 <a:defRPr/>
               </a:pPr>
-              <a:t>4</a:t>
+              <a:t>15</a:t>
             </a:fld>
-            <a:endParaRPr lang="en-US" smtClean="0"/>
+            <a:endParaRPr lang="en-US" dirty="0" smtClean="0"/>
           </a:p>
           <a:p>
             <a:pPr>
@@ -4099,12 +6945,12 @@
           <a:graphicData uri="http://schemas.openxmlformats.org/presentationml/2006/ole">
             <mc:AlternateContent xmlns:mc="http://schemas.openxmlformats.org/markup-compatibility/2006">
               <mc:Choice xmlns:v="urn:schemas-microsoft-com:vml" Requires="v">
-                <p:oleObj spid="_x0000_s247823" name="Equation" r:id="rId3" imgW="762000" imgH="406400" progId="Equation.DSMT4">
+                <p:oleObj spid="_x0000_s247837" name="Equation" r:id="rId4" imgW="762000" imgH="406400" progId="Equation.DSMT4">
                   <p:embed/>
                 </p:oleObj>
               </mc:Choice>
               <mc:Fallback>
-                <p:oleObj name="Equation" r:id="rId3" imgW="762000" imgH="406400" progId="Equation.DSMT4">
+                <p:oleObj name="Equation" r:id="rId4" imgW="762000" imgH="406400" progId="Equation.DSMT4">
                   <p:embed/>
                   <p:pic>
                     <p:nvPicPr>
@@ -4113,7 +6959,7 @@
                       <p:nvPr/>
                     </p:nvPicPr>
                     <p:blipFill>
-                      <a:blip r:embed="rId4"/>
+                      <a:blip r:embed="rId5"/>
                       <a:stretch>
                         <a:fillRect/>
                       </a:stretch>
@@ -4144,7 +6990,7 @@
   <p:clrMapOvr>
     <a:masterClrMapping/>
   </p:clrMapOvr>
-  <p:transition xmlns:p14="http://schemas.microsoft.com/office/powerpoint/2010/main" spd="slow">
+  <p:transition xmlns:p14="http://schemas.microsoft.com/office/powerpoint/2010/main" spd="slow" advClick="0">
     <p:fade thruBlk="1"/>
   </p:transition>
   <p:timing>
@@ -4183,6 +7029,887 @@
                                         <p:tgtEl>
                                           <p:spTgt spid="3">
                                             <p:txEl>
+                                              <p:pRg st="1" end="1"/>
+                                            </p:txEl>
+                                          </p:spTgt>
+                                        </p:tgtEl>
+                                        <p:attrNameLst>
+                                          <p:attrName>style.visibility</p:attrName>
+                                        </p:attrNameLst>
+                                      </p:cBhvr>
+                                      <p:to>
+                                        <p:strVal val="visible"/>
+                                      </p:to>
+                                    </p:set>
+                                    <p:animEffect transition="in" filter="dissolve">
+                                      <p:cBhvr>
+                                        <p:cTn id="7" dur="500"/>
+                                        <p:tgtEl>
+                                          <p:spTgt spid="3">
+                                            <p:txEl>
+                                              <p:pRg st="1" end="1"/>
+                                            </p:txEl>
+                                          </p:spTgt>
+                                        </p:tgtEl>
+                                      </p:cBhvr>
+                                    </p:animEffect>
+                                  </p:childTnLst>
+                                </p:cTn>
+                              </p:par>
+                            </p:childTnLst>
+                          </p:cTn>
+                        </p:par>
+                      </p:childTnLst>
+                    </p:cTn>
+                  </p:par>
+                  <p:par>
+                    <p:cTn id="8" fill="hold">
+                      <p:stCondLst>
+                        <p:cond delay="indefinite"/>
+                      </p:stCondLst>
+                      <p:childTnLst>
+                        <p:par>
+                          <p:cTn id="9" fill="hold">
+                            <p:stCondLst>
+                              <p:cond delay="0"/>
+                            </p:stCondLst>
+                            <p:childTnLst>
+                              <p:par>
+                                <p:cTn id="10" presetID="22" presetClass="entr" presetSubtype="8" fill="hold" nodeType="clickEffect">
+                                  <p:stCondLst>
+                                    <p:cond delay="0"/>
+                                  </p:stCondLst>
+                                  <p:childTnLst>
+                                    <p:set>
+                                      <p:cBhvr>
+                                        <p:cTn id="11" dur="1" fill="hold">
+                                          <p:stCondLst>
+                                            <p:cond delay="0"/>
+                                          </p:stCondLst>
+                                        </p:cTn>
+                                        <p:tgtEl>
+                                          <p:spTgt spid="7"/>
+                                        </p:tgtEl>
+                                        <p:attrNameLst>
+                                          <p:attrName>style.visibility</p:attrName>
+                                        </p:attrNameLst>
+                                      </p:cBhvr>
+                                      <p:to>
+                                        <p:strVal val="visible"/>
+                                      </p:to>
+                                    </p:set>
+                                    <p:animEffect transition="in" filter="wipe(left)">
+                                      <p:cBhvr>
+                                        <p:cTn id="12" dur="1000"/>
+                                        <p:tgtEl>
+                                          <p:spTgt spid="7"/>
+                                        </p:tgtEl>
+                                      </p:cBhvr>
+                                    </p:animEffect>
+                                  </p:childTnLst>
+                                </p:cTn>
+                              </p:par>
+                            </p:childTnLst>
+                          </p:cTn>
+                        </p:par>
+                      </p:childTnLst>
+                    </p:cTn>
+                  </p:par>
+                </p:childTnLst>
+              </p:cTn>
+              <p:prevCondLst>
+                <p:cond evt="onPrev" delay="0">
+                  <p:tgtEl>
+                    <p:sldTgt/>
+                  </p:tgtEl>
+                </p:cond>
+              </p:prevCondLst>
+              <p:nextCondLst>
+                <p:cond evt="onNext" delay="0">
+                  <p:tgtEl>
+                    <p:sldTgt/>
+                  </p:tgtEl>
+                </p:cond>
+              </p:nextCondLst>
+            </p:seq>
+          </p:childTnLst>
+        </p:cTn>
+      </p:par>
+    </p:tnLst>
+    <p:bldLst>
+      <p:bldP spid="3" grpId="0" uiExpand="1" build="p"/>
+    </p:bldLst>
+  </p:timing>
+</p:sld>
+</file>
+
+<file path=ppt/slides/slide16.xml><?xml version="1.0" encoding="utf-8"?>
+<p:sld xmlns:a="http://schemas.openxmlformats.org/drawingml/2006/main" xmlns:r="http://schemas.openxmlformats.org/officeDocument/2006/relationships" xmlns:p="http://schemas.openxmlformats.org/presentationml/2006/main">
+  <p:cSld>
+    <p:spTree>
+      <p:nvGrpSpPr>
+        <p:cNvPr id="1" name=""/>
+        <p:cNvGrpSpPr/>
+        <p:nvPr/>
+      </p:nvGrpSpPr>
+      <p:grpSpPr>
+        <a:xfrm>
+          <a:off x="0" y="0"/>
+          <a:ext cx="0" cy="0"/>
+          <a:chOff x="0" y="0"/>
+          <a:chExt cx="0" cy="0"/>
+        </a:xfrm>
+      </p:grpSpPr>
+      <p:sp>
+        <p:nvSpPr>
+          <p:cNvPr id="2" name="Title 1"/>
+          <p:cNvSpPr>
+            <a:spLocks noGrp="1"/>
+          </p:cNvSpPr>
+          <p:nvPr>
+            <p:ph type="title"/>
+          </p:nvPr>
+        </p:nvSpPr>
+        <p:spPr>
+          <a:xfrm>
+            <a:off x="1143000" y="304800"/>
+            <a:ext cx="6858000" cy="1143000"/>
+          </a:xfrm>
+        </p:spPr>
+        <p:txBody>
+          <a:bodyPr/>
+          <a:lstStyle/>
+          <a:p>
+            <a:r>
+              <a:rPr lang="en-US" dirty="0" smtClean="0"/>
+              <a:t>Coping with </a:t>
+            </a:r>
+            <a:r>
+              <a:rPr lang="en-US" dirty="0" smtClean="0">
+                <a:solidFill>
+                  <a:srgbClr val="0000FF"/>
+                </a:solidFill>
+                <a:latin typeface="Euclid Symbol" charset="2"/>
+                <a:cs typeface="Euclid Symbol" charset="2"/>
+              </a:rPr>
+              <a:t>∞ </a:t>
+            </a:r>
+            <a:r>
+              <a:rPr lang="en-US" dirty="0" smtClean="0"/>
+              <a:t>Expectation</a:t>
+            </a:r>
+            <a:endParaRPr lang="en-US" dirty="0"/>
+          </a:p>
+        </p:txBody>
+      </p:sp>
+      <p:sp>
+        <p:nvSpPr>
+          <p:cNvPr id="3" name="Content Placeholder 2"/>
+          <p:cNvSpPr>
+            <a:spLocks noGrp="1"/>
+          </p:cNvSpPr>
+          <p:nvPr>
+            <p:ph idx="1"/>
+          </p:nvPr>
+        </p:nvSpPr>
+        <p:spPr>
+          <a:xfrm>
+            <a:off x="152400" y="1371600"/>
+            <a:ext cx="8763000" cy="3657600"/>
+          </a:xfrm>
+        </p:spPr>
+        <p:txBody>
+          <a:bodyPr/>
+          <a:lstStyle/>
+          <a:p>
+            <a:pPr marL="0" indent="0">
+              <a:buNone/>
+            </a:pPr>
+            <a:r>
+              <a:rPr lang="en-US" sz="4800" dirty="0" smtClean="0"/>
+              <a:t>Average of repeated trials does not converge.  (No Weak Law.)</a:t>
+            </a:r>
+          </a:p>
+          <a:p>
+            <a:pPr marL="0" indent="0">
+              <a:buNone/>
+            </a:pPr>
+            <a:r>
+              <a:rPr lang="en-US" sz="4800" dirty="0" smtClean="0"/>
+              <a:t>But even if </a:t>
+            </a:r>
+            <a:r>
+              <a:rPr lang="en-US" sz="4800" dirty="0">
+                <a:solidFill>
+                  <a:srgbClr val="0000FF"/>
+                </a:solidFill>
+              </a:rPr>
+              <a:t>E[R] </a:t>
+            </a:r>
+            <a:r>
+              <a:rPr lang="en-US" sz="4800" b="1" dirty="0" smtClean="0">
+                <a:solidFill>
+                  <a:srgbClr val="0000FF"/>
+                </a:solidFill>
+                <a:latin typeface="Euclid Symbol" charset="2"/>
+                <a:cs typeface="Euclid Symbol" charset="2"/>
+              </a:rPr>
+              <a:t>=</a:t>
+            </a:r>
+            <a:r>
+              <a:rPr lang="en-US" sz="4800" dirty="0" smtClean="0">
+                <a:solidFill>
+                  <a:srgbClr val="0000FF"/>
+                </a:solidFill>
+              </a:rPr>
+              <a:t> </a:t>
+            </a:r>
+            <a:r>
+              <a:rPr lang="en-US" sz="4800" b="1" dirty="0" smtClean="0">
+                <a:solidFill>
+                  <a:srgbClr val="0000FF"/>
+                </a:solidFill>
+                <a:latin typeface="Euclid Symbol" charset="2"/>
+                <a:cs typeface="Euclid Symbol" charset="2"/>
+              </a:rPr>
+              <a:t>∞</a:t>
+            </a:r>
+            <a:r>
+              <a:rPr lang="en-US" sz="4800" dirty="0" smtClean="0">
+                <a:latin typeface="Comic Sans MS"/>
+                <a:cs typeface="Comic Sans MS"/>
+              </a:rPr>
+              <a:t>,  maybe</a:t>
+            </a:r>
+            <a:r>
+              <a:rPr lang="en-US" sz="4800" dirty="0" smtClean="0">
+                <a:solidFill>
+                  <a:srgbClr val="0000FF"/>
+                </a:solidFill>
+              </a:rPr>
+              <a:t> </a:t>
+            </a:r>
+            <a:endParaRPr lang="en-US" sz="4800" dirty="0" smtClean="0">
+              <a:latin typeface="Comic Sans MS"/>
+              <a:cs typeface="Comic Sans MS"/>
+            </a:endParaRPr>
+          </a:p>
+        </p:txBody>
+      </p:sp>
+      <p:sp>
+        <p:nvSpPr>
+          <p:cNvPr id="4" name="Slide Number Placeholder 3"/>
+          <p:cNvSpPr>
+            <a:spLocks noGrp="1"/>
+          </p:cNvSpPr>
+          <p:nvPr>
+            <p:ph type="sldNum" sz="quarter" idx="12"/>
+          </p:nvPr>
+        </p:nvSpPr>
+        <p:spPr/>
+        <p:txBody>
+          <a:bodyPr/>
+          <a:lstStyle/>
+          <a:p>
+            <a:pPr>
+              <a:defRPr/>
+            </a:pPr>
+            <a:r>
+              <a:rPr lang="en-US" dirty="0" err="1" smtClean="0"/>
+              <a:t>infexp</a:t>
+            </a:r>
+            <a:r>
+              <a:rPr lang="en-US" dirty="0" smtClean="0"/>
+              <a:t>.</a:t>
+            </a:r>
+            <a:fld id="{E877D3CB-F960-BD47-98A7-06971C504846}" type="slidenum">
+              <a:rPr lang="en-US" smtClean="0"/>
+              <a:pPr>
+                <a:defRPr/>
+              </a:pPr>
+              <a:t>16</a:t>
+            </a:fld>
+            <a:endParaRPr lang="en-US" dirty="0" smtClean="0"/>
+          </a:p>
+          <a:p>
+            <a:pPr>
+              <a:defRPr/>
+            </a:pPr>
+            <a:endParaRPr lang="en-US" dirty="0"/>
+          </a:p>
+        </p:txBody>
+      </p:sp>
+      <p:sp>
+        <p:nvSpPr>
+          <p:cNvPr id="5" name="Date Placeholder 4"/>
+          <p:cNvSpPr>
+            <a:spLocks noGrp="1"/>
+          </p:cNvSpPr>
+          <p:nvPr>
+            <p:ph type="dt" sz="half" idx="2"/>
+          </p:nvPr>
+        </p:nvSpPr>
+        <p:spPr/>
+        <p:txBody>
+          <a:bodyPr/>
+          <a:lstStyle/>
+          <a:p>
+            <a:pPr>
+              <a:defRPr/>
+            </a:pPr>
+            <a:r>
+              <a:rPr lang="en-US" smtClean="0"/>
+              <a:t>Albert R Meyer,                        May 14, 2012</a:t>
+            </a:r>
+            <a:endParaRPr lang="en-US" dirty="0"/>
+          </a:p>
+        </p:txBody>
+      </p:sp>
+      <p:graphicFrame>
+        <p:nvGraphicFramePr>
+          <p:cNvPr id="8" name="Object 7"/>
+          <p:cNvGraphicFramePr>
+            <a:graphicFrameLocks noChangeAspect="1"/>
+          </p:cNvGraphicFramePr>
+          <p:nvPr>
+            <p:extLst>
+              <p:ext uri="{D42A27DB-BD31-4B8C-83A1-F6EECF244321}">
+                <p14:modId xmlns:p14="http://schemas.microsoft.com/office/powerpoint/2010/main" val="2926506919"/>
+              </p:ext>
+            </p:extLst>
+          </p:nvPr>
+        </p:nvGraphicFramePr>
+        <p:xfrm>
+          <a:off x="2894012" y="5033962"/>
+          <a:ext cx="3887788" cy="985838"/>
+        </p:xfrm>
+        <a:graphic>
+          <a:graphicData uri="http://schemas.openxmlformats.org/presentationml/2006/ole">
+            <mc:AlternateContent xmlns:mc="http://schemas.openxmlformats.org/markup-compatibility/2006">
+              <mc:Choice xmlns:v="urn:schemas-microsoft-com:vml" Requires="v">
+                <p:oleObj spid="_x0000_s250909" name="Equation" r:id="rId4" imgW="901700" imgH="228600" progId="Equation.DSMT4">
+                  <p:embed/>
+                </p:oleObj>
+              </mc:Choice>
+              <mc:Fallback>
+                <p:oleObj name="Equation" r:id="rId4" imgW="901700" imgH="228600" progId="Equation.DSMT4">
+                  <p:embed/>
+                  <p:pic>
+                    <p:nvPicPr>
+                      <p:cNvPr id="0" name=""/>
+                      <p:cNvPicPr/>
+                      <p:nvPr/>
+                    </p:nvPicPr>
+                    <p:blipFill>
+                      <a:blip r:embed="rId5"/>
+                      <a:stretch>
+                        <a:fillRect/>
+                      </a:stretch>
+                    </p:blipFill>
+                    <p:spPr>
+                      <a:xfrm>
+                        <a:off x="2894012" y="5033962"/>
+                        <a:ext cx="3887788" cy="985838"/>
+                      </a:xfrm>
+                      <a:prstGeom prst="rect">
+                        <a:avLst/>
+                      </a:prstGeom>
+                    </p:spPr>
+                  </p:pic>
+                </p:oleObj>
+              </mc:Fallback>
+            </mc:AlternateContent>
+          </a:graphicData>
+        </a:graphic>
+      </p:graphicFrame>
+    </p:spTree>
+    <p:extLst>
+      <p:ext uri="{BB962C8B-B14F-4D97-AF65-F5344CB8AC3E}">
+        <p14:creationId xmlns:p14="http://schemas.microsoft.com/office/powerpoint/2010/main" val="2649955908"/>
+      </p:ext>
+    </p:extLst>
+  </p:cSld>
+  <p:clrMapOvr>
+    <a:masterClrMapping/>
+  </p:clrMapOvr>
+  <p:transition xmlns:p14="http://schemas.microsoft.com/office/powerpoint/2010/main" spd="slow" advClick="0">
+    <p:fade/>
+  </p:transition>
+  <p:timing>
+    <p:tnLst>
+      <p:par>
+        <p:cTn xmlns:p14="http://schemas.microsoft.com/office/powerpoint/2010/main" id="1" dur="indefinite" restart="never" nodeType="tmRoot"/>
+      </p:par>
+    </p:tnLst>
+  </p:timing>
+</p:sld>
+</file>
+
+<file path=ppt/slides/slide17.xml><?xml version="1.0" encoding="utf-8"?>
+<p:sld xmlns:a="http://schemas.openxmlformats.org/drawingml/2006/main" xmlns:r="http://schemas.openxmlformats.org/officeDocument/2006/relationships" xmlns:p="http://schemas.openxmlformats.org/presentationml/2006/main">
+  <p:cSld>
+    <p:spTree>
+      <p:nvGrpSpPr>
+        <p:cNvPr id="1" name=""/>
+        <p:cNvGrpSpPr/>
+        <p:nvPr/>
+      </p:nvGrpSpPr>
+      <p:grpSpPr>
+        <a:xfrm>
+          <a:off x="0" y="0"/>
+          <a:ext cx="0" cy="0"/>
+          <a:chOff x="0" y="0"/>
+          <a:chExt cx="0" cy="0"/>
+        </a:xfrm>
+      </p:grpSpPr>
+      <p:sp>
+        <p:nvSpPr>
+          <p:cNvPr id="2" name="Title 1"/>
+          <p:cNvSpPr>
+            <a:spLocks noGrp="1"/>
+          </p:cNvSpPr>
+          <p:nvPr>
+            <p:ph type="title"/>
+          </p:nvPr>
+        </p:nvSpPr>
+        <p:spPr>
+          <a:xfrm>
+            <a:off x="1143000" y="304800"/>
+            <a:ext cx="6858000" cy="1143000"/>
+          </a:xfrm>
+        </p:spPr>
+        <p:txBody>
+          <a:bodyPr/>
+          <a:lstStyle/>
+          <a:p>
+            <a:r>
+              <a:rPr lang="en-US" dirty="0" smtClean="0"/>
+              <a:t>Coping with </a:t>
+            </a:r>
+            <a:r>
+              <a:rPr lang="en-US" dirty="0" smtClean="0">
+                <a:solidFill>
+                  <a:srgbClr val="0000FF"/>
+                </a:solidFill>
+                <a:latin typeface="Euclid Symbol" charset="2"/>
+                <a:cs typeface="Euclid Symbol" charset="2"/>
+              </a:rPr>
+              <a:t>∞ </a:t>
+            </a:r>
+            <a:r>
+              <a:rPr lang="en-US" dirty="0" smtClean="0"/>
+              <a:t>Expectation</a:t>
+            </a:r>
+            <a:endParaRPr lang="en-US" dirty="0"/>
+          </a:p>
+        </p:txBody>
+      </p:sp>
+      <p:sp>
+        <p:nvSpPr>
+          <p:cNvPr id="3" name="Content Placeholder 2"/>
+          <p:cNvSpPr>
+            <a:spLocks noGrp="1"/>
+          </p:cNvSpPr>
+          <p:nvPr>
+            <p:ph idx="1"/>
+          </p:nvPr>
+        </p:nvSpPr>
+        <p:spPr>
+          <a:xfrm>
+            <a:off x="152400" y="1371600"/>
+            <a:ext cx="8839200" cy="4191000"/>
+          </a:xfrm>
+        </p:spPr>
+        <p:txBody>
+          <a:bodyPr/>
+          <a:lstStyle/>
+          <a:p>
+            <a:pPr marL="0" indent="0">
+              <a:buNone/>
+            </a:pPr>
+            <a:r>
+              <a:rPr lang="en-US" sz="4800" dirty="0" smtClean="0"/>
+              <a:t>Average of repeated trials does not converge.  (No Weak Law.)</a:t>
+            </a:r>
+          </a:p>
+          <a:p>
+            <a:pPr marL="0" indent="0">
+              <a:buNone/>
+            </a:pPr>
+            <a:r>
+              <a:rPr lang="en-US" sz="4800" dirty="0" smtClean="0"/>
+              <a:t>But even if </a:t>
+            </a:r>
+            <a:r>
+              <a:rPr lang="en-US" sz="4800" dirty="0">
+                <a:solidFill>
+                  <a:srgbClr val="0000FF"/>
+                </a:solidFill>
+              </a:rPr>
+              <a:t>E[R] </a:t>
+            </a:r>
+            <a:r>
+              <a:rPr lang="en-US" sz="4800" b="1" dirty="0" smtClean="0">
+                <a:solidFill>
+                  <a:srgbClr val="0000FF"/>
+                </a:solidFill>
+                <a:latin typeface="Euclid Symbol" charset="2"/>
+                <a:cs typeface="Euclid Symbol" charset="2"/>
+              </a:rPr>
+              <a:t>=</a:t>
+            </a:r>
+            <a:r>
+              <a:rPr lang="en-US" sz="4800" dirty="0" smtClean="0">
+                <a:solidFill>
+                  <a:srgbClr val="0000FF"/>
+                </a:solidFill>
+              </a:rPr>
+              <a:t> </a:t>
+            </a:r>
+            <a:r>
+              <a:rPr lang="en-US" sz="4800" b="1" dirty="0" smtClean="0">
+                <a:solidFill>
+                  <a:srgbClr val="0000FF"/>
+                </a:solidFill>
+                <a:latin typeface="Euclid Symbol" charset="2"/>
+                <a:cs typeface="Euclid Symbol" charset="2"/>
+              </a:rPr>
+              <a:t>∞</a:t>
+            </a:r>
+            <a:r>
+              <a:rPr lang="en-US" sz="4800" dirty="0" smtClean="0">
+                <a:latin typeface="Comic Sans MS"/>
+                <a:cs typeface="Comic Sans MS"/>
+              </a:rPr>
+              <a:t>,  </a:t>
+            </a:r>
+          </a:p>
+          <a:p>
+            <a:pPr marL="0" indent="0">
+              <a:buNone/>
+            </a:pPr>
+            <a:r>
+              <a:rPr lang="en-US" sz="4800" dirty="0" smtClean="0"/>
+              <a:t>analyze </a:t>
+            </a:r>
+            <a:r>
+              <a:rPr lang="en-US" sz="4800" dirty="0"/>
+              <a:t>rate of </a:t>
+            </a:r>
+            <a:r>
+              <a:rPr lang="en-US" sz="4800" dirty="0" smtClean="0"/>
+              <a:t>divergence.</a:t>
+            </a:r>
+            <a:endParaRPr lang="en-US" sz="4800" dirty="0" smtClean="0">
+              <a:latin typeface="Comic Sans MS"/>
+              <a:cs typeface="Comic Sans MS"/>
+            </a:endParaRPr>
+          </a:p>
+        </p:txBody>
+      </p:sp>
+      <p:sp>
+        <p:nvSpPr>
+          <p:cNvPr id="4" name="Slide Number Placeholder 3"/>
+          <p:cNvSpPr>
+            <a:spLocks noGrp="1"/>
+          </p:cNvSpPr>
+          <p:nvPr>
+            <p:ph type="sldNum" sz="quarter" idx="12"/>
+          </p:nvPr>
+        </p:nvSpPr>
+        <p:spPr/>
+        <p:txBody>
+          <a:bodyPr/>
+          <a:lstStyle/>
+          <a:p>
+            <a:pPr>
+              <a:defRPr/>
+            </a:pPr>
+            <a:r>
+              <a:rPr lang="en-US" dirty="0" err="1" smtClean="0"/>
+              <a:t>infexp</a:t>
+            </a:r>
+            <a:r>
+              <a:rPr lang="en-US" dirty="0" smtClean="0"/>
+              <a:t>.</a:t>
+            </a:r>
+            <a:fld id="{E877D3CB-F960-BD47-98A7-06971C504846}" type="slidenum">
+              <a:rPr lang="en-US" smtClean="0"/>
+              <a:pPr>
+                <a:defRPr/>
+              </a:pPr>
+              <a:t>17</a:t>
+            </a:fld>
+            <a:endParaRPr lang="en-US" dirty="0" smtClean="0"/>
+          </a:p>
+          <a:p>
+            <a:pPr>
+              <a:defRPr/>
+            </a:pPr>
+            <a:endParaRPr lang="en-US" dirty="0"/>
+          </a:p>
+        </p:txBody>
+      </p:sp>
+      <p:sp>
+        <p:nvSpPr>
+          <p:cNvPr id="5" name="Date Placeholder 4"/>
+          <p:cNvSpPr>
+            <a:spLocks noGrp="1"/>
+          </p:cNvSpPr>
+          <p:nvPr>
+            <p:ph type="dt" sz="half" idx="2"/>
+          </p:nvPr>
+        </p:nvSpPr>
+        <p:spPr/>
+        <p:txBody>
+          <a:bodyPr/>
+          <a:lstStyle/>
+          <a:p>
+            <a:pPr>
+              <a:defRPr/>
+            </a:pPr>
+            <a:r>
+              <a:rPr lang="en-US" smtClean="0"/>
+              <a:t>Albert R Meyer,                        May 14, 2012</a:t>
+            </a:r>
+            <a:endParaRPr lang="en-US" dirty="0"/>
+          </a:p>
+        </p:txBody>
+      </p:sp>
+    </p:spTree>
+    <p:extLst>
+      <p:ext uri="{BB962C8B-B14F-4D97-AF65-F5344CB8AC3E}">
+        <p14:creationId xmlns:p14="http://schemas.microsoft.com/office/powerpoint/2010/main" val="2266188833"/>
+      </p:ext>
+    </p:extLst>
+  </p:cSld>
+  <p:clrMapOvr>
+    <a:masterClrMapping/>
+  </p:clrMapOvr>
+  <p:transition xmlns:p14="http://schemas.microsoft.com/office/powerpoint/2010/main" spd="slow" advClick="0">
+    <p:fade/>
+  </p:transition>
+  <p:timing>
+    <p:tnLst>
+      <p:par>
+        <p:cTn xmlns:p14="http://schemas.microsoft.com/office/powerpoint/2010/main" id="1" dur="indefinite" restart="never" nodeType="tmRoot"/>
+      </p:par>
+    </p:tnLst>
+  </p:timing>
+</p:sld>
+</file>
+
+<file path=ppt/slides/slide18.xml><?xml version="1.0" encoding="utf-8"?>
+<p:sld xmlns:a="http://schemas.openxmlformats.org/drawingml/2006/main" xmlns:r="http://schemas.openxmlformats.org/officeDocument/2006/relationships" xmlns:p="http://schemas.openxmlformats.org/presentationml/2006/main">
+  <p:cSld>
+    <p:spTree>
+      <p:nvGrpSpPr>
+        <p:cNvPr id="1" name=""/>
+        <p:cNvGrpSpPr/>
+        <p:nvPr/>
+      </p:nvGrpSpPr>
+      <p:grpSpPr>
+        <a:xfrm>
+          <a:off x="0" y="0"/>
+          <a:ext cx="0" cy="0"/>
+          <a:chOff x="0" y="0"/>
+          <a:chExt cx="0" cy="0"/>
+        </a:xfrm>
+      </p:grpSpPr>
+      <p:sp>
+        <p:nvSpPr>
+          <p:cNvPr id="2" name="Title 1"/>
+          <p:cNvSpPr>
+            <a:spLocks noGrp="1"/>
+          </p:cNvSpPr>
+          <p:nvPr>
+            <p:ph type="title"/>
+          </p:nvPr>
+        </p:nvSpPr>
+        <p:spPr>
+          <a:xfrm>
+            <a:off x="1066800" y="304800"/>
+            <a:ext cx="7472362" cy="1143000"/>
+          </a:xfrm>
+        </p:spPr>
+        <p:txBody>
+          <a:bodyPr/>
+          <a:lstStyle/>
+          <a:p>
+            <a:r>
+              <a:rPr lang="en-US" dirty="0" smtClean="0"/>
+              <a:t>Moral of the Story</a:t>
+            </a:r>
+            <a:endParaRPr lang="en-US" dirty="0"/>
+          </a:p>
+        </p:txBody>
+      </p:sp>
+      <p:sp>
+        <p:nvSpPr>
+          <p:cNvPr id="3" name="Content Placeholder 2"/>
+          <p:cNvSpPr>
+            <a:spLocks noGrp="1"/>
+          </p:cNvSpPr>
+          <p:nvPr>
+            <p:ph idx="1"/>
+          </p:nvPr>
+        </p:nvSpPr>
+        <p:spPr>
+          <a:xfrm>
+            <a:off x="838200" y="1524000"/>
+            <a:ext cx="7391400" cy="3810000"/>
+          </a:xfrm>
+        </p:spPr>
+        <p:txBody>
+          <a:bodyPr/>
+          <a:lstStyle/>
+          <a:p>
+            <a:pPr marL="0" indent="0">
+              <a:buNone/>
+            </a:pPr>
+            <a:r>
+              <a:rPr lang="en-US" sz="5400" dirty="0" smtClean="0"/>
+              <a:t>Infinite expectation comes up regularly in extreme situations,</a:t>
+            </a:r>
+          </a:p>
+          <a:p>
+            <a:pPr marL="0" indent="0">
+              <a:buNone/>
+            </a:pPr>
+            <a:r>
+              <a:rPr lang="en-US" sz="5400" dirty="0"/>
+              <a:t>b</a:t>
+            </a:r>
+            <a:r>
+              <a:rPr lang="en-US" sz="5400" dirty="0" smtClean="0"/>
+              <a:t>ut </a:t>
+            </a:r>
+            <a:r>
+              <a:rPr lang="en-US" sz="5400" dirty="0" smtClean="0"/>
+              <a:t>can be coped with</a:t>
+            </a:r>
+            <a:endParaRPr lang="en-US" sz="5400" dirty="0"/>
+          </a:p>
+        </p:txBody>
+      </p:sp>
+      <p:sp>
+        <p:nvSpPr>
+          <p:cNvPr id="4" name="Slide Number Placeholder 3"/>
+          <p:cNvSpPr>
+            <a:spLocks noGrp="1"/>
+          </p:cNvSpPr>
+          <p:nvPr>
+            <p:ph type="sldNum" sz="quarter" idx="12"/>
+          </p:nvPr>
+        </p:nvSpPr>
+        <p:spPr/>
+        <p:txBody>
+          <a:bodyPr/>
+          <a:lstStyle/>
+          <a:p>
+            <a:pPr>
+              <a:defRPr/>
+            </a:pPr>
+            <a:r>
+              <a:rPr lang="en-US" dirty="0" err="1" smtClean="0"/>
+              <a:t>infexp</a:t>
+            </a:r>
+            <a:r>
+              <a:rPr lang="en-US" dirty="0" smtClean="0"/>
+              <a:t>.</a:t>
+            </a:r>
+            <a:fld id="{E877D3CB-F960-BD47-98A7-06971C504846}" type="slidenum">
+              <a:rPr lang="en-US" smtClean="0"/>
+              <a:pPr>
+                <a:defRPr/>
+              </a:pPr>
+              <a:t>18</a:t>
+            </a:fld>
+            <a:endParaRPr lang="en-US" dirty="0" smtClean="0"/>
+          </a:p>
+          <a:p>
+            <a:pPr>
+              <a:defRPr/>
+            </a:pPr>
+            <a:endParaRPr lang="en-US" dirty="0"/>
+          </a:p>
+        </p:txBody>
+      </p:sp>
+      <p:sp>
+        <p:nvSpPr>
+          <p:cNvPr id="5" name="Date Placeholder 4"/>
+          <p:cNvSpPr>
+            <a:spLocks noGrp="1"/>
+          </p:cNvSpPr>
+          <p:nvPr>
+            <p:ph type="dt" sz="half" idx="2"/>
+          </p:nvPr>
+        </p:nvSpPr>
+        <p:spPr/>
+        <p:txBody>
+          <a:bodyPr/>
+          <a:lstStyle/>
+          <a:p>
+            <a:pPr>
+              <a:defRPr/>
+            </a:pPr>
+            <a:r>
+              <a:rPr lang="en-US" smtClean="0"/>
+              <a:t>Albert R Meyer,                        May 14, 2012</a:t>
+            </a:r>
+            <a:endParaRPr lang="en-US" dirty="0"/>
+          </a:p>
+        </p:txBody>
+      </p:sp>
+    </p:spTree>
+    <p:extLst>
+      <p:ext uri="{BB962C8B-B14F-4D97-AF65-F5344CB8AC3E}">
+        <p14:creationId xmlns:p14="http://schemas.microsoft.com/office/powerpoint/2010/main" val="1659414089"/>
+      </p:ext>
+    </p:extLst>
+  </p:cSld>
+  <p:clrMapOvr>
+    <a:masterClrMapping/>
+  </p:clrMapOvr>
+  <p:transition xmlns:p14="http://schemas.microsoft.com/office/powerpoint/2010/main" spd="slow" advClick="0">
+    <p:fade/>
+  </p:transition>
+  <p:timing>
+    <p:tnLst>
+      <p:par>
+        <p:cTn xmlns:p14="http://schemas.microsoft.com/office/powerpoint/2010/main" id="1" dur="indefinite" restart="never" nodeType="tmRoot">
+          <p:childTnLst>
+            <p:seq concurrent="1" nextAc="seek">
+              <p:cTn id="2" dur="indefinite" nodeType="mainSeq">
+                <p:childTnLst>
+                  <p:par>
+                    <p:cTn id="3" fill="hold">
+                      <p:stCondLst>
+                        <p:cond delay="indefinite"/>
+                      </p:stCondLst>
+                      <p:childTnLst>
+                        <p:par>
+                          <p:cTn id="4" fill="hold">
+                            <p:stCondLst>
+                              <p:cond delay="0"/>
+                            </p:stCondLst>
+                            <p:childTnLst>
+                              <p:par>
+                                <p:cTn id="5" presetID="10" presetClass="entr" presetSubtype="0" fill="hold" grpId="0" nodeType="clickEffect">
+                                  <p:stCondLst>
+                                    <p:cond delay="0"/>
+                                  </p:stCondLst>
+                                  <p:childTnLst>
+                                    <p:set>
+                                      <p:cBhvr>
+                                        <p:cTn id="6" dur="1" fill="hold">
+                                          <p:stCondLst>
+                                            <p:cond delay="0"/>
+                                          </p:stCondLst>
+                                        </p:cTn>
+                                        <p:tgtEl>
+                                          <p:spTgt spid="3">
+                                            <p:txEl>
                                               <p:pRg st="0" end="0"/>
                                             </p:txEl>
                                           </p:spTgt>
@@ -4195,7 +7922,7 @@
                                         <p:strVal val="visible"/>
                                       </p:to>
                                     </p:set>
-                                    <p:animEffect transition="in" filter="dissolve">
+                                    <p:animEffect transition="in" filter="fade">
                                       <p:cBhvr>
                                         <p:cTn id="7" dur="500"/>
                                         <p:tgtEl>
@@ -4229,7 +7956,7 @@
                             </p:stCondLst>
                             <p:childTnLst>
                               <p:par>
-                                <p:cTn id="10" presetID="9" presetClass="entr" presetSubtype="0" fill="hold" grpId="0" nodeType="clickEffect">
+                                <p:cTn id="10" presetID="10" presetClass="entr" presetSubtype="0" fill="hold" grpId="0" nodeType="clickEffect">
                                   <p:stCondLst>
                                     <p:cond delay="0"/>
                                   </p:stCondLst>
@@ -4256,13 +7983,1920 @@
                                         <p:strVal val="visible"/>
                                       </p:to>
                                     </p:set>
-                                    <p:animEffect transition="in" filter="dissolve">
+                                    <p:animEffect transition="in" filter="fade">
                                       <p:cBhvr>
                                         <p:cTn id="12" dur="500"/>
                                         <p:tgtEl>
                                           <p:spTgt spid="3">
                                             <p:txEl>
                                               <p:pRg st="1" end="1"/>
+                                            </p:txEl>
+                                          </p:spTgt>
+                                        </p:tgtEl>
+                                      </p:cBhvr>
+                                    </p:animEffect>
+                                  </p:childTnLst>
+                                </p:cTn>
+                              </p:par>
+                            </p:childTnLst>
+                          </p:cTn>
+                        </p:par>
+                      </p:childTnLst>
+                    </p:cTn>
+                  </p:par>
+                </p:childTnLst>
+              </p:cTn>
+              <p:prevCondLst>
+                <p:cond evt="onPrev" delay="0">
+                  <p:tgtEl>
+                    <p:sldTgt/>
+                  </p:tgtEl>
+                </p:cond>
+              </p:prevCondLst>
+              <p:nextCondLst>
+                <p:cond evt="onNext" delay="0">
+                  <p:tgtEl>
+                    <p:sldTgt/>
+                  </p:tgtEl>
+                </p:cond>
+              </p:nextCondLst>
+            </p:seq>
+          </p:childTnLst>
+        </p:cTn>
+      </p:par>
+    </p:tnLst>
+    <p:bldLst>
+      <p:bldP spid="3" grpId="0" build="p"/>
+    </p:bldLst>
+  </p:timing>
+</p:sld>
+</file>
+
+<file path=ppt/slides/slide2.xml><?xml version="1.0" encoding="utf-8"?>
+<p:sld xmlns:a="http://schemas.openxmlformats.org/drawingml/2006/main" xmlns:r="http://schemas.openxmlformats.org/officeDocument/2006/relationships" xmlns:p="http://schemas.openxmlformats.org/presentationml/2006/main">
+  <p:cSld>
+    <p:spTree>
+      <p:nvGrpSpPr>
+        <p:cNvPr id="1" name=""/>
+        <p:cNvGrpSpPr/>
+        <p:nvPr/>
+      </p:nvGrpSpPr>
+      <p:grpSpPr>
+        <a:xfrm>
+          <a:off x="0" y="0"/>
+          <a:ext cx="0" cy="0"/>
+          <a:chOff x="0" y="0"/>
+          <a:chExt cx="0" cy="0"/>
+        </a:xfrm>
+      </p:grpSpPr>
+      <p:sp>
+        <p:nvSpPr>
+          <p:cNvPr id="2" name="Title 1"/>
+          <p:cNvSpPr>
+            <a:spLocks noGrp="1"/>
+          </p:cNvSpPr>
+          <p:nvPr>
+            <p:ph type="title"/>
+          </p:nvPr>
+        </p:nvSpPr>
+        <p:spPr>
+          <a:xfrm>
+            <a:off x="1443038" y="301624"/>
+            <a:ext cx="6329362" cy="1146175"/>
+          </a:xfrm>
+        </p:spPr>
+        <p:txBody>
+          <a:bodyPr/>
+          <a:lstStyle/>
+          <a:p>
+            <a:r>
+              <a:rPr lang="en-US" dirty="0" smtClean="0"/>
+              <a:t>Bet-Doubling Paradox</a:t>
+            </a:r>
+            <a:endParaRPr lang="en-US" dirty="0"/>
+          </a:p>
+        </p:txBody>
+      </p:sp>
+      <p:sp>
+        <p:nvSpPr>
+          <p:cNvPr id="3" name="Content Placeholder 2"/>
+          <p:cNvSpPr>
+            <a:spLocks noGrp="1"/>
+          </p:cNvSpPr>
+          <p:nvPr>
+            <p:ph idx="1"/>
+          </p:nvPr>
+        </p:nvSpPr>
+        <p:spPr>
+          <a:xfrm>
+            <a:off x="685800" y="1447800"/>
+            <a:ext cx="7772400" cy="4267200"/>
+          </a:xfrm>
+        </p:spPr>
+        <p:txBody>
+          <a:bodyPr/>
+          <a:lstStyle/>
+          <a:p>
+            <a:pPr marL="0" indent="0">
+              <a:buNone/>
+            </a:pPr>
+            <a:r>
+              <a:rPr lang="en-US" sz="4400" dirty="0" smtClean="0"/>
+              <a:t>How to beat an unfair roulette game:</a:t>
+            </a:r>
+            <a:endParaRPr lang="en-US" sz="4400" dirty="0"/>
+          </a:p>
+        </p:txBody>
+      </p:sp>
+      <p:sp>
+        <p:nvSpPr>
+          <p:cNvPr id="4" name="Slide Number Placeholder 3"/>
+          <p:cNvSpPr>
+            <a:spLocks noGrp="1"/>
+          </p:cNvSpPr>
+          <p:nvPr>
+            <p:ph type="sldNum" sz="quarter" idx="12"/>
+          </p:nvPr>
+        </p:nvSpPr>
+        <p:spPr/>
+        <p:txBody>
+          <a:bodyPr/>
+          <a:lstStyle/>
+          <a:p>
+            <a:pPr>
+              <a:defRPr/>
+            </a:pPr>
+            <a:r>
+              <a:rPr lang="en-US" dirty="0" err="1" smtClean="0"/>
+              <a:t>infexp</a:t>
+            </a:r>
+            <a:r>
+              <a:rPr lang="en-US" dirty="0" smtClean="0"/>
+              <a:t>.</a:t>
+            </a:r>
+            <a:fld id="{E877D3CB-F960-BD47-98A7-06971C504846}" type="slidenum">
+              <a:rPr lang="en-US" smtClean="0"/>
+              <a:pPr>
+                <a:defRPr/>
+              </a:pPr>
+              <a:t>2</a:t>
+            </a:fld>
+            <a:endParaRPr lang="en-US" dirty="0" smtClean="0"/>
+          </a:p>
+          <a:p>
+            <a:pPr>
+              <a:defRPr/>
+            </a:pPr>
+            <a:endParaRPr lang="en-US" dirty="0"/>
+          </a:p>
+        </p:txBody>
+      </p:sp>
+      <p:sp>
+        <p:nvSpPr>
+          <p:cNvPr id="5" name="Date Placeholder 4"/>
+          <p:cNvSpPr>
+            <a:spLocks noGrp="1"/>
+          </p:cNvSpPr>
+          <p:nvPr>
+            <p:ph type="dt" sz="half" idx="2"/>
+          </p:nvPr>
+        </p:nvSpPr>
+        <p:spPr/>
+        <p:txBody>
+          <a:bodyPr/>
+          <a:lstStyle/>
+          <a:p>
+            <a:pPr>
+              <a:defRPr/>
+            </a:pPr>
+            <a:r>
+              <a:rPr lang="en-US" smtClean="0"/>
+              <a:t>Albert R Meyer,                        May 14, 2012</a:t>
+            </a:r>
+            <a:endParaRPr lang="en-US" dirty="0"/>
+          </a:p>
+        </p:txBody>
+      </p:sp>
+    </p:spTree>
+    <p:extLst>
+      <p:ext uri="{BB962C8B-B14F-4D97-AF65-F5344CB8AC3E}">
+        <p14:creationId xmlns:p14="http://schemas.microsoft.com/office/powerpoint/2010/main" val="3560771165"/>
+      </p:ext>
+    </p:extLst>
+  </p:cSld>
+  <p:clrMapOvr>
+    <a:masterClrMapping/>
+  </p:clrMapOvr>
+  <p:transition xmlns:p14="http://schemas.microsoft.com/office/powerpoint/2010/main" spd="slow" advClick="0">
+    <p:fade thruBlk="1"/>
+  </p:transition>
+  <p:timing>
+    <p:tnLst>
+      <p:par>
+        <p:cTn xmlns:p14="http://schemas.microsoft.com/office/powerpoint/2010/main" id="1" dur="indefinite" restart="never" nodeType="tmRoot">
+          <p:childTnLst>
+            <p:seq concurrent="1" nextAc="seek">
+              <p:cTn id="2" dur="indefinite" nodeType="mainSeq">
+                <p:childTnLst>
+                  <p:par>
+                    <p:cTn id="3" fill="hold">
+                      <p:stCondLst>
+                        <p:cond delay="indefinite"/>
+                      </p:stCondLst>
+                      <p:childTnLst>
+                        <p:par>
+                          <p:cTn id="4" fill="hold">
+                            <p:stCondLst>
+                              <p:cond delay="0"/>
+                            </p:stCondLst>
+                            <p:childTnLst>
+                              <p:par>
+                                <p:cTn id="5" presetID="10" presetClass="entr" presetSubtype="0" fill="hold" grpId="0" nodeType="clickEffect">
+                                  <p:stCondLst>
+                                    <p:cond delay="0"/>
+                                  </p:stCondLst>
+                                  <p:childTnLst>
+                                    <p:set>
+                                      <p:cBhvr>
+                                        <p:cTn id="6" dur="1" fill="hold">
+                                          <p:stCondLst>
+                                            <p:cond delay="0"/>
+                                          </p:stCondLst>
+                                        </p:cTn>
+                                        <p:tgtEl>
+                                          <p:spTgt spid="3">
+                                            <p:txEl>
+                                              <p:pRg st="0" end="0"/>
+                                            </p:txEl>
+                                          </p:spTgt>
+                                        </p:tgtEl>
+                                        <p:attrNameLst>
+                                          <p:attrName>style.visibility</p:attrName>
+                                        </p:attrNameLst>
+                                      </p:cBhvr>
+                                      <p:to>
+                                        <p:strVal val="visible"/>
+                                      </p:to>
+                                    </p:set>
+                                    <p:animEffect transition="in" filter="fade">
+                                      <p:cBhvr>
+                                        <p:cTn id="7" dur="500"/>
+                                        <p:tgtEl>
+                                          <p:spTgt spid="3">
+                                            <p:txEl>
+                                              <p:pRg st="0" end="0"/>
+                                            </p:txEl>
+                                          </p:spTgt>
+                                        </p:tgtEl>
+                                      </p:cBhvr>
+                                    </p:animEffect>
+                                  </p:childTnLst>
+                                </p:cTn>
+                              </p:par>
+                            </p:childTnLst>
+                          </p:cTn>
+                        </p:par>
+                      </p:childTnLst>
+                    </p:cTn>
+                  </p:par>
+                </p:childTnLst>
+              </p:cTn>
+              <p:prevCondLst>
+                <p:cond evt="onPrev" delay="0">
+                  <p:tgtEl>
+                    <p:sldTgt/>
+                  </p:tgtEl>
+                </p:cond>
+              </p:prevCondLst>
+              <p:nextCondLst>
+                <p:cond evt="onNext" delay="0">
+                  <p:tgtEl>
+                    <p:sldTgt/>
+                  </p:tgtEl>
+                </p:cond>
+              </p:nextCondLst>
+            </p:seq>
+          </p:childTnLst>
+        </p:cTn>
+      </p:par>
+    </p:tnLst>
+    <p:bldLst>
+      <p:bldP spid="3" grpId="0" build="p"/>
+    </p:bldLst>
+  </p:timing>
+</p:sld>
+</file>
+
+<file path=ppt/slides/slide3.xml><?xml version="1.0" encoding="utf-8"?>
+<p:sld xmlns:a="http://schemas.openxmlformats.org/drawingml/2006/main" xmlns:r="http://schemas.openxmlformats.org/officeDocument/2006/relationships" xmlns:p="http://schemas.openxmlformats.org/presentationml/2006/main">
+  <p:cSld>
+    <p:spTree>
+      <p:nvGrpSpPr>
+        <p:cNvPr id="1" name=""/>
+        <p:cNvGrpSpPr/>
+        <p:nvPr/>
+      </p:nvGrpSpPr>
+      <p:grpSpPr>
+        <a:xfrm>
+          <a:off x="0" y="0"/>
+          <a:ext cx="0" cy="0"/>
+          <a:chOff x="0" y="0"/>
+          <a:chExt cx="0" cy="0"/>
+        </a:xfrm>
+      </p:grpSpPr>
+      <p:sp>
+        <p:nvSpPr>
+          <p:cNvPr id="2" name="Title 1"/>
+          <p:cNvSpPr>
+            <a:spLocks noGrp="1"/>
+          </p:cNvSpPr>
+          <p:nvPr>
+            <p:ph type="title"/>
+          </p:nvPr>
+        </p:nvSpPr>
+        <p:spPr>
+          <a:xfrm>
+            <a:off x="1443038" y="301624"/>
+            <a:ext cx="6329362" cy="1146175"/>
+          </a:xfrm>
+        </p:spPr>
+        <p:txBody>
+          <a:bodyPr/>
+          <a:lstStyle/>
+          <a:p>
+            <a:r>
+              <a:rPr lang="en-US" dirty="0" smtClean="0"/>
+              <a:t>Bet-Doubling Paradox</a:t>
+            </a:r>
+            <a:endParaRPr lang="en-US" dirty="0"/>
+          </a:p>
+        </p:txBody>
+      </p:sp>
+      <p:sp>
+        <p:nvSpPr>
+          <p:cNvPr id="3" name="Content Placeholder 2"/>
+          <p:cNvSpPr>
+            <a:spLocks noGrp="1"/>
+          </p:cNvSpPr>
+          <p:nvPr>
+            <p:ph idx="1"/>
+          </p:nvPr>
+        </p:nvSpPr>
+        <p:spPr>
+          <a:xfrm>
+            <a:off x="685800" y="1447800"/>
+            <a:ext cx="7772400" cy="4267200"/>
+          </a:xfrm>
+        </p:spPr>
+        <p:txBody>
+          <a:bodyPr/>
+          <a:lstStyle/>
+          <a:p>
+            <a:pPr marL="0" indent="0">
+              <a:buNone/>
+            </a:pPr>
+            <a:r>
+              <a:rPr lang="en-US" sz="4400" dirty="0" smtClean="0"/>
+              <a:t>How to beat an unfair roulette game:  bet</a:t>
+            </a:r>
+            <a:r>
+              <a:rPr lang="en-US" sz="4400" dirty="0" smtClean="0">
+                <a:solidFill>
+                  <a:srgbClr val="0000FF"/>
+                </a:solidFill>
+              </a:rPr>
+              <a:t> $10 </a:t>
+            </a:r>
+            <a:r>
+              <a:rPr lang="en-US" sz="4400" dirty="0" smtClean="0"/>
+              <a:t>on Black.  If you win, go home with the </a:t>
+            </a:r>
+            <a:r>
+              <a:rPr lang="en-US" sz="4400" dirty="0" smtClean="0">
+                <a:solidFill>
+                  <a:srgbClr val="0000FF"/>
+                </a:solidFill>
+              </a:rPr>
+              <a:t>$10</a:t>
+            </a:r>
+            <a:r>
+              <a:rPr lang="en-US" sz="4400" dirty="0" smtClean="0"/>
+              <a:t>.</a:t>
+            </a:r>
+            <a:endParaRPr lang="en-US" sz="4400" dirty="0"/>
+          </a:p>
+        </p:txBody>
+      </p:sp>
+      <p:sp>
+        <p:nvSpPr>
+          <p:cNvPr id="4" name="Slide Number Placeholder 3"/>
+          <p:cNvSpPr>
+            <a:spLocks noGrp="1"/>
+          </p:cNvSpPr>
+          <p:nvPr>
+            <p:ph type="sldNum" sz="quarter" idx="12"/>
+          </p:nvPr>
+        </p:nvSpPr>
+        <p:spPr/>
+        <p:txBody>
+          <a:bodyPr/>
+          <a:lstStyle/>
+          <a:p>
+            <a:pPr>
+              <a:defRPr/>
+            </a:pPr>
+            <a:r>
+              <a:rPr lang="en-US" dirty="0" err="1" smtClean="0"/>
+              <a:t>infexp</a:t>
+            </a:r>
+            <a:r>
+              <a:rPr lang="en-US" dirty="0" smtClean="0"/>
+              <a:t>.</a:t>
+            </a:r>
+            <a:fld id="{E877D3CB-F960-BD47-98A7-06971C504846}" type="slidenum">
+              <a:rPr lang="en-US" smtClean="0"/>
+              <a:pPr>
+                <a:defRPr/>
+              </a:pPr>
+              <a:t>3</a:t>
+            </a:fld>
+            <a:endParaRPr lang="en-US" dirty="0" smtClean="0"/>
+          </a:p>
+          <a:p>
+            <a:pPr>
+              <a:defRPr/>
+            </a:pPr>
+            <a:endParaRPr lang="en-US" dirty="0"/>
+          </a:p>
+        </p:txBody>
+      </p:sp>
+      <p:sp>
+        <p:nvSpPr>
+          <p:cNvPr id="5" name="Date Placeholder 4"/>
+          <p:cNvSpPr>
+            <a:spLocks noGrp="1"/>
+          </p:cNvSpPr>
+          <p:nvPr>
+            <p:ph type="dt" sz="half" idx="2"/>
+          </p:nvPr>
+        </p:nvSpPr>
+        <p:spPr/>
+        <p:txBody>
+          <a:bodyPr/>
+          <a:lstStyle/>
+          <a:p>
+            <a:pPr>
+              <a:defRPr/>
+            </a:pPr>
+            <a:r>
+              <a:rPr lang="en-US" smtClean="0"/>
+              <a:t>Albert R Meyer,                        May 14, 2012</a:t>
+            </a:r>
+            <a:endParaRPr lang="en-US" dirty="0"/>
+          </a:p>
+        </p:txBody>
+      </p:sp>
+    </p:spTree>
+    <p:extLst>
+      <p:ext uri="{BB962C8B-B14F-4D97-AF65-F5344CB8AC3E}">
+        <p14:creationId xmlns:p14="http://schemas.microsoft.com/office/powerpoint/2010/main" val="1787043964"/>
+      </p:ext>
+    </p:extLst>
+  </p:cSld>
+  <p:clrMapOvr>
+    <a:masterClrMapping/>
+  </p:clrMapOvr>
+  <mc:AlternateContent xmlns:mc="http://schemas.openxmlformats.org/markup-compatibility/2006" xmlns:p14="http://schemas.microsoft.com/office/powerpoint/2010/main">
+    <mc:Choice Requires="p14">
+      <p:transition spd="med" p14:dur="600" advClick="0">
+        <p:fade/>
+      </p:transition>
+    </mc:Choice>
+    <mc:Fallback xmlns="">
+      <p:transition xmlns:p14="http://schemas.microsoft.com/office/powerpoint/2010/main" spd="med" advClick="0">
+        <p:fade/>
+      </p:transition>
+    </mc:Fallback>
+  </mc:AlternateContent>
+  <p:timing>
+    <p:tnLst>
+      <p:par>
+        <p:cTn xmlns:p14="http://schemas.microsoft.com/office/powerpoint/2010/main" id="1" dur="indefinite" restart="never" nodeType="tmRoot"/>
+      </p:par>
+    </p:tnLst>
+  </p:timing>
+</p:sld>
+</file>
+
+<file path=ppt/slides/slide4.xml><?xml version="1.0" encoding="utf-8"?>
+<p:sld xmlns:a="http://schemas.openxmlformats.org/drawingml/2006/main" xmlns:r="http://schemas.openxmlformats.org/officeDocument/2006/relationships" xmlns:p="http://schemas.openxmlformats.org/presentationml/2006/main">
+  <p:cSld>
+    <p:spTree>
+      <p:nvGrpSpPr>
+        <p:cNvPr id="1" name=""/>
+        <p:cNvGrpSpPr/>
+        <p:nvPr/>
+      </p:nvGrpSpPr>
+      <p:grpSpPr>
+        <a:xfrm>
+          <a:off x="0" y="0"/>
+          <a:ext cx="0" cy="0"/>
+          <a:chOff x="0" y="0"/>
+          <a:chExt cx="0" cy="0"/>
+        </a:xfrm>
+      </p:grpSpPr>
+      <p:sp>
+        <p:nvSpPr>
+          <p:cNvPr id="2" name="Title 1"/>
+          <p:cNvSpPr>
+            <a:spLocks noGrp="1"/>
+          </p:cNvSpPr>
+          <p:nvPr>
+            <p:ph type="title"/>
+          </p:nvPr>
+        </p:nvSpPr>
+        <p:spPr>
+          <a:xfrm>
+            <a:off x="1443038" y="301624"/>
+            <a:ext cx="6329362" cy="1146175"/>
+          </a:xfrm>
+        </p:spPr>
+        <p:txBody>
+          <a:bodyPr/>
+          <a:lstStyle/>
+          <a:p>
+            <a:r>
+              <a:rPr lang="en-US" dirty="0" smtClean="0"/>
+              <a:t>Bet-Doubling Paradox</a:t>
+            </a:r>
+            <a:endParaRPr lang="en-US" dirty="0"/>
+          </a:p>
+        </p:txBody>
+      </p:sp>
+      <p:sp>
+        <p:nvSpPr>
+          <p:cNvPr id="3" name="Content Placeholder 2"/>
+          <p:cNvSpPr>
+            <a:spLocks noGrp="1"/>
+          </p:cNvSpPr>
+          <p:nvPr>
+            <p:ph idx="1"/>
+          </p:nvPr>
+        </p:nvSpPr>
+        <p:spPr>
+          <a:xfrm>
+            <a:off x="685800" y="1447800"/>
+            <a:ext cx="7772400" cy="4267200"/>
+          </a:xfrm>
+        </p:spPr>
+        <p:txBody>
+          <a:bodyPr/>
+          <a:lstStyle/>
+          <a:p>
+            <a:pPr marL="0" indent="0">
+              <a:buNone/>
+            </a:pPr>
+            <a:r>
+              <a:rPr lang="en-US" sz="4400" dirty="0" smtClean="0"/>
+              <a:t>How to beat an unfair roulette game:  bet</a:t>
+            </a:r>
+            <a:r>
+              <a:rPr lang="en-US" sz="4400" dirty="0" smtClean="0">
+                <a:solidFill>
+                  <a:srgbClr val="0000FF"/>
+                </a:solidFill>
+              </a:rPr>
+              <a:t> $10 </a:t>
+            </a:r>
+            <a:r>
+              <a:rPr lang="en-US" sz="4400" dirty="0" smtClean="0"/>
+              <a:t>on Black.  If you win, go home with the </a:t>
+            </a:r>
+            <a:r>
+              <a:rPr lang="en-US" sz="4400" dirty="0" smtClean="0">
+                <a:solidFill>
+                  <a:srgbClr val="0000FF"/>
+                </a:solidFill>
+              </a:rPr>
+              <a:t>$10</a:t>
+            </a:r>
+            <a:r>
+              <a:rPr lang="en-US" sz="4400" dirty="0" smtClean="0"/>
+              <a:t>.  If you lose,</a:t>
+            </a:r>
+          </a:p>
+          <a:p>
+            <a:pPr marL="0" indent="0">
+              <a:buNone/>
+            </a:pPr>
+            <a:r>
+              <a:rPr lang="en-US" sz="4400" dirty="0" smtClean="0"/>
+              <a:t>bet </a:t>
+            </a:r>
+            <a:r>
+              <a:rPr lang="en-US" sz="4400" dirty="0" smtClean="0">
+                <a:solidFill>
+                  <a:srgbClr val="0000FF"/>
+                </a:solidFill>
+              </a:rPr>
+              <a:t>$20</a:t>
+            </a:r>
+            <a:r>
+              <a:rPr lang="en-US" sz="4400" dirty="0" smtClean="0"/>
+              <a:t>.</a:t>
+            </a:r>
+            <a:endParaRPr lang="en-US" sz="4400" dirty="0"/>
+          </a:p>
+        </p:txBody>
+      </p:sp>
+      <p:sp>
+        <p:nvSpPr>
+          <p:cNvPr id="4" name="Slide Number Placeholder 3"/>
+          <p:cNvSpPr>
+            <a:spLocks noGrp="1"/>
+          </p:cNvSpPr>
+          <p:nvPr>
+            <p:ph type="sldNum" sz="quarter" idx="12"/>
+          </p:nvPr>
+        </p:nvSpPr>
+        <p:spPr/>
+        <p:txBody>
+          <a:bodyPr/>
+          <a:lstStyle/>
+          <a:p>
+            <a:pPr>
+              <a:defRPr/>
+            </a:pPr>
+            <a:r>
+              <a:rPr lang="en-US" dirty="0" err="1" smtClean="0"/>
+              <a:t>infexp</a:t>
+            </a:r>
+            <a:r>
+              <a:rPr lang="en-US" dirty="0" smtClean="0"/>
+              <a:t>.</a:t>
+            </a:r>
+            <a:fld id="{E877D3CB-F960-BD47-98A7-06971C504846}" type="slidenum">
+              <a:rPr lang="en-US" smtClean="0"/>
+              <a:pPr>
+                <a:defRPr/>
+              </a:pPr>
+              <a:t>4</a:t>
+            </a:fld>
+            <a:endParaRPr lang="en-US" dirty="0" smtClean="0"/>
+          </a:p>
+          <a:p>
+            <a:pPr>
+              <a:defRPr/>
+            </a:pPr>
+            <a:endParaRPr lang="en-US" dirty="0"/>
+          </a:p>
+        </p:txBody>
+      </p:sp>
+      <p:sp>
+        <p:nvSpPr>
+          <p:cNvPr id="5" name="Date Placeholder 4"/>
+          <p:cNvSpPr>
+            <a:spLocks noGrp="1"/>
+          </p:cNvSpPr>
+          <p:nvPr>
+            <p:ph type="dt" sz="half" idx="2"/>
+          </p:nvPr>
+        </p:nvSpPr>
+        <p:spPr/>
+        <p:txBody>
+          <a:bodyPr/>
+          <a:lstStyle/>
+          <a:p>
+            <a:pPr>
+              <a:defRPr/>
+            </a:pPr>
+            <a:r>
+              <a:rPr lang="en-US" smtClean="0"/>
+              <a:t>Albert R Meyer,                        May 14, 2012</a:t>
+            </a:r>
+            <a:endParaRPr lang="en-US" dirty="0"/>
+          </a:p>
+        </p:txBody>
+      </p:sp>
+    </p:spTree>
+    <p:extLst>
+      <p:ext uri="{BB962C8B-B14F-4D97-AF65-F5344CB8AC3E}">
+        <p14:creationId xmlns:p14="http://schemas.microsoft.com/office/powerpoint/2010/main" val="824982262"/>
+      </p:ext>
+    </p:extLst>
+  </p:cSld>
+  <p:clrMapOvr>
+    <a:masterClrMapping/>
+  </p:clrMapOvr>
+  <p:transition xmlns:p14="http://schemas.microsoft.com/office/powerpoint/2010/main" advClick="0">
+    <p:fade/>
+  </p:transition>
+  <p:timing>
+    <p:tnLst>
+      <p:par>
+        <p:cTn xmlns:p14="http://schemas.microsoft.com/office/powerpoint/2010/main" id="1" dur="indefinite" restart="never" nodeType="tmRoot"/>
+      </p:par>
+    </p:tnLst>
+  </p:timing>
+</p:sld>
+</file>
+
+<file path=ppt/slides/slide5.xml><?xml version="1.0" encoding="utf-8"?>
+<p:sld xmlns:a="http://schemas.openxmlformats.org/drawingml/2006/main" xmlns:r="http://schemas.openxmlformats.org/officeDocument/2006/relationships" xmlns:p="http://schemas.openxmlformats.org/presentationml/2006/main">
+  <p:cSld>
+    <p:spTree>
+      <p:nvGrpSpPr>
+        <p:cNvPr id="1" name=""/>
+        <p:cNvGrpSpPr/>
+        <p:nvPr/>
+      </p:nvGrpSpPr>
+      <p:grpSpPr>
+        <a:xfrm>
+          <a:off x="0" y="0"/>
+          <a:ext cx="0" cy="0"/>
+          <a:chOff x="0" y="0"/>
+          <a:chExt cx="0" cy="0"/>
+        </a:xfrm>
+      </p:grpSpPr>
+      <p:sp>
+        <p:nvSpPr>
+          <p:cNvPr id="2" name="Title 1"/>
+          <p:cNvSpPr>
+            <a:spLocks noGrp="1"/>
+          </p:cNvSpPr>
+          <p:nvPr>
+            <p:ph type="title"/>
+          </p:nvPr>
+        </p:nvSpPr>
+        <p:spPr>
+          <a:xfrm>
+            <a:off x="1443038" y="301624"/>
+            <a:ext cx="6329362" cy="1146175"/>
+          </a:xfrm>
+        </p:spPr>
+        <p:txBody>
+          <a:bodyPr/>
+          <a:lstStyle/>
+          <a:p>
+            <a:r>
+              <a:rPr lang="en-US" dirty="0" smtClean="0"/>
+              <a:t>Bet-Doubling Paradox</a:t>
+            </a:r>
+            <a:endParaRPr lang="en-US" dirty="0"/>
+          </a:p>
+        </p:txBody>
+      </p:sp>
+      <p:sp>
+        <p:nvSpPr>
+          <p:cNvPr id="3" name="Content Placeholder 2"/>
+          <p:cNvSpPr>
+            <a:spLocks noGrp="1"/>
+          </p:cNvSpPr>
+          <p:nvPr>
+            <p:ph idx="1"/>
+          </p:nvPr>
+        </p:nvSpPr>
+        <p:spPr>
+          <a:xfrm>
+            <a:off x="685800" y="1447800"/>
+            <a:ext cx="8077200" cy="5181600"/>
+          </a:xfrm>
+        </p:spPr>
+        <p:txBody>
+          <a:bodyPr/>
+          <a:lstStyle/>
+          <a:p>
+            <a:pPr marL="0" indent="0">
+              <a:buNone/>
+            </a:pPr>
+            <a:r>
+              <a:rPr lang="en-US" sz="4400" dirty="0" smtClean="0"/>
+              <a:t>How to beat an unfair roulette game:  bet</a:t>
+            </a:r>
+            <a:r>
+              <a:rPr lang="en-US" sz="4400" dirty="0" smtClean="0">
+                <a:solidFill>
+                  <a:srgbClr val="0000FF"/>
+                </a:solidFill>
+              </a:rPr>
+              <a:t> $10 </a:t>
+            </a:r>
+            <a:r>
+              <a:rPr lang="en-US" sz="4400" dirty="0" smtClean="0"/>
+              <a:t>on Black.  If you win, go home with the </a:t>
+            </a:r>
+            <a:r>
+              <a:rPr lang="en-US" sz="4400" dirty="0" smtClean="0">
+                <a:solidFill>
+                  <a:srgbClr val="0000FF"/>
+                </a:solidFill>
+              </a:rPr>
+              <a:t>$10</a:t>
+            </a:r>
+            <a:r>
+              <a:rPr lang="en-US" sz="4400" dirty="0" smtClean="0"/>
+              <a:t>.  If you lose,</a:t>
+            </a:r>
+          </a:p>
+          <a:p>
+            <a:pPr marL="0" indent="0">
+              <a:buNone/>
+            </a:pPr>
+            <a:r>
+              <a:rPr lang="en-US" sz="4400" dirty="0" smtClean="0"/>
+              <a:t>bet </a:t>
+            </a:r>
+            <a:r>
+              <a:rPr lang="en-US" sz="4400" dirty="0" smtClean="0">
+                <a:solidFill>
+                  <a:srgbClr val="0000FF"/>
+                </a:solidFill>
+              </a:rPr>
+              <a:t>$20</a:t>
+            </a:r>
+            <a:r>
+              <a:rPr lang="en-US" sz="4400" dirty="0" smtClean="0"/>
+              <a:t>.  If you win this time, go home with</a:t>
+            </a:r>
+          </a:p>
+          <a:p>
+            <a:pPr marL="0" indent="0">
+              <a:buNone/>
+            </a:pPr>
+            <a:r>
+              <a:rPr lang="en-US" sz="4400" dirty="0" smtClean="0">
+                <a:solidFill>
+                  <a:srgbClr val="0000FF"/>
+                </a:solidFill>
+              </a:rPr>
+              <a:t>$(20-10) = $10</a:t>
+            </a:r>
+            <a:r>
+              <a:rPr lang="en-US" sz="4400" dirty="0" smtClean="0"/>
+              <a:t>.</a:t>
+            </a:r>
+            <a:endParaRPr lang="en-US" sz="4400" dirty="0"/>
+          </a:p>
+        </p:txBody>
+      </p:sp>
+      <p:sp>
+        <p:nvSpPr>
+          <p:cNvPr id="4" name="Slide Number Placeholder 3"/>
+          <p:cNvSpPr>
+            <a:spLocks noGrp="1"/>
+          </p:cNvSpPr>
+          <p:nvPr>
+            <p:ph type="sldNum" sz="quarter" idx="12"/>
+          </p:nvPr>
+        </p:nvSpPr>
+        <p:spPr/>
+        <p:txBody>
+          <a:bodyPr/>
+          <a:lstStyle/>
+          <a:p>
+            <a:pPr>
+              <a:defRPr/>
+            </a:pPr>
+            <a:r>
+              <a:rPr lang="en-US" dirty="0" err="1" smtClean="0"/>
+              <a:t>infexp</a:t>
+            </a:r>
+            <a:r>
+              <a:rPr lang="en-US" dirty="0" smtClean="0"/>
+              <a:t>.</a:t>
+            </a:r>
+            <a:fld id="{E877D3CB-F960-BD47-98A7-06971C504846}" type="slidenum">
+              <a:rPr lang="en-US" smtClean="0"/>
+              <a:pPr>
+                <a:defRPr/>
+              </a:pPr>
+              <a:t>5</a:t>
+            </a:fld>
+            <a:endParaRPr lang="en-US" dirty="0" smtClean="0"/>
+          </a:p>
+          <a:p>
+            <a:pPr>
+              <a:defRPr/>
+            </a:pPr>
+            <a:endParaRPr lang="en-US" dirty="0"/>
+          </a:p>
+        </p:txBody>
+      </p:sp>
+      <p:sp>
+        <p:nvSpPr>
+          <p:cNvPr id="5" name="Date Placeholder 4"/>
+          <p:cNvSpPr>
+            <a:spLocks noGrp="1"/>
+          </p:cNvSpPr>
+          <p:nvPr>
+            <p:ph type="dt" sz="half" idx="2"/>
+          </p:nvPr>
+        </p:nvSpPr>
+        <p:spPr/>
+        <p:txBody>
+          <a:bodyPr/>
+          <a:lstStyle/>
+          <a:p>
+            <a:pPr>
+              <a:defRPr/>
+            </a:pPr>
+            <a:r>
+              <a:rPr lang="en-US" smtClean="0"/>
+              <a:t>Albert R Meyer,                        May 14, 2012</a:t>
+            </a:r>
+            <a:endParaRPr lang="en-US" dirty="0"/>
+          </a:p>
+        </p:txBody>
+      </p:sp>
+    </p:spTree>
+    <p:extLst>
+      <p:ext uri="{BB962C8B-B14F-4D97-AF65-F5344CB8AC3E}">
+        <p14:creationId xmlns:p14="http://schemas.microsoft.com/office/powerpoint/2010/main" val="165210358"/>
+      </p:ext>
+    </p:extLst>
+  </p:cSld>
+  <p:clrMapOvr>
+    <a:masterClrMapping/>
+  </p:clrMapOvr>
+  <mc:AlternateContent xmlns:mc="http://schemas.openxmlformats.org/markup-compatibility/2006" xmlns:p14="http://schemas.microsoft.com/office/powerpoint/2010/main">
+    <mc:Choice Requires="p14">
+      <p:transition spd="med" p14:dur="600" advClick="0">
+        <p:fade/>
+      </p:transition>
+    </mc:Choice>
+    <mc:Fallback xmlns="">
+      <p:transition xmlns:p14="http://schemas.microsoft.com/office/powerpoint/2010/main" spd="med" advClick="0">
+        <p:fade/>
+      </p:transition>
+    </mc:Fallback>
+  </mc:AlternateContent>
+  <p:timing>
+    <p:tnLst>
+      <p:par>
+        <p:cTn xmlns:p14="http://schemas.microsoft.com/office/powerpoint/2010/main" id="1" dur="indefinite" restart="never" nodeType="tmRoot"/>
+      </p:par>
+    </p:tnLst>
+  </p:timing>
+</p:sld>
+</file>
+
+<file path=ppt/slides/slide6.xml><?xml version="1.0" encoding="utf-8"?>
+<p:sld xmlns:a="http://schemas.openxmlformats.org/drawingml/2006/main" xmlns:r="http://schemas.openxmlformats.org/officeDocument/2006/relationships" xmlns:p="http://schemas.openxmlformats.org/presentationml/2006/main">
+  <p:cSld>
+    <p:spTree>
+      <p:nvGrpSpPr>
+        <p:cNvPr id="1" name=""/>
+        <p:cNvGrpSpPr/>
+        <p:nvPr/>
+      </p:nvGrpSpPr>
+      <p:grpSpPr>
+        <a:xfrm>
+          <a:off x="0" y="0"/>
+          <a:ext cx="0" cy="0"/>
+          <a:chOff x="0" y="0"/>
+          <a:chExt cx="0" cy="0"/>
+        </a:xfrm>
+      </p:grpSpPr>
+      <p:sp>
+        <p:nvSpPr>
+          <p:cNvPr id="2" name="Title 1"/>
+          <p:cNvSpPr>
+            <a:spLocks noGrp="1"/>
+          </p:cNvSpPr>
+          <p:nvPr>
+            <p:ph type="title"/>
+          </p:nvPr>
+        </p:nvSpPr>
+        <p:spPr>
+          <a:xfrm>
+            <a:off x="1443038" y="301624"/>
+            <a:ext cx="6329362" cy="1146175"/>
+          </a:xfrm>
+        </p:spPr>
+        <p:txBody>
+          <a:bodyPr/>
+          <a:lstStyle/>
+          <a:p>
+            <a:r>
+              <a:rPr lang="en-US" dirty="0" smtClean="0"/>
+              <a:t>Bet-Doubling Paradox</a:t>
+            </a:r>
+            <a:endParaRPr lang="en-US" dirty="0"/>
+          </a:p>
+        </p:txBody>
+      </p:sp>
+      <p:sp>
+        <p:nvSpPr>
+          <p:cNvPr id="3" name="Content Placeholder 2"/>
+          <p:cNvSpPr>
+            <a:spLocks noGrp="1"/>
+          </p:cNvSpPr>
+          <p:nvPr>
+            <p:ph idx="1"/>
+          </p:nvPr>
+        </p:nvSpPr>
+        <p:spPr>
+          <a:xfrm>
+            <a:off x="685800" y="1447800"/>
+            <a:ext cx="8077200" cy="5181600"/>
+          </a:xfrm>
+        </p:spPr>
+        <p:txBody>
+          <a:bodyPr/>
+          <a:lstStyle/>
+          <a:p>
+            <a:pPr marL="0" indent="0">
+              <a:buNone/>
+            </a:pPr>
+            <a:r>
+              <a:rPr lang="en-US" sz="4400" dirty="0" smtClean="0"/>
+              <a:t>How to beat an unfair roulette game:  bet</a:t>
+            </a:r>
+            <a:r>
+              <a:rPr lang="en-US" sz="4400" dirty="0" smtClean="0">
+                <a:solidFill>
+                  <a:srgbClr val="0000FF"/>
+                </a:solidFill>
+              </a:rPr>
+              <a:t> $10 </a:t>
+            </a:r>
+            <a:r>
+              <a:rPr lang="en-US" sz="4400" dirty="0" smtClean="0"/>
+              <a:t>on Black.  If you lose the </a:t>
+            </a:r>
+            <a:r>
+              <a:rPr lang="en-US" sz="4400" dirty="0" smtClean="0">
+                <a:solidFill>
+                  <a:srgbClr val="0000FF"/>
+                </a:solidFill>
+              </a:rPr>
+              <a:t>$20</a:t>
+            </a:r>
+            <a:r>
+              <a:rPr lang="en-US" sz="4400" dirty="0" smtClean="0"/>
+              <a:t> bet, then bet </a:t>
+            </a:r>
+            <a:r>
+              <a:rPr lang="en-US" sz="4400" dirty="0" smtClean="0">
+                <a:solidFill>
+                  <a:srgbClr val="0000FF"/>
+                </a:solidFill>
+              </a:rPr>
+              <a:t>$40</a:t>
+            </a:r>
+            <a:r>
+              <a:rPr lang="en-US" sz="4400" dirty="0" smtClean="0"/>
+              <a:t>.</a:t>
+            </a:r>
+            <a:endParaRPr lang="en-US" sz="4400" dirty="0"/>
+          </a:p>
+        </p:txBody>
+      </p:sp>
+      <p:sp>
+        <p:nvSpPr>
+          <p:cNvPr id="4" name="Slide Number Placeholder 3"/>
+          <p:cNvSpPr>
+            <a:spLocks noGrp="1"/>
+          </p:cNvSpPr>
+          <p:nvPr>
+            <p:ph type="sldNum" sz="quarter" idx="12"/>
+          </p:nvPr>
+        </p:nvSpPr>
+        <p:spPr/>
+        <p:txBody>
+          <a:bodyPr/>
+          <a:lstStyle/>
+          <a:p>
+            <a:pPr>
+              <a:defRPr/>
+            </a:pPr>
+            <a:r>
+              <a:rPr lang="en-US" dirty="0" err="1" smtClean="0"/>
+              <a:t>infexp</a:t>
+            </a:r>
+            <a:r>
+              <a:rPr lang="en-US" dirty="0" smtClean="0"/>
+              <a:t>.</a:t>
+            </a:r>
+            <a:fld id="{E877D3CB-F960-BD47-98A7-06971C504846}" type="slidenum">
+              <a:rPr lang="en-US" smtClean="0"/>
+              <a:pPr>
+                <a:defRPr/>
+              </a:pPr>
+              <a:t>6</a:t>
+            </a:fld>
+            <a:endParaRPr lang="en-US" dirty="0" smtClean="0"/>
+          </a:p>
+          <a:p>
+            <a:pPr>
+              <a:defRPr/>
+            </a:pPr>
+            <a:endParaRPr lang="en-US" dirty="0"/>
+          </a:p>
+        </p:txBody>
+      </p:sp>
+      <p:sp>
+        <p:nvSpPr>
+          <p:cNvPr id="5" name="Date Placeholder 4"/>
+          <p:cNvSpPr>
+            <a:spLocks noGrp="1"/>
+          </p:cNvSpPr>
+          <p:nvPr>
+            <p:ph type="dt" sz="half" idx="2"/>
+          </p:nvPr>
+        </p:nvSpPr>
+        <p:spPr/>
+        <p:txBody>
+          <a:bodyPr/>
+          <a:lstStyle/>
+          <a:p>
+            <a:pPr>
+              <a:defRPr/>
+            </a:pPr>
+            <a:r>
+              <a:rPr lang="en-US" smtClean="0"/>
+              <a:t>Albert R Meyer,                        May 14, 2012</a:t>
+            </a:r>
+            <a:endParaRPr lang="en-US" dirty="0"/>
+          </a:p>
+        </p:txBody>
+      </p:sp>
+    </p:spTree>
+    <p:extLst>
+      <p:ext uri="{BB962C8B-B14F-4D97-AF65-F5344CB8AC3E}">
+        <p14:creationId xmlns:p14="http://schemas.microsoft.com/office/powerpoint/2010/main" val="3735967782"/>
+      </p:ext>
+    </p:extLst>
+  </p:cSld>
+  <p:clrMapOvr>
+    <a:masterClrMapping/>
+  </p:clrMapOvr>
+  <mc:AlternateContent xmlns:mc="http://schemas.openxmlformats.org/markup-compatibility/2006" xmlns:p14="http://schemas.microsoft.com/office/powerpoint/2010/main">
+    <mc:Choice Requires="p14">
+      <p:transition spd="med" p14:dur="600" advClick="0">
+        <p:fade/>
+      </p:transition>
+    </mc:Choice>
+    <mc:Fallback xmlns="">
+      <p:transition xmlns:p14="http://schemas.microsoft.com/office/powerpoint/2010/main" spd="med" advClick="0">
+        <p:fade/>
+      </p:transition>
+    </mc:Fallback>
+  </mc:AlternateContent>
+  <p:timing>
+    <p:tnLst>
+      <p:par>
+        <p:cTn xmlns:p14="http://schemas.microsoft.com/office/powerpoint/2010/main" id="1" dur="indefinite" restart="never" nodeType="tmRoot"/>
+      </p:par>
+    </p:tnLst>
+  </p:timing>
+</p:sld>
+</file>
+
+<file path=ppt/slides/slide7.xml><?xml version="1.0" encoding="utf-8"?>
+<p:sld xmlns:a="http://schemas.openxmlformats.org/drawingml/2006/main" xmlns:r="http://schemas.openxmlformats.org/officeDocument/2006/relationships" xmlns:p="http://schemas.openxmlformats.org/presentationml/2006/main">
+  <p:cSld>
+    <p:spTree>
+      <p:nvGrpSpPr>
+        <p:cNvPr id="1" name=""/>
+        <p:cNvGrpSpPr/>
+        <p:nvPr/>
+      </p:nvGrpSpPr>
+      <p:grpSpPr>
+        <a:xfrm>
+          <a:off x="0" y="0"/>
+          <a:ext cx="0" cy="0"/>
+          <a:chOff x="0" y="0"/>
+          <a:chExt cx="0" cy="0"/>
+        </a:xfrm>
+      </p:grpSpPr>
+      <p:sp>
+        <p:nvSpPr>
+          <p:cNvPr id="2" name="Title 1"/>
+          <p:cNvSpPr>
+            <a:spLocks noGrp="1"/>
+          </p:cNvSpPr>
+          <p:nvPr>
+            <p:ph type="title"/>
+          </p:nvPr>
+        </p:nvSpPr>
+        <p:spPr>
+          <a:xfrm>
+            <a:off x="1443038" y="301624"/>
+            <a:ext cx="6329362" cy="1146175"/>
+          </a:xfrm>
+        </p:spPr>
+        <p:txBody>
+          <a:bodyPr/>
+          <a:lstStyle/>
+          <a:p>
+            <a:r>
+              <a:rPr lang="en-US" dirty="0" smtClean="0"/>
+              <a:t>Bet-Doubling Paradox</a:t>
+            </a:r>
+            <a:endParaRPr lang="en-US" dirty="0"/>
+          </a:p>
+        </p:txBody>
+      </p:sp>
+      <p:sp>
+        <p:nvSpPr>
+          <p:cNvPr id="3" name="Content Placeholder 2"/>
+          <p:cNvSpPr>
+            <a:spLocks noGrp="1"/>
+          </p:cNvSpPr>
+          <p:nvPr>
+            <p:ph idx="1"/>
+          </p:nvPr>
+        </p:nvSpPr>
+        <p:spPr>
+          <a:xfrm>
+            <a:off x="685800" y="1447800"/>
+            <a:ext cx="8077200" cy="5181600"/>
+          </a:xfrm>
+        </p:spPr>
+        <p:txBody>
+          <a:bodyPr/>
+          <a:lstStyle/>
+          <a:p>
+            <a:pPr marL="0" indent="0">
+              <a:buNone/>
+            </a:pPr>
+            <a:r>
+              <a:rPr lang="en-US" sz="4400" dirty="0" smtClean="0"/>
+              <a:t>How to beat an unfair roulette game:  bet</a:t>
+            </a:r>
+            <a:r>
+              <a:rPr lang="en-US" sz="4400" dirty="0" smtClean="0">
+                <a:solidFill>
+                  <a:srgbClr val="0000FF"/>
+                </a:solidFill>
+              </a:rPr>
+              <a:t> $10 </a:t>
+            </a:r>
+            <a:r>
+              <a:rPr lang="en-US" sz="4400" dirty="0" smtClean="0"/>
+              <a:t>on Black.  If you lose the </a:t>
+            </a:r>
+            <a:r>
+              <a:rPr lang="en-US" sz="4400" dirty="0" smtClean="0">
+                <a:solidFill>
+                  <a:srgbClr val="0000FF"/>
+                </a:solidFill>
+              </a:rPr>
+              <a:t>$20</a:t>
+            </a:r>
+            <a:r>
+              <a:rPr lang="en-US" sz="4400" dirty="0" smtClean="0"/>
+              <a:t> bet, then bet </a:t>
+            </a:r>
+            <a:r>
+              <a:rPr lang="en-US" sz="4400" dirty="0" smtClean="0">
+                <a:solidFill>
+                  <a:srgbClr val="0000FF"/>
+                </a:solidFill>
+              </a:rPr>
+              <a:t>$40</a:t>
+            </a:r>
+            <a:r>
+              <a:rPr lang="en-US" sz="4400" dirty="0" smtClean="0"/>
+              <a:t>.  If you win, go home with</a:t>
+            </a:r>
+          </a:p>
+          <a:p>
+            <a:pPr marL="0" indent="0">
+              <a:buNone/>
+            </a:pPr>
+            <a:r>
+              <a:rPr lang="en-US" sz="4400" dirty="0" smtClean="0">
+                <a:solidFill>
+                  <a:srgbClr val="0000FF"/>
+                </a:solidFill>
+              </a:rPr>
+              <a:t>$(40 -20 -10) = $10</a:t>
+            </a:r>
+            <a:r>
+              <a:rPr lang="en-US" sz="4400" dirty="0" smtClean="0"/>
+              <a:t>.</a:t>
+            </a:r>
+            <a:endParaRPr lang="en-US" sz="4400" dirty="0"/>
+          </a:p>
+        </p:txBody>
+      </p:sp>
+      <p:sp>
+        <p:nvSpPr>
+          <p:cNvPr id="4" name="Slide Number Placeholder 3"/>
+          <p:cNvSpPr>
+            <a:spLocks noGrp="1"/>
+          </p:cNvSpPr>
+          <p:nvPr>
+            <p:ph type="sldNum" sz="quarter" idx="12"/>
+          </p:nvPr>
+        </p:nvSpPr>
+        <p:spPr/>
+        <p:txBody>
+          <a:bodyPr/>
+          <a:lstStyle/>
+          <a:p>
+            <a:pPr>
+              <a:defRPr/>
+            </a:pPr>
+            <a:r>
+              <a:rPr lang="en-US" dirty="0" err="1" smtClean="0"/>
+              <a:t>infexp</a:t>
+            </a:r>
+            <a:r>
+              <a:rPr lang="en-US" dirty="0" smtClean="0"/>
+              <a:t>.</a:t>
+            </a:r>
+            <a:fld id="{E877D3CB-F960-BD47-98A7-06971C504846}" type="slidenum">
+              <a:rPr lang="en-US" smtClean="0"/>
+              <a:pPr>
+                <a:defRPr/>
+              </a:pPr>
+              <a:t>7</a:t>
+            </a:fld>
+            <a:endParaRPr lang="en-US" dirty="0" smtClean="0"/>
+          </a:p>
+          <a:p>
+            <a:pPr>
+              <a:defRPr/>
+            </a:pPr>
+            <a:endParaRPr lang="en-US" dirty="0"/>
+          </a:p>
+        </p:txBody>
+      </p:sp>
+      <p:sp>
+        <p:nvSpPr>
+          <p:cNvPr id="5" name="Date Placeholder 4"/>
+          <p:cNvSpPr>
+            <a:spLocks noGrp="1"/>
+          </p:cNvSpPr>
+          <p:nvPr>
+            <p:ph type="dt" sz="half" idx="2"/>
+          </p:nvPr>
+        </p:nvSpPr>
+        <p:spPr/>
+        <p:txBody>
+          <a:bodyPr/>
+          <a:lstStyle/>
+          <a:p>
+            <a:pPr>
+              <a:defRPr/>
+            </a:pPr>
+            <a:r>
+              <a:rPr lang="en-US" smtClean="0"/>
+              <a:t>Albert R Meyer,                        May 14, 2012</a:t>
+            </a:r>
+            <a:endParaRPr lang="en-US" dirty="0"/>
+          </a:p>
+        </p:txBody>
+      </p:sp>
+    </p:spTree>
+    <p:extLst>
+      <p:ext uri="{BB962C8B-B14F-4D97-AF65-F5344CB8AC3E}">
+        <p14:creationId xmlns:p14="http://schemas.microsoft.com/office/powerpoint/2010/main" val="1834069475"/>
+      </p:ext>
+    </p:extLst>
+  </p:cSld>
+  <p:clrMapOvr>
+    <a:masterClrMapping/>
+  </p:clrMapOvr>
+  <mc:AlternateContent xmlns:mc="http://schemas.openxmlformats.org/markup-compatibility/2006" xmlns:p14="http://schemas.microsoft.com/office/powerpoint/2010/main">
+    <mc:Choice Requires="p14">
+      <p:transition spd="med" p14:dur="600" advClick="0">
+        <p:fade/>
+      </p:transition>
+    </mc:Choice>
+    <mc:Fallback xmlns="">
+      <p:transition xmlns:p14="http://schemas.microsoft.com/office/powerpoint/2010/main" spd="med" advClick="0">
+        <p:fade/>
+      </p:transition>
+    </mc:Fallback>
+  </mc:AlternateContent>
+  <p:timing>
+    <p:tnLst>
+      <p:par>
+        <p:cTn xmlns:p14="http://schemas.microsoft.com/office/powerpoint/2010/main" id="1" dur="indefinite" restart="never" nodeType="tmRoot"/>
+      </p:par>
+    </p:tnLst>
+  </p:timing>
+</p:sld>
+</file>
+
+<file path=ppt/slides/slide8.xml><?xml version="1.0" encoding="utf-8"?>
+<p:sld xmlns:a="http://schemas.openxmlformats.org/drawingml/2006/main" xmlns:r="http://schemas.openxmlformats.org/officeDocument/2006/relationships" xmlns:p="http://schemas.openxmlformats.org/presentationml/2006/main">
+  <p:cSld>
+    <p:spTree>
+      <p:nvGrpSpPr>
+        <p:cNvPr id="1" name=""/>
+        <p:cNvGrpSpPr/>
+        <p:nvPr/>
+      </p:nvGrpSpPr>
+      <p:grpSpPr>
+        <a:xfrm>
+          <a:off x="0" y="0"/>
+          <a:ext cx="0" cy="0"/>
+          <a:chOff x="0" y="0"/>
+          <a:chExt cx="0" cy="0"/>
+        </a:xfrm>
+      </p:grpSpPr>
+      <p:sp>
+        <p:nvSpPr>
+          <p:cNvPr id="2" name="Title 1"/>
+          <p:cNvSpPr>
+            <a:spLocks noGrp="1"/>
+          </p:cNvSpPr>
+          <p:nvPr>
+            <p:ph type="title"/>
+          </p:nvPr>
+        </p:nvSpPr>
+        <p:spPr>
+          <a:xfrm>
+            <a:off x="1443038" y="301624"/>
+            <a:ext cx="6329362" cy="1146175"/>
+          </a:xfrm>
+        </p:spPr>
+        <p:txBody>
+          <a:bodyPr/>
+          <a:lstStyle/>
+          <a:p>
+            <a:r>
+              <a:rPr lang="en-US" dirty="0" smtClean="0"/>
+              <a:t>Bet-Doubling Paradox</a:t>
+            </a:r>
+            <a:endParaRPr lang="en-US" dirty="0"/>
+          </a:p>
+        </p:txBody>
+      </p:sp>
+      <p:sp>
+        <p:nvSpPr>
+          <p:cNvPr id="3" name="Content Placeholder 2"/>
+          <p:cNvSpPr>
+            <a:spLocks noGrp="1"/>
+          </p:cNvSpPr>
+          <p:nvPr>
+            <p:ph idx="1"/>
+          </p:nvPr>
+        </p:nvSpPr>
+        <p:spPr>
+          <a:xfrm>
+            <a:off x="685800" y="1447800"/>
+            <a:ext cx="8077200" cy="5181600"/>
+          </a:xfrm>
+        </p:spPr>
+        <p:txBody>
+          <a:bodyPr/>
+          <a:lstStyle/>
+          <a:p>
+            <a:pPr marL="0" indent="0">
+              <a:buNone/>
+            </a:pPr>
+            <a:r>
+              <a:rPr lang="en-US" sz="4400" dirty="0" smtClean="0"/>
+              <a:t>By continuing to double your bet, your net win will be </a:t>
+            </a:r>
+            <a:r>
+              <a:rPr lang="en-US" sz="4400" dirty="0" smtClean="0">
+                <a:solidFill>
+                  <a:srgbClr val="0000FF"/>
+                </a:solidFill>
+              </a:rPr>
+              <a:t>$10</a:t>
+            </a:r>
+            <a:endParaRPr lang="en-US" sz="4400" dirty="0" smtClean="0">
+              <a:solidFill>
+                <a:srgbClr val="000000"/>
+              </a:solidFill>
+            </a:endParaRPr>
+          </a:p>
+          <a:p>
+            <a:pPr marL="0" indent="0">
+              <a:buNone/>
+            </a:pPr>
+            <a:r>
+              <a:rPr lang="en-US" sz="4400" dirty="0" smtClean="0">
+                <a:solidFill>
+                  <a:srgbClr val="000000"/>
+                </a:solidFill>
+              </a:rPr>
+              <a:t>when you finally win a bet…</a:t>
+            </a:r>
+          </a:p>
+          <a:p>
+            <a:pPr marL="0" indent="0">
+              <a:buNone/>
+            </a:pPr>
+            <a:r>
+              <a:rPr lang="en-US" sz="4400" dirty="0" smtClean="0">
+                <a:solidFill>
+                  <a:srgbClr val="000000"/>
+                </a:solidFill>
+              </a:rPr>
+              <a:t>and you are </a:t>
+            </a:r>
+            <a:r>
+              <a:rPr lang="en-US" sz="4400" dirty="0" smtClean="0">
+                <a:solidFill>
+                  <a:srgbClr val="008000"/>
+                </a:solidFill>
+              </a:rPr>
+              <a:t>certain</a:t>
+            </a:r>
+            <a:r>
+              <a:rPr lang="en-US" sz="4400" dirty="0" smtClean="0">
+                <a:solidFill>
+                  <a:srgbClr val="000000"/>
+                </a:solidFill>
+              </a:rPr>
+              <a:t> to eventually win, since</a:t>
+            </a:r>
+            <a:endParaRPr lang="en-US" sz="4400" dirty="0" smtClean="0">
+              <a:solidFill>
+                <a:srgbClr val="0000FF"/>
+              </a:solidFill>
+            </a:endParaRPr>
+          </a:p>
+          <a:p>
+            <a:pPr marL="0" indent="0">
+              <a:buNone/>
+            </a:pPr>
+            <a:r>
+              <a:rPr lang="en-US" sz="4400" dirty="0" err="1" smtClean="0">
+                <a:solidFill>
+                  <a:srgbClr val="0000FF"/>
+                </a:solidFill>
+              </a:rPr>
+              <a:t>Pr</a:t>
+            </a:r>
+            <a:r>
+              <a:rPr lang="en-US" sz="4400" dirty="0" smtClean="0">
+                <a:solidFill>
+                  <a:srgbClr val="0000FF"/>
+                </a:solidFill>
+              </a:rPr>
+              <a:t>[</a:t>
+            </a:r>
+            <a:r>
+              <a:rPr lang="en-US" sz="4400" dirty="0" smtClean="0"/>
+              <a:t>bet</a:t>
+            </a:r>
+            <a:r>
+              <a:rPr lang="en-US" sz="4400" dirty="0" smtClean="0">
+                <a:solidFill>
+                  <a:srgbClr val="0000FF"/>
+                </a:solidFill>
+              </a:rPr>
+              <a:t> </a:t>
+            </a:r>
+            <a:r>
+              <a:rPr lang="en-US" sz="4400" b="1" dirty="0" smtClean="0">
+                <a:solidFill>
+                  <a:srgbClr val="0000FF"/>
+                </a:solidFill>
+                <a:latin typeface="Euclid Symbol" charset="2"/>
+                <a:cs typeface="Euclid Symbol" charset="2"/>
+              </a:rPr>
+              <a:t>&gt; </a:t>
+            </a:r>
+            <a:r>
+              <a:rPr lang="en-US" sz="4400" dirty="0" smtClean="0">
+                <a:solidFill>
+                  <a:srgbClr val="0000FF"/>
+                </a:solidFill>
+                <a:latin typeface="Comic Sans MS"/>
+                <a:cs typeface="Comic Sans MS"/>
+              </a:rPr>
+              <a:t>k</a:t>
+            </a:r>
+            <a:r>
+              <a:rPr lang="en-US" sz="4400" dirty="0" smtClean="0">
+                <a:solidFill>
+                  <a:srgbClr val="000000"/>
+                </a:solidFill>
+                <a:latin typeface="Comic Sans MS"/>
+                <a:cs typeface="Comic Sans MS"/>
+              </a:rPr>
+              <a:t> times</a:t>
+            </a:r>
+            <a:r>
+              <a:rPr lang="en-US" sz="4400" dirty="0" smtClean="0">
+                <a:solidFill>
+                  <a:srgbClr val="0000FF"/>
+                </a:solidFill>
+                <a:latin typeface="Comic Sans MS"/>
+                <a:cs typeface="Comic Sans MS"/>
+              </a:rPr>
+              <a:t>] </a:t>
+            </a:r>
+            <a:r>
+              <a:rPr lang="en-US" sz="4400" b="1" dirty="0" smtClean="0">
+                <a:solidFill>
+                  <a:srgbClr val="0000FF"/>
+                </a:solidFill>
+                <a:latin typeface="Euclid Symbol" charset="2"/>
+                <a:cs typeface="Euclid Symbol" charset="2"/>
+              </a:rPr>
+              <a:t>≤ </a:t>
+            </a:r>
+            <a:r>
+              <a:rPr lang="en-US" sz="4400" dirty="0" smtClean="0">
+                <a:solidFill>
+                  <a:srgbClr val="0000FF"/>
+                </a:solidFill>
+                <a:latin typeface="Comic Sans MS"/>
+                <a:cs typeface="Comic Sans MS"/>
+              </a:rPr>
+              <a:t>(10/19)</a:t>
+            </a:r>
+            <a:r>
+              <a:rPr lang="en-US" sz="4400" baseline="30000" dirty="0" smtClean="0">
+                <a:solidFill>
+                  <a:srgbClr val="0000FF"/>
+                </a:solidFill>
+                <a:latin typeface="Comic Sans MS"/>
+                <a:cs typeface="Comic Sans MS"/>
+              </a:rPr>
+              <a:t>k</a:t>
+            </a:r>
+          </a:p>
+          <a:p>
+            <a:pPr marL="0" indent="0">
+              <a:buNone/>
+            </a:pPr>
+            <a:endParaRPr lang="en-US" sz="4400" baseline="30000" dirty="0">
+              <a:solidFill>
+                <a:srgbClr val="0000FF"/>
+              </a:solidFill>
+              <a:latin typeface="Comic Sans MS"/>
+              <a:cs typeface="Comic Sans MS"/>
+            </a:endParaRPr>
+          </a:p>
+        </p:txBody>
+      </p:sp>
+      <p:sp>
+        <p:nvSpPr>
+          <p:cNvPr id="4" name="Slide Number Placeholder 3"/>
+          <p:cNvSpPr>
+            <a:spLocks noGrp="1"/>
+          </p:cNvSpPr>
+          <p:nvPr>
+            <p:ph type="sldNum" sz="quarter" idx="12"/>
+          </p:nvPr>
+        </p:nvSpPr>
+        <p:spPr/>
+        <p:txBody>
+          <a:bodyPr/>
+          <a:lstStyle/>
+          <a:p>
+            <a:pPr>
+              <a:defRPr/>
+            </a:pPr>
+            <a:r>
+              <a:rPr lang="en-US" dirty="0" err="1" smtClean="0"/>
+              <a:t>infexp</a:t>
+            </a:r>
+            <a:r>
+              <a:rPr lang="en-US" dirty="0" smtClean="0"/>
+              <a:t>.</a:t>
+            </a:r>
+            <a:fld id="{E877D3CB-F960-BD47-98A7-06971C504846}" type="slidenum">
+              <a:rPr lang="en-US" smtClean="0"/>
+              <a:pPr>
+                <a:defRPr/>
+              </a:pPr>
+              <a:t>8</a:t>
+            </a:fld>
+            <a:endParaRPr lang="en-US" dirty="0" smtClean="0"/>
+          </a:p>
+          <a:p>
+            <a:pPr>
+              <a:defRPr/>
+            </a:pPr>
+            <a:endParaRPr lang="en-US" dirty="0"/>
+          </a:p>
+        </p:txBody>
+      </p:sp>
+      <p:sp>
+        <p:nvSpPr>
+          <p:cNvPr id="5" name="Date Placeholder 4"/>
+          <p:cNvSpPr>
+            <a:spLocks noGrp="1"/>
+          </p:cNvSpPr>
+          <p:nvPr>
+            <p:ph type="dt" sz="half" idx="2"/>
+          </p:nvPr>
+        </p:nvSpPr>
+        <p:spPr/>
+        <p:txBody>
+          <a:bodyPr/>
+          <a:lstStyle/>
+          <a:p>
+            <a:pPr>
+              <a:defRPr/>
+            </a:pPr>
+            <a:r>
+              <a:rPr lang="en-US" smtClean="0"/>
+              <a:t>Albert R Meyer,                        May 14, 2012</a:t>
+            </a:r>
+            <a:endParaRPr lang="en-US" dirty="0"/>
+          </a:p>
+        </p:txBody>
+      </p:sp>
+      <p:graphicFrame>
+        <p:nvGraphicFramePr>
+          <p:cNvPr id="6" name="Object 5"/>
+          <p:cNvGraphicFramePr>
+            <a:graphicFrameLocks noChangeAspect="1"/>
+          </p:cNvGraphicFramePr>
+          <p:nvPr>
+            <p:extLst>
+              <p:ext uri="{D42A27DB-BD31-4B8C-83A1-F6EECF244321}">
+                <p14:modId xmlns:p14="http://schemas.microsoft.com/office/powerpoint/2010/main" val="3351592906"/>
+              </p:ext>
+            </p:extLst>
+          </p:nvPr>
+        </p:nvGraphicFramePr>
+        <p:xfrm>
+          <a:off x="3940386" y="5867400"/>
+          <a:ext cx="4517814" cy="770082"/>
+        </p:xfrm>
+        <a:graphic>
+          <a:graphicData uri="http://schemas.openxmlformats.org/presentationml/2006/ole">
+            <mc:AlternateContent xmlns:mc="http://schemas.openxmlformats.org/markup-compatibility/2006">
+              <mc:Choice xmlns:v="urn:schemas-microsoft-com:vml" Requires="v">
+                <p:oleObj spid="_x0000_s1040" name="Equation" r:id="rId4" imgW="1117600" imgH="190500" progId="Equation.DSMT4">
+                  <p:embed/>
+                </p:oleObj>
+              </mc:Choice>
+              <mc:Fallback>
+                <p:oleObj name="Equation" r:id="rId4" imgW="1117600" imgH="190500" progId="Equation.DSMT4">
+                  <p:embed/>
+                  <p:pic>
+                    <p:nvPicPr>
+                      <p:cNvPr id="0" name=""/>
+                      <p:cNvPicPr/>
+                      <p:nvPr/>
+                    </p:nvPicPr>
+                    <p:blipFill>
+                      <a:blip r:embed="rId5"/>
+                      <a:stretch>
+                        <a:fillRect/>
+                      </a:stretch>
+                    </p:blipFill>
+                    <p:spPr>
+                      <a:xfrm>
+                        <a:off x="3940386" y="5867400"/>
+                        <a:ext cx="4517814" cy="770082"/>
+                      </a:xfrm>
+                      <a:prstGeom prst="rect">
+                        <a:avLst/>
+                      </a:prstGeom>
+                    </p:spPr>
+                  </p:pic>
+                </p:oleObj>
+              </mc:Fallback>
+            </mc:AlternateContent>
+          </a:graphicData>
+        </a:graphic>
+      </p:graphicFrame>
+    </p:spTree>
+    <p:extLst>
+      <p:ext uri="{BB962C8B-B14F-4D97-AF65-F5344CB8AC3E}">
+        <p14:creationId xmlns:p14="http://schemas.microsoft.com/office/powerpoint/2010/main" val="2583740096"/>
+      </p:ext>
+    </p:extLst>
+  </p:cSld>
+  <p:clrMapOvr>
+    <a:masterClrMapping/>
+  </p:clrMapOvr>
+  <mc:AlternateContent xmlns:mc="http://schemas.openxmlformats.org/markup-compatibility/2006" xmlns:p14="http://schemas.microsoft.com/office/powerpoint/2010/main">
+    <mc:Choice Requires="p14">
+      <p:transition spd="med" p14:dur="700" advClick="0">
+        <p:fade thruBlk="1"/>
+      </p:transition>
+    </mc:Choice>
+    <mc:Fallback xmlns="">
+      <p:transition xmlns:p14="http://schemas.microsoft.com/office/powerpoint/2010/main" spd="med" advClick="0">
+        <p:fade thruBlk="1"/>
+      </p:transition>
+    </mc:Fallback>
+  </mc:AlternateContent>
+  <p:timing>
+    <p:tnLst>
+      <p:par>
+        <p:cTn xmlns:p14="http://schemas.microsoft.com/office/powerpoint/2010/main" id="1" dur="indefinite" restart="never" nodeType="tmRoot">
+          <p:childTnLst>
+            <p:seq concurrent="1" nextAc="seek">
+              <p:cTn id="2" dur="indefinite" nodeType="mainSeq">
+                <p:childTnLst>
+                  <p:par>
+                    <p:cTn id="3" fill="hold">
+                      <p:stCondLst>
+                        <p:cond delay="indefinite"/>
+                      </p:stCondLst>
+                      <p:childTnLst>
+                        <p:par>
+                          <p:cTn id="4" fill="hold">
+                            <p:stCondLst>
+                              <p:cond delay="0"/>
+                            </p:stCondLst>
+                            <p:childTnLst>
+                              <p:par>
+                                <p:cTn id="5" presetID="10" presetClass="entr" presetSubtype="0" fill="hold" nodeType="clickEffect">
+                                  <p:stCondLst>
+                                    <p:cond delay="0"/>
+                                  </p:stCondLst>
+                                  <p:childTnLst>
+                                    <p:set>
+                                      <p:cBhvr>
+                                        <p:cTn id="6" dur="1" fill="hold">
+                                          <p:stCondLst>
+                                            <p:cond delay="0"/>
+                                          </p:stCondLst>
+                                        </p:cTn>
+                                        <p:tgtEl>
+                                          <p:spTgt spid="3">
+                                            <p:txEl>
+                                              <p:pRg st="2" end="2"/>
+                                            </p:txEl>
+                                          </p:spTgt>
+                                        </p:tgtEl>
+                                        <p:attrNameLst>
+                                          <p:attrName>style.visibility</p:attrName>
+                                        </p:attrNameLst>
+                                      </p:cBhvr>
+                                      <p:to>
+                                        <p:strVal val="visible"/>
+                                      </p:to>
+                                    </p:set>
+                                    <p:animEffect transition="in" filter="fade">
+                                      <p:cBhvr>
+                                        <p:cTn id="7" dur="500"/>
+                                        <p:tgtEl>
+                                          <p:spTgt spid="3">
+                                            <p:txEl>
+                                              <p:pRg st="2" end="2"/>
+                                            </p:txEl>
+                                          </p:spTgt>
+                                        </p:tgtEl>
+                                      </p:cBhvr>
+                                    </p:animEffect>
+                                  </p:childTnLst>
+                                </p:cTn>
+                              </p:par>
+                            </p:childTnLst>
+                          </p:cTn>
+                        </p:par>
+                      </p:childTnLst>
+                    </p:cTn>
+                  </p:par>
+                  <p:par>
+                    <p:cTn id="8" fill="hold">
+                      <p:stCondLst>
+                        <p:cond delay="indefinite"/>
+                      </p:stCondLst>
+                      <p:childTnLst>
+                        <p:par>
+                          <p:cTn id="9" fill="hold">
+                            <p:stCondLst>
+                              <p:cond delay="0"/>
+                            </p:stCondLst>
+                            <p:childTnLst>
+                              <p:par>
+                                <p:cTn id="10" presetID="22" presetClass="entr" presetSubtype="8" fill="hold" nodeType="clickEffect">
+                                  <p:stCondLst>
+                                    <p:cond delay="0"/>
+                                  </p:stCondLst>
+                                  <p:childTnLst>
+                                    <p:set>
+                                      <p:cBhvr>
+                                        <p:cTn id="11" dur="1" fill="hold">
+                                          <p:stCondLst>
+                                            <p:cond delay="0"/>
+                                          </p:stCondLst>
+                                        </p:cTn>
+                                        <p:tgtEl>
+                                          <p:spTgt spid="3">
+                                            <p:txEl>
+                                              <p:pRg st="3" end="3"/>
+                                            </p:txEl>
+                                          </p:spTgt>
+                                        </p:tgtEl>
+                                        <p:attrNameLst>
+                                          <p:attrName>style.visibility</p:attrName>
+                                        </p:attrNameLst>
+                                      </p:cBhvr>
+                                      <p:to>
+                                        <p:strVal val="visible"/>
+                                      </p:to>
+                                    </p:set>
+                                    <p:animEffect transition="in" filter="wipe(left)">
+                                      <p:cBhvr>
+                                        <p:cTn id="12" dur="1000"/>
+                                        <p:tgtEl>
+                                          <p:spTgt spid="3">
+                                            <p:txEl>
+                                              <p:pRg st="3" end="3"/>
                                             </p:txEl>
                                           </p:spTgt>
                                         </p:tgtEl>
@@ -4303,7 +9937,7 @@
                                           </p:stCondLst>
                                         </p:cTn>
                                         <p:tgtEl>
-                                          <p:spTgt spid="7"/>
+                                          <p:spTgt spid="6"/>
                                         </p:tgtEl>
                                         <p:attrNameLst>
                                           <p:attrName>style.visibility</p:attrName>
@@ -4317,7 +9951,7 @@
                                       <p:cBhvr>
                                         <p:cTn id="17" dur="1000"/>
                                         <p:tgtEl>
-                                          <p:spTgt spid="7"/>
+                                          <p:spTgt spid="6"/>
                                         </p:tgtEl>
                                       </p:cBhvr>
                                     </p:animEffect>
@@ -4351,14 +9985,11 @@
         </p:cTn>
       </p:par>
     </p:tnLst>
-    <p:bldLst>
-      <p:bldP spid="3" grpId="0" build="p"/>
-    </p:bldLst>
   </p:timing>
 </p:sld>
 </file>
 
-<file path=ppt/slides/slide5.xml><?xml version="1.0" encoding="utf-8"?>
+<file path=ppt/slides/slide9.xml><?xml version="1.0" encoding="utf-8"?>
 <p:sld xmlns:a="http://schemas.openxmlformats.org/drawingml/2006/main" xmlns:r="http://schemas.openxmlformats.org/officeDocument/2006/relationships" xmlns:p="http://schemas.openxmlformats.org/presentationml/2006/main">
   <p:cSld>
     <p:spTree>
@@ -4387,8 +10018,8 @@
         </p:nvSpPr>
         <p:spPr>
           <a:xfrm>
-            <a:off x="1143000" y="304800"/>
-            <a:ext cx="6858000" cy="1143000"/>
+            <a:off x="1443038" y="301624"/>
+            <a:ext cx="6329362" cy="1146175"/>
           </a:xfrm>
         </p:spPr>
         <p:txBody>
@@ -4397,114 +10028,154 @@
           <a:p>
             <a:r>
               <a:rPr lang="en-US" dirty="0" smtClean="0"/>
-              <a:t>Coping with </a:t>
-            </a:r>
-            <a:r>
-              <a:rPr lang="en-US" dirty="0" smtClean="0">
+              <a:t>Bet-Doubling Paradox</a:t>
+            </a:r>
+            <a:endParaRPr lang="en-US" dirty="0"/>
+          </a:p>
+        </p:txBody>
+      </p:sp>
+      <p:sp>
+        <p:nvSpPr>
+          <p:cNvPr id="3" name="Content Placeholder 2"/>
+          <p:cNvSpPr>
+            <a:spLocks noGrp="1"/>
+          </p:cNvSpPr>
+          <p:nvPr>
+            <p:ph idx="1"/>
+          </p:nvPr>
+        </p:nvSpPr>
+        <p:spPr>
+          <a:xfrm>
+            <a:off x="533400" y="1295400"/>
+            <a:ext cx="8077200" cy="5181600"/>
+          </a:xfrm>
+        </p:spPr>
+        <p:txBody>
+          <a:bodyPr/>
+          <a:lstStyle/>
+          <a:p>
+            <a:pPr marL="0" indent="0">
+              <a:buNone/>
+            </a:pPr>
+            <a:r>
+              <a:rPr lang="en-US" sz="4400" dirty="0" smtClean="0">
+                <a:solidFill>
+                  <a:srgbClr val="000000"/>
+                </a:solidFill>
+                <a:latin typeface="Comic Sans MS"/>
+                <a:cs typeface="Comic Sans MS"/>
+              </a:rPr>
+              <a:t>So paradoxically, you are </a:t>
+            </a:r>
+            <a:r>
+              <a:rPr lang="en-US" sz="4400" dirty="0" smtClean="0">
+                <a:solidFill>
+                  <a:srgbClr val="008000"/>
+                </a:solidFill>
+                <a:latin typeface="Comic Sans MS"/>
+                <a:cs typeface="Comic Sans MS"/>
+              </a:rPr>
+              <a:t>certain</a:t>
+            </a:r>
+            <a:r>
+              <a:rPr lang="en-US" sz="4400" dirty="0" smtClean="0">
+                <a:solidFill>
+                  <a:srgbClr val="000000"/>
+                </a:solidFill>
+                <a:latin typeface="Comic Sans MS"/>
+                <a:cs typeface="Comic Sans MS"/>
+              </a:rPr>
+              <a:t> </a:t>
+            </a:r>
+            <a:r>
+              <a:rPr lang="en-US" sz="4400" dirty="0" smtClean="0">
+                <a:solidFill>
+                  <a:srgbClr val="008000"/>
+                </a:solidFill>
+                <a:latin typeface="Comic Sans MS"/>
+                <a:cs typeface="Comic Sans MS"/>
+              </a:rPr>
+              <a:t>to win</a:t>
+            </a:r>
+            <a:r>
+              <a:rPr lang="en-US" sz="4400" dirty="0" smtClean="0">
+                <a:solidFill>
+                  <a:srgbClr val="000000"/>
+                </a:solidFill>
+                <a:latin typeface="Comic Sans MS"/>
+                <a:cs typeface="Comic Sans MS"/>
+              </a:rPr>
+              <a:t> an </a:t>
+            </a:r>
+            <a:r>
+              <a:rPr lang="en-US" sz="4400" dirty="0" smtClean="0">
+                <a:solidFill>
+                  <a:srgbClr val="E10000"/>
+                </a:solidFill>
+                <a:latin typeface="Comic Sans MS"/>
+                <a:cs typeface="Comic Sans MS"/>
+              </a:rPr>
+              <a:t>unfair</a:t>
+            </a:r>
+            <a:r>
+              <a:rPr lang="en-US" sz="4400" dirty="0" smtClean="0">
+                <a:solidFill>
+                  <a:srgbClr val="000000"/>
+                </a:solidFill>
+                <a:latin typeface="Comic Sans MS"/>
+                <a:cs typeface="Comic Sans MS"/>
+              </a:rPr>
+              <a:t> game.</a:t>
+            </a:r>
+          </a:p>
+          <a:p>
+            <a:pPr marL="0" indent="0">
+              <a:buNone/>
+            </a:pPr>
+            <a:r>
+              <a:rPr lang="en-US" sz="4400" dirty="0" smtClean="0">
+                <a:solidFill>
+                  <a:srgbClr val="000000"/>
+                </a:solidFill>
+                <a:latin typeface="Comic Sans MS"/>
+                <a:cs typeface="Comic Sans MS"/>
+              </a:rPr>
+              <a:t>What’s the hitch: what bankroll will let you play?</a:t>
+            </a:r>
+          </a:p>
+          <a:p>
+            <a:pPr marL="0" indent="0">
+              <a:buNone/>
+            </a:pPr>
+            <a:r>
+              <a:rPr lang="en-US" sz="4400" dirty="0" smtClean="0">
+                <a:solidFill>
+                  <a:srgbClr val="0000FF"/>
+                </a:solidFill>
+                <a:latin typeface="Comic Sans MS"/>
+                <a:cs typeface="Comic Sans MS"/>
+              </a:rPr>
+              <a:t>E[$ in last bet] </a:t>
+            </a:r>
+            <a:r>
+              <a:rPr lang="en-US" sz="4400" b="1" dirty="0" smtClean="0">
                 <a:solidFill>
                   <a:srgbClr val="0000FF"/>
                 </a:solidFill>
                 <a:latin typeface="Euclid Symbol" charset="2"/>
                 <a:cs typeface="Euclid Symbol" charset="2"/>
               </a:rPr>
-              <a:t>∞ </a:t>
-            </a:r>
-            <a:r>
-              <a:rPr lang="en-US" dirty="0" smtClean="0"/>
-              <a:t>Expectation</a:t>
-            </a:r>
-            <a:endParaRPr lang="en-US" dirty="0"/>
-          </a:p>
-        </p:txBody>
-      </p:sp>
-      <p:sp>
-        <p:nvSpPr>
-          <p:cNvPr id="3" name="Content Placeholder 2"/>
-          <p:cNvSpPr>
-            <a:spLocks noGrp="1"/>
-          </p:cNvSpPr>
-          <p:nvPr>
-            <p:ph idx="1"/>
-          </p:nvPr>
-        </p:nvSpPr>
-        <p:spPr>
-          <a:xfrm>
-            <a:off x="152400" y="1371600"/>
-            <a:ext cx="8763000" cy="3657600"/>
-          </a:xfrm>
-        </p:spPr>
-        <p:txBody>
-          <a:bodyPr/>
-          <a:lstStyle/>
+              <a:t>=</a:t>
+            </a:r>
+          </a:p>
           <a:p>
             <a:pPr marL="0" indent="0">
               <a:buNone/>
             </a:pPr>
-            <a:r>
-              <a:rPr lang="en-US" sz="4800" dirty="0" smtClean="0"/>
-              <a:t>Average of repeated trials does not converge.  (No Weak Law.)</a:t>
-            </a:r>
-          </a:p>
-          <a:p>
-            <a:pPr marL="0" indent="0">
-              <a:buNone/>
-            </a:pPr>
-            <a:r>
-              <a:rPr lang="en-US" sz="4800" dirty="0" smtClean="0"/>
-              <a:t>But even if </a:t>
-            </a:r>
-            <a:r>
-              <a:rPr lang="en-US" sz="4800" dirty="0">
-                <a:solidFill>
-                  <a:srgbClr val="0000FF"/>
-                </a:solidFill>
-              </a:rPr>
-              <a:t>E[R] </a:t>
-            </a:r>
-            <a:r>
-              <a:rPr lang="en-US" sz="4800" b="1" dirty="0" smtClean="0">
-                <a:solidFill>
-                  <a:srgbClr val="0000FF"/>
-                </a:solidFill>
-                <a:latin typeface="Euclid Symbol" charset="2"/>
-                <a:cs typeface="Euclid Symbol" charset="2"/>
-              </a:rPr>
-              <a:t>=</a:t>
-            </a:r>
-            <a:r>
-              <a:rPr lang="en-US" sz="4800" dirty="0" smtClean="0">
-                <a:solidFill>
-                  <a:srgbClr val="0000FF"/>
-                </a:solidFill>
-              </a:rPr>
-              <a:t> </a:t>
-            </a:r>
-            <a:r>
-              <a:rPr lang="en-US" sz="4800" b="1" dirty="0" smtClean="0">
-                <a:solidFill>
-                  <a:srgbClr val="0000FF"/>
-                </a:solidFill>
-                <a:latin typeface="Euclid Symbol" charset="2"/>
-                <a:cs typeface="Euclid Symbol" charset="2"/>
-              </a:rPr>
-              <a:t>∞</a:t>
-            </a:r>
-            <a:r>
-              <a:rPr lang="en-US" sz="4800" dirty="0" smtClean="0">
-                <a:latin typeface="Comic Sans MS"/>
-                <a:cs typeface="Comic Sans MS"/>
-              </a:rPr>
-              <a:t>,  maybe</a:t>
-            </a:r>
-            <a:r>
-              <a:rPr lang="en-US" sz="4800" dirty="0" smtClean="0">
-                <a:solidFill>
-                  <a:srgbClr val="0000FF"/>
-                </a:solidFill>
-              </a:rPr>
-              <a:t> </a:t>
-            </a:r>
-            <a:endParaRPr lang="en-US" sz="4800" dirty="0" smtClean="0">
+            <a:endParaRPr lang="en-US" sz="4400" dirty="0" smtClean="0">
+              <a:solidFill>
+                <a:srgbClr val="000000"/>
+              </a:solidFill>
               <a:latin typeface="Comic Sans MS"/>
               <a:cs typeface="Comic Sans MS"/>
             </a:endParaRPr>
@@ -4530,17 +10201,21 @@
               <a:defRPr/>
             </a:pPr>
             <a:r>
-              <a:rPr lang="en-US" smtClean="0"/>
-              <a:t>Lec 14M.</a:t>
+              <a:rPr lang="en-US" dirty="0" err="1" smtClean="0"/>
+              <a:t>infexp</a:t>
+            </a:r>
+            <a:r>
+              <a:rPr lang="en-US" dirty="0" smtClean="0"/>
+              <a:t>.</a:t>
             </a:r>
             <a:fld id="{E877D3CB-F960-BD47-98A7-06971C504846}" type="slidenum">
               <a:rPr lang="en-US" smtClean="0"/>
               <a:pPr>
                 <a:defRPr/>
               </a:pPr>
-              <a:t>5</a:t>
+              <a:t>9</a:t>
             </a:fld>
-            <a:endParaRPr lang="en-US" smtClean="0"/>
+            <a:endParaRPr lang="en-US" dirty="0" smtClean="0"/>
           </a:p>
           <a:p>
             <a:pPr>
@@ -4578,32 +10253,32 @@
       </p:sp>
       <p:graphicFrame>
         <p:nvGraphicFramePr>
-          <p:cNvPr id="8" name="Object 7"/>
+          <p:cNvPr id="9" name="Object 8"/>
           <p:cNvGraphicFramePr>
             <a:graphicFrameLocks noChangeAspect="1"/>
           </p:cNvGraphicFramePr>
           <p:nvPr>
             <p:extLst>
               <p:ext uri="{D42A27DB-BD31-4B8C-83A1-F6EECF244321}">
-                <p14:modId xmlns:p14="http://schemas.microsoft.com/office/powerpoint/2010/main" val="3028073569"/>
+                <p14:modId xmlns:p14="http://schemas.microsoft.com/office/powerpoint/2010/main" val="2589357127"/>
               </p:ext>
             </p:extLst>
           </p:nvPr>
         </p:nvGraphicFramePr>
         <p:xfrm>
-          <a:off x="2703513" y="4724400"/>
-          <a:ext cx="3668712" cy="1423988"/>
+          <a:off x="469900" y="4811713"/>
+          <a:ext cx="7454900" cy="1665287"/>
         </p:xfrm>
         <a:graphic>
           <a:graphicData uri="http://schemas.openxmlformats.org/presentationml/2006/ole">
             <mc:AlternateContent xmlns:mc="http://schemas.openxmlformats.org/markup-compatibility/2006">
               <mc:Choice xmlns:v="urn:schemas-microsoft-com:vml" Requires="v">
-                <p:oleObj spid="_x0000_s250895" name="Equation" r:id="rId3" imgW="850900" imgH="330200" progId="Equation.DSMT4">
+                <p:oleObj spid="_x0000_s251927" name="Equation" r:id="rId4" imgW="2616200" imgH="584200" progId="Equation.DSMT4">
                   <p:embed/>
                 </p:oleObj>
               </mc:Choice>
               <mc:Fallback>
-                <p:oleObj name="Equation" r:id="rId3" imgW="850900" imgH="330200" progId="Equation.DSMT4">
+                <p:oleObj name="Equation" r:id="rId4" imgW="2616200" imgH="584200" progId="Equation.DSMT4">
                   <p:embed/>
                   <p:pic>
                     <p:nvPicPr>
@@ -4612,15 +10287,15 @@
                       <p:nvPr/>
                     </p:nvPicPr>
                     <p:blipFill>
-                      <a:blip r:embed="rId4"/>
+                      <a:blip r:embed="rId5"/>
                       <a:stretch>
                         <a:fillRect/>
                       </a:stretch>
                     </p:blipFill>
                     <p:spPr>
                       <a:xfrm>
-                        <a:off x="2703513" y="4724400"/>
-                        <a:ext cx="3668712" cy="1423988"/>
+                        <a:off x="469900" y="4811713"/>
+                        <a:ext cx="7454900" cy="1665287"/>
                       </a:xfrm>
                       <a:prstGeom prst="rect">
                         <a:avLst/>
@@ -4636,459 +10311,218 @@
     </p:spTree>
     <p:extLst>
       <p:ext uri="{BB962C8B-B14F-4D97-AF65-F5344CB8AC3E}">
-        <p14:creationId xmlns:p14="http://schemas.microsoft.com/office/powerpoint/2010/main" val="2649955908"/>
+        <p14:creationId xmlns:p14="http://schemas.microsoft.com/office/powerpoint/2010/main" val="4025986031"/>
       </p:ext>
     </p:extLst>
   </p:cSld>
   <p:clrMapOvr>
     <a:masterClrMapping/>
   </p:clrMapOvr>
-  <mc:AlternateContent xmlns:mc="http://schemas.openxmlformats.org/markup-compatibility/2006" xmlns:p14="http://schemas.microsoft.com/office/powerpoint/2010/main">
-    <mc:Choice Requires="p14">
-      <p:transition spd="med" p14:dur="700">
-        <p:fade/>
-      </p:transition>
-    </mc:Choice>
-    <mc:Fallback xmlns="">
-      <p:transition xmlns:p14="http://schemas.microsoft.com/office/powerpoint/2010/main" spd="med">
-        <p:fade/>
-      </p:transition>
-    </mc:Fallback>
-  </mc:AlternateContent>
+  <p:transition xmlns:p14="http://schemas.microsoft.com/office/powerpoint/2010/main" spd="slow" advClick="0">
+    <p:fade/>
+  </p:transition>
   <p:timing>
     <p:tnLst>
       <p:par>
-        <p:cTn xmlns:p14="http://schemas.microsoft.com/office/powerpoint/2010/main" id="1" dur="indefinite" restart="never" nodeType="tmRoot"/>
-      </p:par>
-    </p:tnLst>
-  </p:timing>
-</p:sld>
-</file>
-
-<file path=ppt/slides/slide6.xml><?xml version="1.0" encoding="utf-8"?>
-<p:sld xmlns:a="http://schemas.openxmlformats.org/drawingml/2006/main" xmlns:r="http://schemas.openxmlformats.org/officeDocument/2006/relationships" xmlns:p="http://schemas.openxmlformats.org/presentationml/2006/main">
-  <p:cSld>
-    <p:spTree>
-      <p:nvGrpSpPr>
-        <p:cNvPr id="1" name=""/>
-        <p:cNvGrpSpPr/>
-        <p:nvPr/>
-      </p:nvGrpSpPr>
-      <p:grpSpPr>
-        <a:xfrm>
-          <a:off x="0" y="0"/>
-          <a:ext cx="0" cy="0"/>
-          <a:chOff x="0" y="0"/>
-          <a:chExt cx="0" cy="0"/>
-        </a:xfrm>
-      </p:grpSpPr>
-      <p:sp>
-        <p:nvSpPr>
-          <p:cNvPr id="2" name="Title 1"/>
-          <p:cNvSpPr>
-            <a:spLocks noGrp="1"/>
-          </p:cNvSpPr>
-          <p:nvPr>
-            <p:ph type="title"/>
-          </p:nvPr>
-        </p:nvSpPr>
-        <p:spPr>
-          <a:xfrm>
-            <a:off x="1143000" y="304800"/>
-            <a:ext cx="6858000" cy="1143000"/>
-          </a:xfrm>
-        </p:spPr>
-        <p:txBody>
-          <a:bodyPr/>
-          <a:lstStyle/>
-          <a:p>
-            <a:r>
-              <a:rPr lang="en-US" dirty="0" smtClean="0"/>
-              <a:t>Coping with </a:t>
-            </a:r>
-            <a:r>
-              <a:rPr lang="en-US" dirty="0" smtClean="0">
-                <a:solidFill>
-                  <a:srgbClr val="0000FF"/>
-                </a:solidFill>
-                <a:latin typeface="Euclid Symbol" charset="2"/>
-                <a:cs typeface="Euclid Symbol" charset="2"/>
-              </a:rPr>
-              <a:t>∞ </a:t>
-            </a:r>
-            <a:r>
-              <a:rPr lang="en-US" dirty="0" smtClean="0"/>
-              <a:t>Expectation</a:t>
-            </a:r>
-            <a:endParaRPr lang="en-US" dirty="0"/>
-          </a:p>
-        </p:txBody>
-      </p:sp>
-      <p:sp>
-        <p:nvSpPr>
-          <p:cNvPr id="3" name="Content Placeholder 2"/>
-          <p:cNvSpPr>
-            <a:spLocks noGrp="1"/>
-          </p:cNvSpPr>
-          <p:nvPr>
-            <p:ph idx="1"/>
-          </p:nvPr>
-        </p:nvSpPr>
-        <p:spPr>
-          <a:xfrm>
-            <a:off x="152400" y="1371600"/>
-            <a:ext cx="8839200" cy="4191000"/>
-          </a:xfrm>
-        </p:spPr>
-        <p:txBody>
-          <a:bodyPr/>
-          <a:lstStyle/>
-          <a:p>
-            <a:pPr marL="0" indent="0">
-              <a:buNone/>
-            </a:pPr>
-            <a:r>
-              <a:rPr lang="en-US" sz="4800" dirty="0" smtClean="0"/>
-              <a:t>Average of repeated trials does not converge.  (No Weak Law.)</a:t>
-            </a:r>
-          </a:p>
-          <a:p>
-            <a:pPr marL="0" indent="0">
-              <a:buNone/>
-            </a:pPr>
-            <a:r>
-              <a:rPr lang="en-US" sz="4800" dirty="0" smtClean="0"/>
-              <a:t>But even if </a:t>
-            </a:r>
-            <a:r>
-              <a:rPr lang="en-US" sz="4800" dirty="0">
-                <a:solidFill>
-                  <a:srgbClr val="0000FF"/>
-                </a:solidFill>
-              </a:rPr>
-              <a:t>E[R] </a:t>
-            </a:r>
-            <a:r>
-              <a:rPr lang="en-US" sz="4800" b="1" dirty="0" smtClean="0">
-                <a:solidFill>
-                  <a:srgbClr val="0000FF"/>
-                </a:solidFill>
-                <a:latin typeface="Euclid Symbol" charset="2"/>
-                <a:cs typeface="Euclid Symbol" charset="2"/>
-              </a:rPr>
-              <a:t>=</a:t>
-            </a:r>
-            <a:r>
-              <a:rPr lang="en-US" sz="4800" dirty="0" smtClean="0">
-                <a:solidFill>
-                  <a:srgbClr val="0000FF"/>
-                </a:solidFill>
-              </a:rPr>
-              <a:t> </a:t>
-            </a:r>
-            <a:r>
-              <a:rPr lang="en-US" sz="4800" b="1" dirty="0" smtClean="0">
-                <a:solidFill>
-                  <a:srgbClr val="0000FF"/>
-                </a:solidFill>
-                <a:latin typeface="Euclid Symbol" charset="2"/>
-                <a:cs typeface="Euclid Symbol" charset="2"/>
-              </a:rPr>
-              <a:t>∞</a:t>
-            </a:r>
-            <a:r>
-              <a:rPr lang="en-US" sz="4800" dirty="0" smtClean="0">
-                <a:latin typeface="Comic Sans MS"/>
-                <a:cs typeface="Comic Sans MS"/>
-              </a:rPr>
-              <a:t>,  </a:t>
-            </a:r>
-          </a:p>
-          <a:p>
-            <a:pPr marL="0" indent="0">
-              <a:buNone/>
-            </a:pPr>
-            <a:r>
-              <a:rPr lang="en-US" sz="4800" dirty="0" smtClean="0"/>
-              <a:t>analyze </a:t>
-            </a:r>
-            <a:r>
-              <a:rPr lang="en-US" sz="4800" dirty="0"/>
-              <a:t>rate of </a:t>
-            </a:r>
-            <a:r>
-              <a:rPr lang="en-US" sz="4800" dirty="0" smtClean="0"/>
-              <a:t>divergence.</a:t>
-            </a:r>
-            <a:endParaRPr lang="en-US" sz="4800" dirty="0" smtClean="0">
-              <a:latin typeface="Comic Sans MS"/>
-              <a:cs typeface="Comic Sans MS"/>
-            </a:endParaRPr>
-          </a:p>
-        </p:txBody>
-      </p:sp>
-      <p:sp>
-        <p:nvSpPr>
-          <p:cNvPr id="4" name="Slide Number Placeholder 3"/>
-          <p:cNvSpPr>
-            <a:spLocks noGrp="1"/>
-          </p:cNvSpPr>
-          <p:nvPr>
-            <p:ph type="sldNum" sz="quarter" idx="12"/>
-          </p:nvPr>
-        </p:nvSpPr>
-        <p:spPr/>
-        <p:txBody>
-          <a:bodyPr/>
-          <a:lstStyle/>
-          <a:p>
-            <a:pPr>
-              <a:defRPr/>
-            </a:pPr>
-            <a:r>
-              <a:rPr lang="en-US" smtClean="0"/>
-              <a:t>Lec 14M.</a:t>
-            </a:r>
-            <a:fld id="{E877D3CB-F960-BD47-98A7-06971C504846}" type="slidenum">
-              <a:rPr lang="en-US" smtClean="0"/>
-              <a:pPr>
-                <a:defRPr/>
-              </a:pPr>
-              <a:t>6</a:t>
-            </a:fld>
-            <a:endParaRPr lang="en-US" smtClean="0"/>
-          </a:p>
-          <a:p>
-            <a:pPr>
-              <a:defRPr/>
-            </a:pPr>
-            <a:endParaRPr lang="en-US" dirty="0"/>
-          </a:p>
-        </p:txBody>
-      </p:sp>
-      <p:sp>
-        <p:nvSpPr>
-          <p:cNvPr id="5" name="Date Placeholder 4"/>
-          <p:cNvSpPr>
-            <a:spLocks noGrp="1"/>
-          </p:cNvSpPr>
-          <p:nvPr>
-            <p:ph type="dt" sz="half" idx="2"/>
-          </p:nvPr>
-        </p:nvSpPr>
-        <p:spPr/>
-        <p:txBody>
-          <a:bodyPr/>
-          <a:lstStyle/>
-          <a:p>
-            <a:pPr>
-              <a:defRPr/>
-            </a:pPr>
-            <a:r>
-              <a:rPr lang="en-US" smtClean="0"/>
-              <a:t>Albert R Meyer,                        May 14, 2012</a:t>
-            </a:r>
-            <a:endParaRPr lang="en-US" dirty="0"/>
-          </a:p>
-        </p:txBody>
-      </p:sp>
-    </p:spTree>
-    <p:extLst>
-      <p:ext uri="{BB962C8B-B14F-4D97-AF65-F5344CB8AC3E}">
-        <p14:creationId xmlns:p14="http://schemas.microsoft.com/office/powerpoint/2010/main" val="2266188833"/>
-      </p:ext>
-    </p:extLst>
-  </p:cSld>
-  <p:clrMapOvr>
-    <a:masterClrMapping/>
-  </p:clrMapOvr>
-  <mc:AlternateContent xmlns:mc="http://schemas.openxmlformats.org/markup-compatibility/2006" xmlns:p14="http://schemas.microsoft.com/office/powerpoint/2010/main">
-    <mc:Choice Requires="p14">
-      <p:transition spd="med" p14:dur="700">
-        <p:fade/>
-      </p:transition>
-    </mc:Choice>
-    <mc:Fallback xmlns="">
-      <p:transition xmlns:p14="http://schemas.microsoft.com/office/powerpoint/2010/main" spd="med">
-        <p:fade/>
-      </p:transition>
-    </mc:Fallback>
-  </mc:AlternateContent>
-  <p:timing>
-    <p:tnLst>
-      <p:par>
-        <p:cTn xmlns:p14="http://schemas.microsoft.com/office/powerpoint/2010/main" id="1" dur="indefinite" restart="never" nodeType="tmRoot"/>
-      </p:par>
-    </p:tnLst>
-  </p:timing>
-</p:sld>
-</file>
-
-<file path=ppt/slides/slide7.xml><?xml version="1.0" encoding="utf-8"?>
-<p:sld xmlns:a="http://schemas.openxmlformats.org/drawingml/2006/main" xmlns:r="http://schemas.openxmlformats.org/officeDocument/2006/relationships" xmlns:p="http://schemas.openxmlformats.org/presentationml/2006/main">
-  <p:cSld>
-    <p:spTree>
-      <p:nvGrpSpPr>
-        <p:cNvPr id="1" name=""/>
-        <p:cNvGrpSpPr/>
-        <p:nvPr/>
-      </p:nvGrpSpPr>
-      <p:grpSpPr>
-        <a:xfrm>
-          <a:off x="0" y="0"/>
-          <a:ext cx="0" cy="0"/>
-          <a:chOff x="0" y="0"/>
-          <a:chExt cx="0" cy="0"/>
-        </a:xfrm>
-      </p:grpSpPr>
-      <p:sp>
-        <p:nvSpPr>
-          <p:cNvPr id="2" name="Title 1"/>
-          <p:cNvSpPr>
-            <a:spLocks noGrp="1"/>
-          </p:cNvSpPr>
-          <p:nvPr>
-            <p:ph type="title"/>
-          </p:nvPr>
-        </p:nvSpPr>
-        <p:spPr/>
-        <p:txBody>
-          <a:bodyPr/>
-          <a:lstStyle/>
-          <a:p>
-            <a:r>
-              <a:rPr lang="en-US" dirty="0" smtClean="0"/>
-              <a:t>Moral of the Story</a:t>
-            </a:r>
-            <a:endParaRPr lang="en-US" dirty="0"/>
-          </a:p>
-        </p:txBody>
-      </p:sp>
-      <p:sp>
-        <p:nvSpPr>
-          <p:cNvPr id="3" name="Content Placeholder 2"/>
-          <p:cNvSpPr>
-            <a:spLocks noGrp="1"/>
-          </p:cNvSpPr>
-          <p:nvPr>
-            <p:ph idx="1"/>
-          </p:nvPr>
-        </p:nvSpPr>
-        <p:spPr>
-          <a:xfrm>
-            <a:off x="228600" y="1905000"/>
-            <a:ext cx="8686800" cy="3124200"/>
-          </a:xfrm>
-        </p:spPr>
-        <p:txBody>
-          <a:bodyPr/>
-          <a:lstStyle/>
-          <a:p>
-            <a:r>
-              <a:rPr lang="en-US" sz="5400" dirty="0" smtClean="0"/>
-              <a:t>Infinite expectation comes up naturally</a:t>
-            </a:r>
-          </a:p>
-          <a:p>
-            <a:r>
-              <a:rPr lang="en-US" sz="5400" dirty="0" smtClean="0"/>
-              <a:t>But usually is manageable</a:t>
-            </a:r>
-            <a:endParaRPr lang="en-US" sz="5400" dirty="0"/>
-          </a:p>
-        </p:txBody>
-      </p:sp>
-      <p:sp>
-        <p:nvSpPr>
-          <p:cNvPr id="4" name="Slide Number Placeholder 3"/>
-          <p:cNvSpPr>
-            <a:spLocks noGrp="1"/>
-          </p:cNvSpPr>
-          <p:nvPr>
-            <p:ph type="sldNum" sz="quarter" idx="12"/>
-          </p:nvPr>
-        </p:nvSpPr>
-        <p:spPr/>
-        <p:txBody>
-          <a:bodyPr/>
-          <a:lstStyle/>
-          <a:p>
-            <a:pPr>
-              <a:defRPr/>
-            </a:pPr>
-            <a:r>
-              <a:rPr lang="en-US" smtClean="0"/>
-              <a:t>Lec 14M.</a:t>
-            </a:r>
-            <a:fld id="{E877D3CB-F960-BD47-98A7-06971C504846}" type="slidenum">
-              <a:rPr lang="en-US" smtClean="0"/>
-              <a:pPr>
-                <a:defRPr/>
-              </a:pPr>
-              <a:t>7</a:t>
-            </a:fld>
-            <a:endParaRPr lang="en-US" smtClean="0"/>
-          </a:p>
-          <a:p>
-            <a:pPr>
-              <a:defRPr/>
-            </a:pPr>
-            <a:endParaRPr lang="en-US" dirty="0"/>
-          </a:p>
-        </p:txBody>
-      </p:sp>
-      <p:sp>
-        <p:nvSpPr>
-          <p:cNvPr id="5" name="Date Placeholder 4"/>
-          <p:cNvSpPr>
-            <a:spLocks noGrp="1"/>
-          </p:cNvSpPr>
-          <p:nvPr>
-            <p:ph type="dt" sz="half" idx="2"/>
-          </p:nvPr>
-        </p:nvSpPr>
-        <p:spPr/>
-        <p:txBody>
-          <a:bodyPr/>
-          <a:lstStyle/>
-          <a:p>
-            <a:pPr>
-              <a:defRPr/>
-            </a:pPr>
-            <a:r>
-              <a:rPr lang="en-US" smtClean="0"/>
-              <a:t>Albert R Meyer,                        May 14, 2012</a:t>
-            </a:r>
-            <a:endParaRPr lang="en-US" dirty="0"/>
-          </a:p>
-        </p:txBody>
-      </p:sp>
-    </p:spTree>
-    <p:extLst>
-      <p:ext uri="{BB962C8B-B14F-4D97-AF65-F5344CB8AC3E}">
-        <p14:creationId xmlns:p14="http://schemas.microsoft.com/office/powerpoint/2010/main" val="1659414089"/>
-      </p:ext>
-    </p:extLst>
-  </p:cSld>
-  <p:clrMapOvr>
-    <a:masterClrMapping/>
-  </p:clrMapOvr>
-  <mc:AlternateContent xmlns:mc="http://schemas.openxmlformats.org/markup-compatibility/2006" xmlns:p14="http://schemas.microsoft.com/office/powerpoint/2010/main">
-    <mc:Choice Requires="p14">
-      <p:transition spd="slow" p14:dur="1100">
-        <p:fade thruBlk="1"/>
-      </p:transition>
-    </mc:Choice>
-    <mc:Fallback xmlns="">
-      <p:transition xmlns:p14="http://schemas.microsoft.com/office/powerpoint/2010/main" spd="slow">
-        <p:fade thruBlk="1"/>
-      </p:transition>
-    </mc:Fallback>
-  </mc:AlternateContent>
-  <p:timing>
-    <p:tnLst>
-      <p:par>
-        <p:cTn xmlns:p14="http://schemas.microsoft.com/office/powerpoint/2010/main" id="1" dur="indefinite" restart="never" nodeType="tmRoot"/>
+        <p:cTn xmlns:p14="http://schemas.microsoft.com/office/powerpoint/2010/main" id="1" dur="indefinite" restart="never" nodeType="tmRoot">
+          <p:childTnLst>
+            <p:seq concurrent="1" nextAc="seek">
+              <p:cTn id="2" dur="indefinite" nodeType="mainSeq">
+                <p:childTnLst>
+                  <p:par>
+                    <p:cTn id="3" fill="hold">
+                      <p:stCondLst>
+                        <p:cond delay="indefinite"/>
+                      </p:stCondLst>
+                      <p:childTnLst>
+                        <p:par>
+                          <p:cTn id="4" fill="hold">
+                            <p:stCondLst>
+                              <p:cond delay="0"/>
+                            </p:stCondLst>
+                            <p:childTnLst>
+                              <p:par>
+                                <p:cTn id="5" presetID="10" presetClass="entr" presetSubtype="0" fill="hold" nodeType="clickEffect">
+                                  <p:stCondLst>
+                                    <p:cond delay="0"/>
+                                  </p:stCondLst>
+                                  <p:childTnLst>
+                                    <p:set>
+                                      <p:cBhvr>
+                                        <p:cTn id="6" dur="1" fill="hold">
+                                          <p:stCondLst>
+                                            <p:cond delay="0"/>
+                                          </p:stCondLst>
+                                        </p:cTn>
+                                        <p:tgtEl>
+                                          <p:spTgt spid="3">
+                                            <p:txEl>
+                                              <p:pRg st="1" end="1"/>
+                                            </p:txEl>
+                                          </p:spTgt>
+                                        </p:tgtEl>
+                                        <p:attrNameLst>
+                                          <p:attrName>style.visibility</p:attrName>
+                                        </p:attrNameLst>
+                                      </p:cBhvr>
+                                      <p:to>
+                                        <p:strVal val="visible"/>
+                                      </p:to>
+                                    </p:set>
+                                    <p:animEffect transition="in" filter="fade">
+                                      <p:cBhvr>
+                                        <p:cTn id="7" dur="500"/>
+                                        <p:tgtEl>
+                                          <p:spTgt spid="3">
+                                            <p:txEl>
+                                              <p:pRg st="1" end="1"/>
+                                            </p:txEl>
+                                          </p:spTgt>
+                                        </p:tgtEl>
+                                      </p:cBhvr>
+                                    </p:animEffect>
+                                  </p:childTnLst>
+                                </p:cTn>
+                              </p:par>
+                            </p:childTnLst>
+                          </p:cTn>
+                        </p:par>
+                      </p:childTnLst>
+                    </p:cTn>
+                  </p:par>
+                  <p:par>
+                    <p:cTn id="8" fill="hold">
+                      <p:stCondLst>
+                        <p:cond delay="indefinite"/>
+                      </p:stCondLst>
+                      <p:childTnLst>
+                        <p:par>
+                          <p:cTn id="9" fill="hold">
+                            <p:stCondLst>
+                              <p:cond delay="0"/>
+                            </p:stCondLst>
+                            <p:childTnLst>
+                              <p:par>
+                                <p:cTn id="10" presetID="22" presetClass="entr" presetSubtype="8" fill="hold" nodeType="clickEffect">
+                                  <p:stCondLst>
+                                    <p:cond delay="0"/>
+                                  </p:stCondLst>
+                                  <p:childTnLst>
+                                    <p:set>
+                                      <p:cBhvr>
+                                        <p:cTn id="11" dur="1" fill="hold">
+                                          <p:stCondLst>
+                                            <p:cond delay="0"/>
+                                          </p:stCondLst>
+                                        </p:cTn>
+                                        <p:tgtEl>
+                                          <p:spTgt spid="3">
+                                            <p:txEl>
+                                              <p:pRg st="2" end="2"/>
+                                            </p:txEl>
+                                          </p:spTgt>
+                                        </p:tgtEl>
+                                        <p:attrNameLst>
+                                          <p:attrName>style.visibility</p:attrName>
+                                        </p:attrNameLst>
+                                      </p:cBhvr>
+                                      <p:to>
+                                        <p:strVal val="visible"/>
+                                      </p:to>
+                                    </p:set>
+                                    <p:animEffect transition="in" filter="wipe(left)">
+                                      <p:cBhvr>
+                                        <p:cTn id="12" dur="500"/>
+                                        <p:tgtEl>
+                                          <p:spTgt spid="3">
+                                            <p:txEl>
+                                              <p:pRg st="2" end="2"/>
+                                            </p:txEl>
+                                          </p:spTgt>
+                                        </p:tgtEl>
+                                      </p:cBhvr>
+                                    </p:animEffect>
+                                  </p:childTnLst>
+                                </p:cTn>
+                              </p:par>
+                            </p:childTnLst>
+                          </p:cTn>
+                        </p:par>
+                      </p:childTnLst>
+                    </p:cTn>
+                  </p:par>
+                  <p:par>
+                    <p:cTn id="13" fill="hold">
+                      <p:stCondLst>
+                        <p:cond delay="indefinite"/>
+                      </p:stCondLst>
+                      <p:childTnLst>
+                        <p:par>
+                          <p:cTn id="14" fill="hold">
+                            <p:stCondLst>
+                              <p:cond delay="0"/>
+                            </p:stCondLst>
+                            <p:childTnLst>
+                              <p:par>
+                                <p:cTn id="15" presetID="22" presetClass="entr" presetSubtype="8" fill="hold" nodeType="clickEffect">
+                                  <p:stCondLst>
+                                    <p:cond delay="0"/>
+                                  </p:stCondLst>
+                                  <p:childTnLst>
+                                    <p:set>
+                                      <p:cBhvr>
+                                        <p:cTn id="16" dur="1" fill="hold">
+                                          <p:stCondLst>
+                                            <p:cond delay="0"/>
+                                          </p:stCondLst>
+                                        </p:cTn>
+                                        <p:tgtEl>
+                                          <p:spTgt spid="9"/>
+                                        </p:tgtEl>
+                                        <p:attrNameLst>
+                                          <p:attrName>style.visibility</p:attrName>
+                                        </p:attrNameLst>
+                                      </p:cBhvr>
+                                      <p:to>
+                                        <p:strVal val="visible"/>
+                                      </p:to>
+                                    </p:set>
+                                    <p:animEffect transition="in" filter="wipe(left)">
+                                      <p:cBhvr>
+                                        <p:cTn id="17" dur="3000"/>
+                                        <p:tgtEl>
+                                          <p:spTgt spid="9"/>
+                                        </p:tgtEl>
+                                      </p:cBhvr>
+                                    </p:animEffect>
+                                  </p:childTnLst>
+                                </p:cTn>
+                              </p:par>
+                            </p:childTnLst>
+                          </p:cTn>
+                        </p:par>
+                      </p:childTnLst>
+                    </p:cTn>
+                  </p:par>
+                </p:childTnLst>
+              </p:cTn>
+              <p:prevCondLst>
+                <p:cond evt="onPrev" delay="0">
+                  <p:tgtEl>
+                    <p:sldTgt/>
+                  </p:tgtEl>
+                </p:cond>
+              </p:prevCondLst>
+              <p:nextCondLst>
+                <p:cond evt="onNext" delay="0">
+                  <p:tgtEl>
+                    <p:sldTgt/>
+                  </p:tgtEl>
+                </p:cond>
+              </p:nextCondLst>
+            </p:seq>
+          </p:childTnLst>
+        </p:cTn>
       </p:par>
     </p:tnLst>
   </p:timing>
